--- a/URL Phishing Detection.pptx
+++ b/URL Phishing Detection.pptx
@@ -14,17 +14,25 @@
     <p:sldId id="260" r:id="rId8"/>
     <p:sldId id="261" r:id="rId9"/>
     <p:sldId id="262" r:id="rId10"/>
-    <p:sldId id="263" r:id="rId11"/>
-    <p:sldId id="269" r:id="rId12"/>
-    <p:sldId id="264" r:id="rId13"/>
-    <p:sldId id="265" r:id="rId14"/>
-    <p:sldId id="274" r:id="rId15"/>
-    <p:sldId id="268" r:id="rId16"/>
-    <p:sldId id="271" r:id="rId17"/>
-    <p:sldId id="275" r:id="rId18"/>
-    <p:sldId id="272" r:id="rId19"/>
-    <p:sldId id="273" r:id="rId20"/>
-    <p:sldId id="276" r:id="rId21"/>
+    <p:sldId id="265" r:id="rId11"/>
+    <p:sldId id="264" r:id="rId12"/>
+    <p:sldId id="263" r:id="rId13"/>
+    <p:sldId id="277" r:id="rId14"/>
+    <p:sldId id="278" r:id="rId15"/>
+    <p:sldId id="283" r:id="rId16"/>
+    <p:sldId id="280" r:id="rId17"/>
+    <p:sldId id="281" r:id="rId18"/>
+    <p:sldId id="282" r:id="rId19"/>
+    <p:sldId id="269" r:id="rId20"/>
+    <p:sldId id="274" r:id="rId21"/>
+    <p:sldId id="268" r:id="rId22"/>
+    <p:sldId id="271" r:id="rId23"/>
+    <p:sldId id="284" r:id="rId24"/>
+    <p:sldId id="275" r:id="rId25"/>
+    <p:sldId id="272" r:id="rId26"/>
+    <p:sldId id="273" r:id="rId27"/>
+    <p:sldId id="285" r:id="rId28"/>
+    <p:sldId id="276" r:id="rId29"/>
   </p:sldIdLst>
   <p:sldSz cx="12192000" cy="6858000"/>
   <p:notesSz cx="6858000" cy="9144000"/>
@@ -2319,7 +2327,7 @@
             <a:fld id="{A5B0A250-5CC0-1746-B209-08E8B0DAE6AF}" type="datetimeFigureOut">
               <a:rPr lang="en-US" smtClean="0"/>
               <a:pPr algn="l"/>
-              <a:t>2/25/2023</a:t>
+              <a:t>2/27/2023</a:t>
             </a:fld>
             <a:endParaRPr lang="en-US" dirty="0"/>
           </a:p>
@@ -3781,7 +3789,7 @@
           <a:p>
             <a:fld id="{A5B0A250-5CC0-1746-B209-08E8B0DAE6AF}" type="datetimeFigureOut">
               <a:rPr lang="en-US" smtClean="0"/>
-              <a:t>2/25/2023</a:t>
+              <a:t>2/27/2023</a:t>
             </a:fld>
             <a:endParaRPr lang="en-US" dirty="0"/>
           </a:p>
@@ -4711,7 +4719,7 @@
           <a:p>
             <a:fld id="{A5B0A250-5CC0-1746-B209-08E8B0DAE6AF}" type="datetimeFigureOut">
               <a:rPr lang="en-US" smtClean="0"/>
-              <a:t>2/25/2023</a:t>
+              <a:t>2/27/2023</a:t>
             </a:fld>
             <a:endParaRPr lang="en-US"/>
           </a:p>
@@ -6168,7 +6176,7 @@
           <a:p>
             <a:fld id="{A5B0A250-5CC0-1746-B209-08E8B0DAE6AF}" type="datetimeFigureOut">
               <a:rPr lang="en-US" smtClean="0"/>
-              <a:t>2/25/2023</a:t>
+              <a:t>2/27/2023</a:t>
             </a:fld>
             <a:endParaRPr lang="en-US" dirty="0"/>
           </a:p>
@@ -8524,7 +8532,7 @@
           <a:p>
             <a:fld id="{A5B0A250-5CC0-1746-B209-08E8B0DAE6AF}" type="datetimeFigureOut">
               <a:rPr lang="en-US" smtClean="0"/>
-              <a:t>2/25/2023</a:t>
+              <a:t>2/27/2023</a:t>
             </a:fld>
             <a:endParaRPr lang="en-US" dirty="0"/>
           </a:p>
@@ -9565,7 +9573,7 @@
           <a:p>
             <a:fld id="{A5B0A250-5CC0-1746-B209-08E8B0DAE6AF}" type="datetimeFigureOut">
               <a:rPr lang="en-US" smtClean="0"/>
-              <a:t>2/25/2023</a:t>
+              <a:t>2/27/2023</a:t>
             </a:fld>
             <a:endParaRPr lang="en-US" dirty="0"/>
           </a:p>
@@ -10778,7 +10786,7 @@
           <a:p>
             <a:fld id="{A5B0A250-5CC0-1746-B209-08E8B0DAE6AF}" type="datetimeFigureOut">
               <a:rPr lang="en-US" smtClean="0"/>
-              <a:t>2/25/2023</a:t>
+              <a:t>2/27/2023</a:t>
             </a:fld>
             <a:endParaRPr lang="en-US" dirty="0"/>
           </a:p>
@@ -11687,7 +11695,7 @@
           <a:p>
             <a:fld id="{A5B0A250-5CC0-1746-B209-08E8B0DAE6AF}" type="datetimeFigureOut">
               <a:rPr lang="en-US" smtClean="0"/>
-              <a:t>2/25/2023</a:t>
+              <a:t>2/27/2023</a:t>
             </a:fld>
             <a:endParaRPr lang="en-US" dirty="0"/>
           </a:p>
@@ -11846,7 +11854,7 @@
             <a:fld id="{A5B0A250-5CC0-1746-B209-08E8B0DAE6AF}" type="datetimeFigureOut">
               <a:rPr lang="en-US" smtClean="0"/>
               <a:pPr/>
-              <a:t>2/25/2023</a:t>
+              <a:t>2/27/2023</a:t>
             </a:fld>
             <a:endParaRPr lang="en-US" dirty="0"/>
           </a:p>
@@ -12829,7 +12837,7 @@
           <a:p>
             <a:fld id="{A5B0A250-5CC0-1746-B209-08E8B0DAE6AF}" type="datetimeFigureOut">
               <a:rPr lang="en-US" smtClean="0"/>
-              <a:t>2/25/2023</a:t>
+              <a:t>2/27/2023</a:t>
             </a:fld>
             <a:endParaRPr lang="en-US" dirty="0"/>
           </a:p>
@@ -13891,7 +13899,7 @@
           <a:p>
             <a:fld id="{A5B0A250-5CC0-1746-B209-08E8B0DAE6AF}" type="datetimeFigureOut">
               <a:rPr lang="en-US" smtClean="0"/>
-              <a:t>2/25/2023</a:t>
+              <a:t>2/27/2023</a:t>
             </a:fld>
             <a:endParaRPr lang="en-US" dirty="0"/>
           </a:p>
@@ -14179,7 +14187,7 @@
             <a:fld id="{A5B0A250-5CC0-1746-B209-08E8B0DAE6AF}" type="datetimeFigureOut">
               <a:rPr lang="en-US" smtClean="0"/>
               <a:pPr/>
-              <a:t>2/25/2023</a:t>
+              <a:t>2/27/2023</a:t>
             </a:fld>
             <a:endParaRPr lang="en-US" dirty="0"/>
           </a:p>
@@ -15635,6 +15643,14 @@
 <file path=ppt/slides/slide10.xml><?xml version="1.0" encoding="utf-8"?>
 <p:sld xmlns:a="http://schemas.openxmlformats.org/drawingml/2006/main" xmlns:r="http://schemas.openxmlformats.org/officeDocument/2006/relationships" xmlns:p="http://schemas.openxmlformats.org/presentationml/2006/main">
   <p:cSld>
+    <p:bg>
+      <p:bgPr>
+        <a:solidFill>
+          <a:schemeClr val="bg1"/>
+        </a:solidFill>
+        <a:effectLst/>
+      </p:bgPr>
+    </p:bg>
     <p:spTree>
       <p:nvGrpSpPr>
         <p:cNvPr id="1" name=""/>
@@ -15649,49 +15665,574 @@
           <a:chExt cx="0" cy="0"/>
         </a:xfrm>
       </p:grpSpPr>
-      <p:sp>
+      <p:sp useBgFill="1">
         <p:nvSpPr>
-          <p:cNvPr id="2" name="כותרת 1">
+          <p:cNvPr id="10" name="Rectangle 9">
             <a:extLst>
               <a:ext uri="{FF2B5EF4-FFF2-40B4-BE49-F238E27FC236}">
-                <a16:creationId xmlns:a16="http://schemas.microsoft.com/office/drawing/2014/main" id="{91861124-9CA6-C2E1-59B7-740E2738CC2F}"/>
+                <a16:creationId xmlns:a16="http://schemas.microsoft.com/office/drawing/2014/main" id="{C7F2E4D6-EF46-1C43-8F3E-3620C3C83F36}"/>
+              </a:ext>
+              <a:ext uri="{C183D7F6-B498-43B3-948B-1728B52AA6E4}">
+                <adec:decorative xmlns:adec="http://schemas.microsoft.com/office/drawing/2017/decorative" val="1"/>
               </a:ext>
             </a:extLst>
           </p:cNvPr>
           <p:cNvSpPr>
-            <a:spLocks noGrp="1"/>
+            <a:spLocks noGrp="1" noRot="1" noChangeAspect="1" noMove="1" noResize="1" noEditPoints="1" noAdjustHandles="1" noChangeArrowheads="1" noChangeShapeType="1" noTextEdit="1"/>
           </p:cNvSpPr>
           <p:nvPr>
-            <p:ph type="title"/>
+            <p:extLst>
+              <p:ext uri="{386F3935-93C4-4BCD-93E2-E3B085C9AB24}">
+                <p16:designElem xmlns:p16="http://schemas.microsoft.com/office/powerpoint/2015/main" val="1"/>
+              </p:ext>
+            </p:extLst>
           </p:nvPr>
         </p:nvSpPr>
         <p:spPr>
           <a:xfrm>
-            <a:off x="2186311" y="743181"/>
-            <a:ext cx="7687610" cy="1268984"/>
+            <a:off x="0" y="0"/>
+            <a:ext cx="12192000" cy="6858000"/>
           </a:xfrm>
+          <a:prstGeom prst="rect">
+            <a:avLst/>
+          </a:prstGeom>
+          <a:ln>
+            <a:noFill/>
+          </a:ln>
         </p:spPr>
+        <p:style>
+          <a:lnRef idx="2">
+            <a:schemeClr val="accent1">
+              <a:shade val="50000"/>
+            </a:schemeClr>
+          </a:lnRef>
+          <a:fillRef idx="1">
+            <a:schemeClr val="accent1"/>
+          </a:fillRef>
+          <a:effectRef idx="0">
+            <a:schemeClr val="accent1"/>
+          </a:effectRef>
+          <a:fontRef idx="minor">
+            <a:schemeClr val="lt1"/>
+          </a:fontRef>
+        </p:style>
         <p:txBody>
-          <a:bodyPr>
-            <a:normAutofit/>
-          </a:bodyPr>
+          <a:bodyPr rtlCol="0" anchor="ctr"/>
           <a:lstStyle/>
           <a:p>
-            <a:pPr algn="ctr" rtl="1"/>
-            <a:r>
-              <a:rPr lang="he-IL" u="sng" dirty="0"/>
-              <a:t>מאפיינים חזקים עבור המודל הבסיסי</a:t>
-            </a:r>
-            <a:endParaRPr lang="en-IL" u="sng" dirty="0"/>
+            <a:pPr algn="ctr"/>
+            <a:endParaRPr lang="en-US"/>
           </a:p>
         </p:txBody>
       </p:sp>
+      <p:grpSp>
+        <p:nvGrpSpPr>
+          <p:cNvPr id="12" name="Group 11">
+            <a:extLst>
+              <a:ext uri="{FF2B5EF4-FFF2-40B4-BE49-F238E27FC236}">
+                <a16:creationId xmlns:a16="http://schemas.microsoft.com/office/drawing/2014/main" id="{70EBDB1D-17AA-8140-B216-35CBA8C9E411}"/>
+              </a:ext>
+              <a:ext uri="{C183D7F6-B498-43B3-948B-1728B52AA6E4}">
+                <adec:decorative xmlns:adec="http://schemas.microsoft.com/office/drawing/2017/decorative" val="1"/>
+              </a:ext>
+            </a:extLst>
+          </p:cNvPr>
+          <p:cNvGrpSpPr>
+            <a:grpSpLocks noGrp="1" noUngrp="1" noRot="1" noChangeAspect="1" noMove="1" noResize="1"/>
+          </p:cNvGrpSpPr>
+          <p:nvPr>
+            <p:extLst>
+              <p:ext uri="{386F3935-93C4-4BCD-93E2-E3B085C9AB24}">
+                <p16:designElem xmlns:p16="http://schemas.microsoft.com/office/powerpoint/2015/main" val="1"/>
+              </p:ext>
+            </p:extLst>
+          </p:nvPr>
+        </p:nvGrpSpPr>
+        <p:grpSpPr>
+          <a:xfrm>
+            <a:off x="10290315" y="0"/>
+            <a:ext cx="1901686" cy="4677439"/>
+            <a:chOff x="10290315" y="0"/>
+            <a:chExt cx="1901686" cy="4677439"/>
+          </a:xfrm>
+        </p:grpSpPr>
+        <p:sp>
+          <p:nvSpPr>
+            <p:cNvPr id="13" name="Freeform 34">
+              <a:extLst>
+                <a:ext uri="{FF2B5EF4-FFF2-40B4-BE49-F238E27FC236}">
+                  <a16:creationId xmlns:a16="http://schemas.microsoft.com/office/drawing/2014/main" id="{98E3FFBE-BCB2-4744-8CA3-BC11F11AD479}"/>
+                </a:ext>
+                <a:ext uri="{C183D7F6-B498-43B3-948B-1728B52AA6E4}">
+                  <adec:decorative xmlns:adec="http://schemas.microsoft.com/office/drawing/2017/decorative" val="1"/>
+                </a:ext>
+              </a:extLst>
+            </p:cNvPr>
+            <p:cNvSpPr/>
+            <p:nvPr>
+              <p:extLst>
+                <p:ext uri="{386F3935-93C4-4BCD-93E2-E3B085C9AB24}">
+                  <p16:designElem xmlns:p16="http://schemas.microsoft.com/office/powerpoint/2015/main" val="1"/>
+                </p:ext>
+              </p:extLst>
+            </p:nvPr>
+          </p:nvSpPr>
+          <p:spPr>
+            <a:xfrm>
+              <a:off x="10290315" y="0"/>
+              <a:ext cx="1130724" cy="565573"/>
+            </a:xfrm>
+            <a:custGeom>
+              <a:avLst/>
+              <a:gdLst>
+                <a:gd name="connsiteX0" fmla="*/ 21 w 1130724"/>
+                <a:gd name="connsiteY0" fmla="*/ 0 h 565573"/>
+                <a:gd name="connsiteX1" fmla="*/ 1130703 w 1130724"/>
+                <a:gd name="connsiteY1" fmla="*/ 0 h 565573"/>
+                <a:gd name="connsiteX2" fmla="*/ 1130724 w 1130724"/>
+                <a:gd name="connsiteY2" fmla="*/ 211 h 565573"/>
+                <a:gd name="connsiteX3" fmla="*/ 565362 w 1130724"/>
+                <a:gd name="connsiteY3" fmla="*/ 565573 h 565573"/>
+                <a:gd name="connsiteX4" fmla="*/ 0 w 1130724"/>
+                <a:gd name="connsiteY4" fmla="*/ 211 h 565573"/>
+              </a:gdLst>
+              <a:ahLst/>
+              <a:cxnLst>
+                <a:cxn ang="0">
+                  <a:pos x="connsiteX0" y="connsiteY0"/>
+                </a:cxn>
+                <a:cxn ang="0">
+                  <a:pos x="connsiteX1" y="connsiteY1"/>
+                </a:cxn>
+                <a:cxn ang="0">
+                  <a:pos x="connsiteX2" y="connsiteY2"/>
+                </a:cxn>
+                <a:cxn ang="0">
+                  <a:pos x="connsiteX3" y="connsiteY3"/>
+                </a:cxn>
+                <a:cxn ang="0">
+                  <a:pos x="connsiteX4" y="connsiteY4"/>
+                </a:cxn>
+              </a:cxnLst>
+              <a:rect l="l" t="t" r="r" b="b"/>
+              <a:pathLst>
+                <a:path w="1130724" h="565573">
+                  <a:moveTo>
+                    <a:pt x="21" y="0"/>
+                  </a:moveTo>
+                  <a:lnTo>
+                    <a:pt x="1130703" y="0"/>
+                  </a:lnTo>
+                  <a:lnTo>
+                    <a:pt x="1130724" y="211"/>
+                  </a:lnTo>
+                  <a:cubicBezTo>
+                    <a:pt x="1130724" y="312452"/>
+                    <a:pt x="877603" y="565573"/>
+                    <a:pt x="565362" y="565573"/>
+                  </a:cubicBezTo>
+                  <a:cubicBezTo>
+                    <a:pt x="253121" y="565573"/>
+                    <a:pt x="0" y="312452"/>
+                    <a:pt x="0" y="211"/>
+                  </a:cubicBezTo>
+                  <a:close/>
+                </a:path>
+              </a:pathLst>
+            </a:custGeom>
+            <a:solidFill>
+              <a:schemeClr val="bg2"/>
+            </a:solidFill>
+            <a:ln>
+              <a:noFill/>
+            </a:ln>
+          </p:spPr>
+          <p:style>
+            <a:lnRef idx="2">
+              <a:schemeClr val="accent1">
+                <a:shade val="50000"/>
+              </a:schemeClr>
+            </a:lnRef>
+            <a:fillRef idx="1">
+              <a:schemeClr val="accent1"/>
+            </a:fillRef>
+            <a:effectRef idx="0">
+              <a:schemeClr val="accent1"/>
+            </a:effectRef>
+            <a:fontRef idx="minor">
+              <a:schemeClr val="lt1"/>
+            </a:fontRef>
+          </p:style>
+          <p:txBody>
+            <a:bodyPr wrap="square" rtlCol="0" anchor="ctr">
+              <a:noAutofit/>
+            </a:bodyPr>
+            <a:lstStyle/>
+            <a:p>
+              <a:pPr algn="ctr"/>
+              <a:endParaRPr lang="en-US"/>
+            </a:p>
+          </p:txBody>
+        </p:sp>
+        <p:sp>
+          <p:nvSpPr>
+            <p:cNvPr id="14" name="Freeform 36">
+              <a:extLst>
+                <a:ext uri="{FF2B5EF4-FFF2-40B4-BE49-F238E27FC236}">
+                  <a16:creationId xmlns:a16="http://schemas.microsoft.com/office/drawing/2014/main" id="{BBD5B432-1551-644A-B937-54EFF420111B}"/>
+                </a:ext>
+                <a:ext uri="{C183D7F6-B498-43B3-948B-1728B52AA6E4}">
+                  <adec:decorative xmlns:adec="http://schemas.microsoft.com/office/drawing/2017/decorative" val="1"/>
+                </a:ext>
+              </a:extLst>
+            </p:cNvPr>
+            <p:cNvSpPr/>
+            <p:nvPr>
+              <p:extLst>
+                <p:ext uri="{386F3935-93C4-4BCD-93E2-E3B085C9AB24}">
+                  <p16:designElem xmlns:p16="http://schemas.microsoft.com/office/powerpoint/2015/main" val="1"/>
+                </p:ext>
+              </p:extLst>
+            </p:nvPr>
+          </p:nvSpPr>
+          <p:spPr>
+            <a:xfrm>
+              <a:off x="11653180" y="3552066"/>
+              <a:ext cx="538821" cy="1125373"/>
+            </a:xfrm>
+            <a:custGeom>
+              <a:avLst/>
+              <a:gdLst>
+                <a:gd name="connsiteX0" fmla="*/ 538821 w 538821"/>
+                <a:gd name="connsiteY0" fmla="*/ 0 h 1125373"/>
+                <a:gd name="connsiteX1" fmla="*/ 538821 w 538821"/>
+                <a:gd name="connsiteY1" fmla="*/ 1125373 h 1125373"/>
+                <a:gd name="connsiteX2" fmla="*/ 451422 w 538821"/>
+                <a:gd name="connsiteY2" fmla="*/ 1116562 h 1125373"/>
+                <a:gd name="connsiteX3" fmla="*/ 0 w 538821"/>
+                <a:gd name="connsiteY3" fmla="*/ 562686 h 1125373"/>
+                <a:gd name="connsiteX4" fmla="*/ 451422 w 538821"/>
+                <a:gd name="connsiteY4" fmla="*/ 8810 h 1125373"/>
+              </a:gdLst>
+              <a:ahLst/>
+              <a:cxnLst>
+                <a:cxn ang="0">
+                  <a:pos x="connsiteX0" y="connsiteY0"/>
+                </a:cxn>
+                <a:cxn ang="0">
+                  <a:pos x="connsiteX1" y="connsiteY1"/>
+                </a:cxn>
+                <a:cxn ang="0">
+                  <a:pos x="connsiteX2" y="connsiteY2"/>
+                </a:cxn>
+                <a:cxn ang="0">
+                  <a:pos x="connsiteX3" y="connsiteY3"/>
+                </a:cxn>
+                <a:cxn ang="0">
+                  <a:pos x="connsiteX4" y="connsiteY4"/>
+                </a:cxn>
+              </a:cxnLst>
+              <a:rect l="l" t="t" r="r" b="b"/>
+              <a:pathLst>
+                <a:path w="538821" h="1125373">
+                  <a:moveTo>
+                    <a:pt x="538821" y="0"/>
+                  </a:moveTo>
+                  <a:lnTo>
+                    <a:pt x="538821" y="1125373"/>
+                  </a:lnTo>
+                  <a:lnTo>
+                    <a:pt x="451422" y="1116562"/>
+                  </a:lnTo>
+                  <a:cubicBezTo>
+                    <a:pt x="193796" y="1063844"/>
+                    <a:pt x="0" y="835897"/>
+                    <a:pt x="0" y="562686"/>
+                  </a:cubicBezTo>
+                  <a:cubicBezTo>
+                    <a:pt x="0" y="289475"/>
+                    <a:pt x="193796" y="61528"/>
+                    <a:pt x="451422" y="8810"/>
+                  </a:cubicBezTo>
+                  <a:close/>
+                </a:path>
+              </a:pathLst>
+            </a:custGeom>
+            <a:solidFill>
+              <a:schemeClr val="bg2"/>
+            </a:solidFill>
+            <a:ln>
+              <a:noFill/>
+            </a:ln>
+          </p:spPr>
+          <p:style>
+            <a:lnRef idx="2">
+              <a:schemeClr val="accent1">
+                <a:shade val="50000"/>
+              </a:schemeClr>
+            </a:lnRef>
+            <a:fillRef idx="1">
+              <a:schemeClr val="accent1"/>
+            </a:fillRef>
+            <a:effectRef idx="0">
+              <a:schemeClr val="accent1"/>
+            </a:effectRef>
+            <a:fontRef idx="minor">
+              <a:schemeClr val="lt1"/>
+            </a:fontRef>
+          </p:style>
+          <p:txBody>
+            <a:bodyPr wrap="square" rtlCol="0" anchor="ctr">
+              <a:noAutofit/>
+            </a:bodyPr>
+            <a:lstStyle/>
+            <a:p>
+              <a:pPr algn="ctr"/>
+              <a:endParaRPr lang="en-US"/>
+            </a:p>
+          </p:txBody>
+        </p:sp>
+        <p:sp>
+          <p:nvSpPr>
+            <p:cNvPr id="15" name="Freeform 38">
+              <a:extLst>
+                <a:ext uri="{FF2B5EF4-FFF2-40B4-BE49-F238E27FC236}">
+                  <a16:creationId xmlns:a16="http://schemas.microsoft.com/office/drawing/2014/main" id="{BDCFB512-5A0E-0143-B5B7-6A965E100B40}"/>
+                </a:ext>
+                <a:ext uri="{C183D7F6-B498-43B3-948B-1728B52AA6E4}">
+                  <adec:decorative xmlns:adec="http://schemas.microsoft.com/office/drawing/2017/decorative" val="1"/>
+                </a:ext>
+              </a:extLst>
+            </p:cNvPr>
+            <p:cNvSpPr/>
+            <p:nvPr>
+              <p:extLst>
+                <p:ext uri="{386F3935-93C4-4BCD-93E2-E3B085C9AB24}">
+                  <p16:designElem xmlns:p16="http://schemas.microsoft.com/office/powerpoint/2015/main" val="1"/>
+                </p:ext>
+              </p:extLst>
+            </p:nvPr>
+          </p:nvSpPr>
+          <p:spPr>
+            <a:xfrm>
+              <a:off x="11653180" y="809039"/>
+              <a:ext cx="538821" cy="1125373"/>
+            </a:xfrm>
+            <a:custGeom>
+              <a:avLst/>
+              <a:gdLst>
+                <a:gd name="connsiteX0" fmla="*/ 538821 w 538821"/>
+                <a:gd name="connsiteY0" fmla="*/ 0 h 1125373"/>
+                <a:gd name="connsiteX1" fmla="*/ 538821 w 538821"/>
+                <a:gd name="connsiteY1" fmla="*/ 1125373 h 1125373"/>
+                <a:gd name="connsiteX2" fmla="*/ 451422 w 538821"/>
+                <a:gd name="connsiteY2" fmla="*/ 1116562 h 1125373"/>
+                <a:gd name="connsiteX3" fmla="*/ 0 w 538821"/>
+                <a:gd name="connsiteY3" fmla="*/ 562686 h 1125373"/>
+                <a:gd name="connsiteX4" fmla="*/ 451422 w 538821"/>
+                <a:gd name="connsiteY4" fmla="*/ 8810 h 1125373"/>
+              </a:gdLst>
+              <a:ahLst/>
+              <a:cxnLst>
+                <a:cxn ang="0">
+                  <a:pos x="connsiteX0" y="connsiteY0"/>
+                </a:cxn>
+                <a:cxn ang="0">
+                  <a:pos x="connsiteX1" y="connsiteY1"/>
+                </a:cxn>
+                <a:cxn ang="0">
+                  <a:pos x="connsiteX2" y="connsiteY2"/>
+                </a:cxn>
+                <a:cxn ang="0">
+                  <a:pos x="connsiteX3" y="connsiteY3"/>
+                </a:cxn>
+                <a:cxn ang="0">
+                  <a:pos x="connsiteX4" y="connsiteY4"/>
+                </a:cxn>
+              </a:cxnLst>
+              <a:rect l="l" t="t" r="r" b="b"/>
+              <a:pathLst>
+                <a:path w="538821" h="1125373">
+                  <a:moveTo>
+                    <a:pt x="538821" y="0"/>
+                  </a:moveTo>
+                  <a:lnTo>
+                    <a:pt x="538821" y="1125373"/>
+                  </a:lnTo>
+                  <a:lnTo>
+                    <a:pt x="451422" y="1116562"/>
+                  </a:lnTo>
+                  <a:cubicBezTo>
+                    <a:pt x="193796" y="1063844"/>
+                    <a:pt x="0" y="835897"/>
+                    <a:pt x="0" y="562686"/>
+                  </a:cubicBezTo>
+                  <a:cubicBezTo>
+                    <a:pt x="0" y="289475"/>
+                    <a:pt x="193796" y="61528"/>
+                    <a:pt x="451422" y="8810"/>
+                  </a:cubicBezTo>
+                  <a:close/>
+                </a:path>
+              </a:pathLst>
+            </a:custGeom>
+            <a:solidFill>
+              <a:schemeClr val="accent1"/>
+            </a:solidFill>
+            <a:ln>
+              <a:noFill/>
+            </a:ln>
+          </p:spPr>
+          <p:style>
+            <a:lnRef idx="2">
+              <a:schemeClr val="accent1">
+                <a:shade val="50000"/>
+              </a:schemeClr>
+            </a:lnRef>
+            <a:fillRef idx="1">
+              <a:schemeClr val="accent1"/>
+            </a:fillRef>
+            <a:effectRef idx="0">
+              <a:schemeClr val="accent1"/>
+            </a:effectRef>
+            <a:fontRef idx="minor">
+              <a:schemeClr val="lt1"/>
+            </a:fontRef>
+          </p:style>
+          <p:txBody>
+            <a:bodyPr wrap="square" rtlCol="0" anchor="ctr">
+              <a:noAutofit/>
+            </a:bodyPr>
+            <a:lstStyle/>
+            <a:p>
+              <a:pPr algn="ctr"/>
+              <a:endParaRPr lang="en-US"/>
+            </a:p>
+          </p:txBody>
+        </p:sp>
+        <p:sp>
+          <p:nvSpPr>
+            <p:cNvPr id="16" name="Freeform 50">
+              <a:extLst>
+                <a:ext uri="{FF2B5EF4-FFF2-40B4-BE49-F238E27FC236}">
+                  <a16:creationId xmlns:a16="http://schemas.microsoft.com/office/drawing/2014/main" id="{EEDAA716-EDDF-5941-A55E-C12C893A399B}"/>
+                </a:ext>
+                <a:ext uri="{C183D7F6-B498-43B3-948B-1728B52AA6E4}">
+                  <adec:decorative xmlns:adec="http://schemas.microsoft.com/office/drawing/2017/decorative" val="1"/>
+                </a:ext>
+              </a:extLst>
+            </p:cNvPr>
+            <p:cNvSpPr/>
+            <p:nvPr>
+              <p:extLst>
+                <p:ext uri="{386F3935-93C4-4BCD-93E2-E3B085C9AB24}">
+                  <p16:designElem xmlns:p16="http://schemas.microsoft.com/office/powerpoint/2015/main" val="1"/>
+                </p:ext>
+              </p:extLst>
+            </p:nvPr>
+          </p:nvSpPr>
+          <p:spPr>
+            <a:xfrm>
+              <a:off x="11653180" y="0"/>
+              <a:ext cx="538821" cy="562898"/>
+            </a:xfrm>
+            <a:custGeom>
+              <a:avLst/>
+              <a:gdLst>
+                <a:gd name="connsiteX0" fmla="*/ 21 w 538821"/>
+                <a:gd name="connsiteY0" fmla="*/ 0 h 562898"/>
+                <a:gd name="connsiteX1" fmla="*/ 538821 w 538821"/>
+                <a:gd name="connsiteY1" fmla="*/ 0 h 562898"/>
+                <a:gd name="connsiteX2" fmla="*/ 538821 w 538821"/>
+                <a:gd name="connsiteY2" fmla="*/ 562898 h 562898"/>
+                <a:gd name="connsiteX3" fmla="*/ 451422 w 538821"/>
+                <a:gd name="connsiteY3" fmla="*/ 554087 h 562898"/>
+                <a:gd name="connsiteX4" fmla="*/ 0 w 538821"/>
+                <a:gd name="connsiteY4" fmla="*/ 211 h 562898"/>
+              </a:gdLst>
+              <a:ahLst/>
+              <a:cxnLst>
+                <a:cxn ang="0">
+                  <a:pos x="connsiteX0" y="connsiteY0"/>
+                </a:cxn>
+                <a:cxn ang="0">
+                  <a:pos x="connsiteX1" y="connsiteY1"/>
+                </a:cxn>
+                <a:cxn ang="0">
+                  <a:pos x="connsiteX2" y="connsiteY2"/>
+                </a:cxn>
+                <a:cxn ang="0">
+                  <a:pos x="connsiteX3" y="connsiteY3"/>
+                </a:cxn>
+                <a:cxn ang="0">
+                  <a:pos x="connsiteX4" y="connsiteY4"/>
+                </a:cxn>
+              </a:cxnLst>
+              <a:rect l="l" t="t" r="r" b="b"/>
+              <a:pathLst>
+                <a:path w="538821" h="562898">
+                  <a:moveTo>
+                    <a:pt x="21" y="0"/>
+                  </a:moveTo>
+                  <a:lnTo>
+                    <a:pt x="538821" y="0"/>
+                  </a:lnTo>
+                  <a:lnTo>
+                    <a:pt x="538821" y="562898"/>
+                  </a:lnTo>
+                  <a:lnTo>
+                    <a:pt x="451422" y="554087"/>
+                  </a:lnTo>
+                  <a:cubicBezTo>
+                    <a:pt x="193796" y="501369"/>
+                    <a:pt x="0" y="273422"/>
+                    <a:pt x="0" y="211"/>
+                  </a:cubicBezTo>
+                  <a:close/>
+                </a:path>
+              </a:pathLst>
+            </a:custGeom>
+            <a:solidFill>
+              <a:schemeClr val="bg2"/>
+            </a:solidFill>
+            <a:ln>
+              <a:noFill/>
+            </a:ln>
+          </p:spPr>
+          <p:style>
+            <a:lnRef idx="2">
+              <a:schemeClr val="accent1">
+                <a:shade val="50000"/>
+              </a:schemeClr>
+            </a:lnRef>
+            <a:fillRef idx="1">
+              <a:schemeClr val="accent1"/>
+            </a:fillRef>
+            <a:effectRef idx="0">
+              <a:schemeClr val="accent1"/>
+            </a:effectRef>
+            <a:fontRef idx="minor">
+              <a:schemeClr val="lt1"/>
+            </a:fontRef>
+          </p:style>
+          <p:txBody>
+            <a:bodyPr wrap="square" rtlCol="0" anchor="ctr">
+              <a:noAutofit/>
+            </a:bodyPr>
+            <a:lstStyle/>
+            <a:p>
+              <a:pPr algn="ctr"/>
+              <a:endParaRPr lang="en-US"/>
+            </a:p>
+          </p:txBody>
+        </p:sp>
+      </p:grpSp>
       <p:sp>
         <p:nvSpPr>
           <p:cNvPr id="3" name="מציין מיקום תוכן 2">
             <a:extLst>
               <a:ext uri="{FF2B5EF4-FFF2-40B4-BE49-F238E27FC236}">
-                <a16:creationId xmlns:a16="http://schemas.microsoft.com/office/drawing/2014/main" id="{46F8673F-E9F5-BF1D-E17E-8638791DF214}"/>
+                <a16:creationId xmlns:a16="http://schemas.microsoft.com/office/drawing/2014/main" id="{EC24B0E1-BE94-254A-F5E8-8410674027E7}"/>
               </a:ext>
             </a:extLst>
           </p:cNvPr>
@@ -15704,67 +16245,202 @@
         </p:nvSpPr>
         <p:spPr>
           <a:xfrm>
-            <a:off x="2318079" y="2012165"/>
-            <a:ext cx="7335835" cy="3601212"/>
+            <a:off x="7252262" y="2447702"/>
+            <a:ext cx="4615593" cy="1656785"/>
           </a:xfrm>
         </p:spPr>
         <p:txBody>
-          <a:bodyPr/>
+          <a:bodyPr>
+            <a:normAutofit/>
+          </a:bodyPr>
           <a:lstStyle/>
           <a:p>
-            <a:pPr marL="0" indent="0" algn="r" rtl="1">
+            <a:pPr marL="0" indent="0" algn="ctr">
               <a:buNone/>
             </a:pPr>
             <a:r>
               <a:rPr lang="he-IL" dirty="0"/>
-              <a:t>בתוך כל דאטה סט היו כמה מאפיינים חזקים שבאמצעותם יכולנו לזהות כמעט במדויק האם הדומיין הוא זדוני או לא, אותם מאפיינים היו:</a:t>
+              <a:t>בתמונה אפשר לראות את הפיזור הערכים בין כל הפיצ'רים השונים </a:t>
             </a:r>
+            <a:endParaRPr lang="en-IL" dirty="0"/>
+          </a:p>
+        </p:txBody>
+      </p:sp>
+      <p:cxnSp>
+        <p:nvCxnSpPr>
+          <p:cNvPr id="18" name="Straight Connector 17">
+            <a:extLst>
+              <a:ext uri="{FF2B5EF4-FFF2-40B4-BE49-F238E27FC236}">
+                <a16:creationId xmlns:a16="http://schemas.microsoft.com/office/drawing/2014/main" id="{BF3CF3DF-4809-5B42-9F22-981391379297}"/>
+              </a:ext>
+              <a:ext uri="{C183D7F6-B498-43B3-948B-1728B52AA6E4}">
+                <adec:decorative xmlns:adec="http://schemas.microsoft.com/office/drawing/2017/decorative" val="1"/>
+              </a:ext>
+            </a:extLst>
+          </p:cNvPr>
+          <p:cNvCxnSpPr>
+            <a:cxnSpLocks noGrp="1" noRot="1" noChangeAspect="1" noMove="1" noResize="1" noEditPoints="1" noAdjustHandles="1" noChangeArrowheads="1" noChangeShapeType="1"/>
+          </p:cNvCxnSpPr>
+          <p:nvPr>
+            <p:extLst>
+              <p:ext uri="{386F3935-93C4-4BCD-93E2-E3B085C9AB24}">
+                <p16:designElem xmlns:p16="http://schemas.microsoft.com/office/powerpoint/2015/main" val="1"/>
+              </p:ext>
+            </p:extLst>
+          </p:nvPr>
+        </p:nvCxnSpPr>
+        <p:spPr>
+          <a:xfrm>
+            <a:off x="7493279" y="6087110"/>
+            <a:ext cx="4133560" cy="0"/>
+          </a:xfrm>
+          <a:prstGeom prst="line">
+            <a:avLst/>
+          </a:prstGeom>
+          <a:ln w="12700">
+            <a:solidFill>
+              <a:schemeClr val="bg1">
+                <a:lumMod val="65000"/>
+              </a:schemeClr>
+            </a:solidFill>
+          </a:ln>
+        </p:spPr>
+        <p:style>
+          <a:lnRef idx="1">
+            <a:schemeClr val="accent1"/>
+          </a:lnRef>
+          <a:fillRef idx="0">
+            <a:schemeClr val="accent1"/>
+          </a:fillRef>
+          <a:effectRef idx="0">
+            <a:schemeClr val="accent1"/>
+          </a:effectRef>
+          <a:fontRef idx="minor">
+            <a:schemeClr val="tx1"/>
+          </a:fontRef>
+        </p:style>
+      </p:cxnSp>
+      <p:pic>
+        <p:nvPicPr>
+          <p:cNvPr id="5" name="תמונה 4">
+            <a:extLst>
+              <a:ext uri="{FF2B5EF4-FFF2-40B4-BE49-F238E27FC236}">
+                <a16:creationId xmlns:a16="http://schemas.microsoft.com/office/drawing/2014/main" id="{44C09C4C-AF76-7384-CCE9-E71B9373AD0A}"/>
+              </a:ext>
+            </a:extLst>
+          </p:cNvPr>
+          <p:cNvPicPr>
+            <a:picLocks noChangeAspect="1"/>
+          </p:cNvPicPr>
+          <p:nvPr/>
+        </p:nvPicPr>
+        <p:blipFill>
+          <a:blip r:embed="rId2">
+            <a:extLst>
+              <a:ext uri="{28A0092B-C50C-407E-A947-70E740481C1C}">
+                <a14:useLocalDpi xmlns:a14="http://schemas.microsoft.com/office/drawing/2010/main" val="0"/>
+              </a:ext>
+            </a:extLst>
+          </a:blip>
+          <a:stretch>
+            <a:fillRect/>
+          </a:stretch>
+        </p:blipFill>
+        <p:spPr>
+          <a:xfrm>
+            <a:off x="674426" y="281449"/>
+            <a:ext cx="6144427" cy="5958677"/>
+          </a:xfrm>
+          <a:prstGeom prst="rect">
+            <a:avLst/>
+          </a:prstGeom>
+          <a:ln w="38100" cap="sq">
+            <a:solidFill>
+              <a:srgbClr val="000000"/>
+            </a:solidFill>
+            <a:prstDash val="solid"/>
+            <a:miter lim="800000"/>
+          </a:ln>
+          <a:effectLst>
+            <a:outerShdw blurRad="50800" dist="38100" dir="2700000" algn="tl" rotWithShape="0">
+              <a:srgbClr val="000000">
+                <a:alpha val="43000"/>
+              </a:srgbClr>
+            </a:outerShdw>
+          </a:effectLst>
+        </p:spPr>
+      </p:pic>
+      <p:sp>
+        <p:nvSpPr>
+          <p:cNvPr id="4" name="כותרת 1">
+            <a:extLst>
+              <a:ext uri="{FF2B5EF4-FFF2-40B4-BE49-F238E27FC236}">
+                <a16:creationId xmlns:a16="http://schemas.microsoft.com/office/drawing/2014/main" id="{0E6EF667-4804-9C42-6CD3-FE6E75728025}"/>
+              </a:ext>
+            </a:extLst>
+          </p:cNvPr>
+          <p:cNvSpPr txBox="1">
+            <a:spLocks/>
+          </p:cNvSpPr>
+          <p:nvPr/>
+        </p:nvSpPr>
+        <p:spPr>
+          <a:xfrm>
+            <a:off x="7062534" y="1032404"/>
+            <a:ext cx="4805321" cy="1684691"/>
+          </a:xfrm>
+          <a:prstGeom prst="rect">
+            <a:avLst/>
+          </a:prstGeom>
+        </p:spPr>
+        <p:txBody>
+          <a:bodyPr vert="horz" lIns="91440" tIns="45720" rIns="91440" bIns="45720" rtlCol="0" anchor="t">
+            <a:normAutofit fontScale="92500"/>
+          </a:bodyPr>
+          <a:lstStyle>
+            <a:lvl1pPr algn="l" defTabSz="914400" rtl="0" eaLnBrk="1" latinLnBrk="0" hangingPunct="1">
+              <a:lnSpc>
+                <a:spcPct val="100000"/>
+              </a:lnSpc>
+              <a:spcBef>
+                <a:spcPct val="0"/>
+              </a:spcBef>
+              <a:buNone/>
+              <a:defRPr sz="4000" b="1" i="0" kern="1200">
+                <a:solidFill>
+                  <a:schemeClr val="tx1"/>
+                </a:solidFill>
+                <a:latin typeface="+mj-lt"/>
+                <a:ea typeface="+mj-ea"/>
+                <a:cs typeface="+mj-cs"/>
+              </a:defRPr>
+            </a:lvl1pPr>
+          </a:lstStyle>
+          <a:p>
+            <a:pPr algn="ctr"/>
+            <a:r>
+              <a:rPr lang="he-IL" u="sng" dirty="0"/>
+              <a:t>חקירת הדאטה סט</a:t>
+            </a:r>
+            <a:endParaRPr lang="en-US" u="sng" dirty="0"/>
           </a:p>
           <a:p>
-            <a:pPr algn="r" rtl="1"/>
+            <a:pPr algn="ctr"/>
             <a:r>
-              <a:rPr lang="he-IL" dirty="0"/>
-              <a:t> </a:t>
+              <a:rPr lang="en-US" sz="3900" b="0" dirty="0"/>
+              <a:t>Distribution features  </a:t>
             </a:r>
-            <a:r>
-              <a:rPr lang="en-US" dirty="0"/>
-              <a:t>Https</a:t>
-            </a:r>
-            <a:endParaRPr lang="he-IL" dirty="0"/>
+            <a:endParaRPr lang="en-IL" sz="3900" b="0" dirty="0"/>
           </a:p>
           <a:p>
-            <a:pPr algn="r" rtl="1"/>
-            <a:r>
-              <a:rPr lang="en-US" dirty="0"/>
-              <a:t> WWW</a:t>
-            </a:r>
-            <a:endParaRPr lang="he-IL" dirty="0"/>
-          </a:p>
-          <a:p>
-            <a:pPr algn="r" rtl="1"/>
-            <a:r>
-              <a:rPr lang="he-IL" dirty="0"/>
-              <a:t>ספירה של נקודות</a:t>
-            </a:r>
-          </a:p>
-          <a:p>
-            <a:pPr algn="r" rtl="1"/>
-            <a:r>
-              <a:rPr lang="he-IL" dirty="0"/>
-              <a:t>אורך של ה – </a:t>
-            </a:r>
-            <a:r>
-              <a:rPr lang="en-US" dirty="0"/>
-              <a:t>Host Name</a:t>
-            </a:r>
-            <a:endParaRPr lang="en-IL" dirty="0"/>
+            <a:endParaRPr lang="en-IL" u="sng" dirty="0"/>
           </a:p>
         </p:txBody>
       </p:sp>
     </p:spTree>
     <p:extLst>
       <p:ext uri="{BB962C8B-B14F-4D97-AF65-F5344CB8AC3E}">
-        <p14:creationId xmlns:p14="http://schemas.microsoft.com/office/powerpoint/2010/main" val="572398380"/>
+        <p14:creationId xmlns:p14="http://schemas.microsoft.com/office/powerpoint/2010/main" val="3640214180"/>
       </p:ext>
     </p:extLst>
   </p:cSld>
@@ -15775,171 +16451,6 @@
 </file>
 
 <file path=ppt/slides/slide11.xml><?xml version="1.0" encoding="utf-8"?>
-<p:sld xmlns:a="http://schemas.openxmlformats.org/drawingml/2006/main" xmlns:r="http://schemas.openxmlformats.org/officeDocument/2006/relationships" xmlns:p="http://schemas.openxmlformats.org/presentationml/2006/main">
-  <p:cSld>
-    <p:spTree>
-      <p:nvGrpSpPr>
-        <p:cNvPr id="1" name=""/>
-        <p:cNvGrpSpPr/>
-        <p:nvPr/>
-      </p:nvGrpSpPr>
-      <p:grpSpPr>
-        <a:xfrm>
-          <a:off x="0" y="0"/>
-          <a:ext cx="0" cy="0"/>
-          <a:chOff x="0" y="0"/>
-          <a:chExt cx="0" cy="0"/>
-        </a:xfrm>
-      </p:grpSpPr>
-      <p:sp>
-        <p:nvSpPr>
-          <p:cNvPr id="2" name="כותרת 1">
-            <a:extLst>
-              <a:ext uri="{FF2B5EF4-FFF2-40B4-BE49-F238E27FC236}">
-                <a16:creationId xmlns:a16="http://schemas.microsoft.com/office/drawing/2014/main" id="{91861124-9CA6-C2E1-59B7-740E2738CC2F}"/>
-              </a:ext>
-            </a:extLst>
-          </p:cNvPr>
-          <p:cNvSpPr>
-            <a:spLocks noGrp="1"/>
-          </p:cNvSpPr>
-          <p:nvPr>
-            <p:ph type="title"/>
-          </p:nvPr>
-        </p:nvSpPr>
-        <p:spPr>
-          <a:xfrm>
-            <a:off x="2186311" y="743181"/>
-            <a:ext cx="7687610" cy="1268984"/>
-          </a:xfrm>
-        </p:spPr>
-        <p:txBody>
-          <a:bodyPr>
-            <a:normAutofit/>
-          </a:bodyPr>
-          <a:lstStyle/>
-          <a:p>
-            <a:pPr algn="ctr" rtl="1"/>
-            <a:r>
-              <a:rPr lang="he-IL" u="sng" dirty="0"/>
-              <a:t>מאפיינים חזקים עבור מודל -</a:t>
-            </a:r>
-            <a:r>
-              <a:rPr lang="en-US" u="sng" dirty="0"/>
-              <a:t>DGA</a:t>
-            </a:r>
-            <a:endParaRPr lang="en-IL" u="sng" dirty="0"/>
-          </a:p>
-        </p:txBody>
-      </p:sp>
-      <p:sp>
-        <p:nvSpPr>
-          <p:cNvPr id="3" name="מציין מיקום תוכן 2">
-            <a:extLst>
-              <a:ext uri="{FF2B5EF4-FFF2-40B4-BE49-F238E27FC236}">
-                <a16:creationId xmlns:a16="http://schemas.microsoft.com/office/drawing/2014/main" id="{46F8673F-E9F5-BF1D-E17E-8638791DF214}"/>
-              </a:ext>
-            </a:extLst>
-          </p:cNvPr>
-          <p:cNvSpPr>
-            <a:spLocks noGrp="1"/>
-          </p:cNvSpPr>
-          <p:nvPr>
-            <p:ph idx="1"/>
-          </p:nvPr>
-        </p:nvSpPr>
-        <p:spPr>
-          <a:xfrm>
-            <a:off x="2318079" y="2012165"/>
-            <a:ext cx="7335835" cy="3601212"/>
-          </a:xfrm>
-        </p:spPr>
-        <p:txBody>
-          <a:bodyPr/>
-          <a:lstStyle/>
-          <a:p>
-            <a:pPr marL="0" indent="0" algn="r" rtl="1">
-              <a:buNone/>
-            </a:pPr>
-            <a:r>
-              <a:rPr lang="he-IL" dirty="0"/>
-              <a:t>בתוך כל דאטה סט היו כמה מאפיינים חזקים שבאמצעותם יכולנו לזהות כמעט במדויק האם הדומיין הוא זדוני או לא, אותם מאפיינים היו:</a:t>
-            </a:r>
-          </a:p>
-          <a:p>
-            <a:pPr algn="r" rtl="1"/>
-            <a:r>
-              <a:rPr lang="he-IL" dirty="0"/>
-              <a:t> </a:t>
-            </a:r>
-            <a:r>
-              <a:rPr lang="en-US" dirty="0"/>
-              <a:t>Vowel Ratio</a:t>
-            </a:r>
-            <a:endParaRPr lang="he-IL" dirty="0"/>
-          </a:p>
-          <a:p>
-            <a:pPr algn="r" rtl="1"/>
-            <a:r>
-              <a:rPr lang="en-US" dirty="0"/>
-              <a:t> :SLM </a:t>
-            </a:r>
-            <a:r>
-              <a:rPr lang="he-IL" dirty="0"/>
-              <a:t>ממוצע אורך ה - </a:t>
-            </a:r>
-            <a:r>
-              <a:rPr lang="en-US" dirty="0"/>
-              <a:t>subdomain</a:t>
-            </a:r>
-            <a:endParaRPr lang="he-IL" dirty="0"/>
-          </a:p>
-          <a:p>
-            <a:pPr algn="r" rtl="1"/>
-            <a:r>
-              <a:rPr lang="en-US" dirty="0"/>
-              <a:t>DNL</a:t>
-            </a:r>
-            <a:r>
-              <a:rPr lang="he-IL" dirty="0"/>
-              <a:t>: אורך הדומיין</a:t>
-            </a:r>
-          </a:p>
-          <a:p>
-            <a:pPr algn="r" rtl="1"/>
-            <a:r>
-              <a:rPr lang="en-US" dirty="0"/>
-              <a:t>RCC</a:t>
-            </a:r>
-            <a:r>
-              <a:rPr lang="he-IL" dirty="0"/>
-              <a:t>: </a:t>
-            </a:r>
-            <a:r>
-              <a:rPr lang="en-US" dirty="0"/>
-              <a:t>Ratio of consecutive consonants </a:t>
-            </a:r>
-            <a:r>
-              <a:rPr lang="he-IL" dirty="0"/>
-              <a:t> (יחס עיצורים עוקבים)</a:t>
-            </a:r>
-          </a:p>
-        </p:txBody>
-      </p:sp>
-    </p:spTree>
-    <p:extLst>
-      <p:ext uri="{BB962C8B-B14F-4D97-AF65-F5344CB8AC3E}">
-        <p14:creationId xmlns:p14="http://schemas.microsoft.com/office/powerpoint/2010/main" val="1217062328"/>
-      </p:ext>
-    </p:extLst>
-  </p:cSld>
-  <p:clrMapOvr>
-    <a:masterClrMapping/>
-  </p:clrMapOvr>
-</p:sld>
-</file>
-
-<file path=ppt/slides/slide12.xml><?xml version="1.0" encoding="utf-8"?>
 <p:sld xmlns:a="http://schemas.openxmlformats.org/drawingml/2006/main" xmlns:r="http://schemas.openxmlformats.org/officeDocument/2006/relationships" xmlns:p="http://schemas.openxmlformats.org/presentationml/2006/main">
   <p:cSld>
     <p:bg>
@@ -16526,108 +17037,6 @@
           </p:txBody>
         </p:sp>
       </p:grpSp>
-      <p:sp>
-        <p:nvSpPr>
-          <p:cNvPr id="2" name="כותרת 1">
-            <a:extLst>
-              <a:ext uri="{FF2B5EF4-FFF2-40B4-BE49-F238E27FC236}">
-                <a16:creationId xmlns:a16="http://schemas.microsoft.com/office/drawing/2014/main" id="{CD1CCAE8-AC36-F1F5-AE56-D78830A276D9}"/>
-              </a:ext>
-            </a:extLst>
-          </p:cNvPr>
-          <p:cNvSpPr>
-            <a:spLocks noGrp="1"/>
-          </p:cNvSpPr>
-          <p:nvPr>
-            <p:ph type="title"/>
-          </p:nvPr>
-        </p:nvSpPr>
-        <p:spPr>
-          <a:xfrm>
-            <a:off x="7434870" y="617732"/>
-            <a:ext cx="4133560" cy="790557"/>
-          </a:xfrm>
-        </p:spPr>
-        <p:txBody>
-          <a:bodyPr>
-            <a:normAutofit/>
-          </a:bodyPr>
-          <a:lstStyle/>
-          <a:p>
-            <a:r>
-              <a:rPr lang="he-IL" u="sng" dirty="0"/>
-              <a:t>חקירת הדאטה סט</a:t>
-            </a:r>
-            <a:endParaRPr lang="en-IL" u="sng" dirty="0"/>
-          </a:p>
-        </p:txBody>
-      </p:sp>
-      <p:sp>
-        <p:nvSpPr>
-          <p:cNvPr id="3" name="מציין מיקום תוכן 2">
-            <a:extLst>
-              <a:ext uri="{FF2B5EF4-FFF2-40B4-BE49-F238E27FC236}">
-                <a16:creationId xmlns:a16="http://schemas.microsoft.com/office/drawing/2014/main" id="{EC24B0E1-BE94-254A-F5E8-8410674027E7}"/>
-              </a:ext>
-            </a:extLst>
-          </p:cNvPr>
-          <p:cNvSpPr>
-            <a:spLocks noGrp="1"/>
-          </p:cNvSpPr>
-          <p:nvPr>
-            <p:ph idx="1"/>
-          </p:nvPr>
-        </p:nvSpPr>
-        <p:spPr>
-          <a:xfrm>
-            <a:off x="7252262" y="2583475"/>
-            <a:ext cx="4615593" cy="2962760"/>
-          </a:xfrm>
-        </p:spPr>
-        <p:txBody>
-          <a:bodyPr>
-            <a:normAutofit/>
-          </a:bodyPr>
-          <a:lstStyle/>
-          <a:p>
-            <a:pPr marL="0" indent="0" algn="ctr">
-              <a:buNone/>
-            </a:pPr>
-            <a:r>
-              <a:rPr lang="he-IL" dirty="0"/>
-              <a:t>לאחר שהוספנו את הפיצ'רים הרצויים השתמשנו ב :</a:t>
-            </a:r>
-          </a:p>
-          <a:p>
-            <a:pPr marL="0" indent="0" algn="ctr">
-              <a:buNone/>
-            </a:pPr>
-            <a:r>
-              <a:rPr lang="he-IL" dirty="0"/>
-              <a:t> בשביל שנוכל להבחין בקורלציה בין </a:t>
-            </a:r>
-            <a:r>
-              <a:rPr lang="en-US" dirty="0"/>
-              <a:t>Correlation matrix</a:t>
-            </a:r>
-            <a:endParaRPr lang="he-IL" dirty="0"/>
-          </a:p>
-          <a:p>
-            <a:pPr marL="0" indent="0" algn="ctr">
-              <a:buNone/>
-            </a:pPr>
-            <a:r>
-              <a:rPr lang="he-IL" dirty="0"/>
-              <a:t>הפיצ'רים השונים שהוספנו</a:t>
-            </a:r>
-            <a:r>
-              <a:rPr lang="en-US" dirty="0"/>
-              <a:t> </a:t>
-            </a:r>
-            <a:endParaRPr lang="en-IL" dirty="0"/>
-          </a:p>
-        </p:txBody>
-      </p:sp>
       <p:cxnSp>
         <p:nvCxnSpPr>
           <p:cNvPr id="18" name="Straight Connector 17">
@@ -16710,20 +17119,34 @@
         </p:blipFill>
         <p:spPr>
           <a:xfrm>
-            <a:off x="-1573" y="226881"/>
-            <a:ext cx="7227017" cy="6404237"/>
+            <a:off x="513244" y="562898"/>
+            <a:ext cx="6370038" cy="5644823"/>
           </a:xfrm>
           <a:prstGeom prst="rect">
             <a:avLst/>
           </a:prstGeom>
+          <a:ln w="38100" cap="sq">
+            <a:solidFill>
+              <a:srgbClr val="000000"/>
+            </a:solidFill>
+            <a:prstDash val="solid"/>
+            <a:miter lim="800000"/>
+          </a:ln>
+          <a:effectLst>
+            <a:outerShdw blurRad="50800" dist="38100" dir="2700000" algn="tl" rotWithShape="0">
+              <a:srgbClr val="000000">
+                <a:alpha val="43000"/>
+              </a:srgbClr>
+            </a:outerShdw>
+          </a:effectLst>
         </p:spPr>
       </p:pic>
       <p:sp>
         <p:nvSpPr>
-          <p:cNvPr id="9" name="כותרת 1">
+          <p:cNvPr id="5" name="כותרת 1">
             <a:extLst>
               <a:ext uri="{FF2B5EF4-FFF2-40B4-BE49-F238E27FC236}">
-                <a16:creationId xmlns:a16="http://schemas.microsoft.com/office/drawing/2014/main" id="{6E4D1515-B8E7-A656-3FF1-E0117B7994B2}"/>
+                <a16:creationId xmlns:a16="http://schemas.microsoft.com/office/drawing/2014/main" id="{13699172-0DE5-E220-011C-64841061455C}"/>
               </a:ext>
             </a:extLst>
           </p:cNvPr>
@@ -16734,8 +17157,593 @@
         </p:nvSpPr>
         <p:spPr>
           <a:xfrm>
-            <a:off x="8426279" y="1637315"/>
-            <a:ext cx="2150743" cy="747610"/>
+            <a:off x="7062534" y="2309171"/>
+            <a:ext cx="4547396" cy="1684691"/>
+          </a:xfrm>
+          <a:prstGeom prst="rect">
+            <a:avLst/>
+          </a:prstGeom>
+        </p:spPr>
+        <p:txBody>
+          <a:bodyPr vert="horz" lIns="91440" tIns="45720" rIns="91440" bIns="45720" rtlCol="0" anchor="t">
+            <a:normAutofit fontScale="92500"/>
+          </a:bodyPr>
+          <a:lstStyle>
+            <a:lvl1pPr algn="l" defTabSz="914400" rtl="0" eaLnBrk="1" latinLnBrk="0" hangingPunct="1">
+              <a:lnSpc>
+                <a:spcPct val="100000"/>
+              </a:lnSpc>
+              <a:spcBef>
+                <a:spcPct val="0"/>
+              </a:spcBef>
+              <a:buNone/>
+              <a:defRPr sz="4000" b="1" i="0" kern="1200">
+                <a:solidFill>
+                  <a:schemeClr val="tx1"/>
+                </a:solidFill>
+                <a:latin typeface="+mj-lt"/>
+                <a:ea typeface="+mj-ea"/>
+                <a:cs typeface="+mj-cs"/>
+              </a:defRPr>
+            </a:lvl1pPr>
+          </a:lstStyle>
+          <a:p>
+            <a:pPr algn="ctr"/>
+            <a:r>
+              <a:rPr lang="he-IL" u="sng" dirty="0"/>
+              <a:t>חקירת הדאטה סט</a:t>
+            </a:r>
+            <a:endParaRPr lang="en-US" u="sng" dirty="0"/>
+          </a:p>
+          <a:p>
+            <a:r>
+              <a:rPr lang="en-US" sz="3900" b="0" dirty="0"/>
+              <a:t>Correlation heatmap</a:t>
+            </a:r>
+            <a:endParaRPr lang="en-IL" sz="3900" b="0" dirty="0"/>
+          </a:p>
+          <a:p>
+            <a:endParaRPr lang="en-IL" u="sng" dirty="0"/>
+          </a:p>
+        </p:txBody>
+      </p:sp>
+    </p:spTree>
+    <p:extLst>
+      <p:ext uri="{BB962C8B-B14F-4D97-AF65-F5344CB8AC3E}">
+        <p14:creationId xmlns:p14="http://schemas.microsoft.com/office/powerpoint/2010/main" val="2265987808"/>
+      </p:ext>
+    </p:extLst>
+  </p:cSld>
+  <p:clrMapOvr>
+    <a:masterClrMapping/>
+  </p:clrMapOvr>
+</p:sld>
+</file>
+
+<file path=ppt/slides/slide12.xml><?xml version="1.0" encoding="utf-8"?>
+<p:sld xmlns:a="http://schemas.openxmlformats.org/drawingml/2006/main" xmlns:r="http://schemas.openxmlformats.org/officeDocument/2006/relationships" xmlns:p="http://schemas.openxmlformats.org/presentationml/2006/main">
+  <p:cSld>
+    <p:spTree>
+      <p:nvGrpSpPr>
+        <p:cNvPr id="1" name=""/>
+        <p:cNvGrpSpPr/>
+        <p:nvPr/>
+      </p:nvGrpSpPr>
+      <p:grpSpPr>
+        <a:xfrm>
+          <a:off x="0" y="0"/>
+          <a:ext cx="0" cy="0"/>
+          <a:chOff x="0" y="0"/>
+          <a:chExt cx="0" cy="0"/>
+        </a:xfrm>
+      </p:grpSpPr>
+      <p:sp>
+        <p:nvSpPr>
+          <p:cNvPr id="2" name="כותרת 1">
+            <a:extLst>
+              <a:ext uri="{FF2B5EF4-FFF2-40B4-BE49-F238E27FC236}">
+                <a16:creationId xmlns:a16="http://schemas.microsoft.com/office/drawing/2014/main" id="{91861124-9CA6-C2E1-59B7-740E2738CC2F}"/>
+              </a:ext>
+            </a:extLst>
+          </p:cNvPr>
+          <p:cNvSpPr>
+            <a:spLocks noGrp="1"/>
+          </p:cNvSpPr>
+          <p:nvPr>
+            <p:ph type="title"/>
+          </p:nvPr>
+        </p:nvSpPr>
+        <p:spPr>
+          <a:xfrm>
+            <a:off x="2186311" y="743181"/>
+            <a:ext cx="7687610" cy="1268984"/>
+          </a:xfrm>
+        </p:spPr>
+        <p:txBody>
+          <a:bodyPr>
+            <a:normAutofit/>
+          </a:bodyPr>
+          <a:lstStyle/>
+          <a:p>
+            <a:pPr algn="ctr" rtl="1"/>
+            <a:r>
+              <a:rPr lang="he-IL" u="sng" dirty="0"/>
+              <a:t>מאפיינים חזקים עבור המודל הבסיסי</a:t>
+            </a:r>
+            <a:endParaRPr lang="en-IL" u="sng" dirty="0"/>
+          </a:p>
+        </p:txBody>
+      </p:sp>
+      <p:sp>
+        <p:nvSpPr>
+          <p:cNvPr id="3" name="מציין מיקום תוכן 2">
+            <a:extLst>
+              <a:ext uri="{FF2B5EF4-FFF2-40B4-BE49-F238E27FC236}">
+                <a16:creationId xmlns:a16="http://schemas.microsoft.com/office/drawing/2014/main" id="{46F8673F-E9F5-BF1D-E17E-8638791DF214}"/>
+              </a:ext>
+            </a:extLst>
+          </p:cNvPr>
+          <p:cNvSpPr>
+            <a:spLocks noGrp="1"/>
+          </p:cNvSpPr>
+          <p:nvPr>
+            <p:ph idx="1"/>
+          </p:nvPr>
+        </p:nvSpPr>
+        <p:spPr>
+          <a:xfrm>
+            <a:off x="2318079" y="2012165"/>
+            <a:ext cx="7335835" cy="3601212"/>
+          </a:xfrm>
+        </p:spPr>
+        <p:txBody>
+          <a:bodyPr/>
+          <a:lstStyle/>
+          <a:p>
+            <a:pPr marL="0" indent="0" algn="r" rtl="1">
+              <a:buNone/>
+            </a:pPr>
+            <a:r>
+              <a:rPr lang="he-IL" dirty="0"/>
+              <a:t>בתוך כל דאטה סט היו כמה מאפיינים חזקים שבאמצעותם יכולנו לזהות כמעט במדויק האם הדומיין הוא זדוני או לא, אותם מאפיינים היו:</a:t>
+            </a:r>
+          </a:p>
+          <a:p>
+            <a:r>
+              <a:rPr lang="he-IL" dirty="0"/>
+              <a:t> </a:t>
+            </a:r>
+            <a:r>
+              <a:rPr lang="en-US" dirty="0"/>
+              <a:t>count – ‘https’</a:t>
+            </a:r>
+            <a:endParaRPr lang="he-IL" dirty="0"/>
+          </a:p>
+          <a:p>
+            <a:r>
+              <a:rPr lang="en-US" dirty="0"/>
+              <a:t> count – ‘www’</a:t>
+            </a:r>
+            <a:endParaRPr lang="he-IL" dirty="0"/>
+          </a:p>
+          <a:p>
+            <a:r>
+              <a:rPr lang="en-US" dirty="0"/>
+              <a:t>count – ‘.’</a:t>
+            </a:r>
+            <a:endParaRPr lang="he-IL" dirty="0"/>
+          </a:p>
+          <a:p>
+            <a:pPr algn="l"/>
+            <a:r>
+              <a:rPr lang="en-US" sz="2400" b="0" i="0" dirty="0">
+                <a:solidFill>
+                  <a:srgbClr val="000000"/>
+                </a:solidFill>
+                <a:effectLst/>
+                <a:latin typeface="Helvetica Neue"/>
+              </a:rPr>
+              <a:t>Length of Hostname</a:t>
+            </a:r>
+          </a:p>
+        </p:txBody>
+      </p:sp>
+      <p:pic>
+        <p:nvPicPr>
+          <p:cNvPr id="5" name="Picture 4">
+            <a:extLst>
+              <a:ext uri="{FF2B5EF4-FFF2-40B4-BE49-F238E27FC236}">
+                <a16:creationId xmlns:a16="http://schemas.microsoft.com/office/drawing/2014/main" id="{DDA8A7BA-80EA-1CEC-489E-714FDAC05CFD}"/>
+              </a:ext>
+            </a:extLst>
+          </p:cNvPr>
+          <p:cNvPicPr>
+            <a:picLocks noChangeAspect="1"/>
+          </p:cNvPicPr>
+          <p:nvPr/>
+        </p:nvPicPr>
+        <p:blipFill>
+          <a:blip r:embed="rId2"/>
+          <a:stretch>
+            <a:fillRect/>
+          </a:stretch>
+        </p:blipFill>
+        <p:spPr>
+          <a:xfrm>
+            <a:off x="5537200" y="3429000"/>
+            <a:ext cx="4696532" cy="2535919"/>
+          </a:xfrm>
+          <a:prstGeom prst="rect">
+            <a:avLst/>
+          </a:prstGeom>
+          <a:ln w="38100" cap="sq">
+            <a:solidFill>
+              <a:srgbClr val="000000"/>
+            </a:solidFill>
+            <a:prstDash val="solid"/>
+            <a:miter lim="800000"/>
+          </a:ln>
+          <a:effectLst>
+            <a:outerShdw blurRad="50800" dist="38100" dir="2700000" algn="tl" rotWithShape="0">
+              <a:srgbClr val="000000">
+                <a:alpha val="43000"/>
+              </a:srgbClr>
+            </a:outerShdw>
+          </a:effectLst>
+        </p:spPr>
+      </p:pic>
+    </p:spTree>
+    <p:extLst>
+      <p:ext uri="{BB962C8B-B14F-4D97-AF65-F5344CB8AC3E}">
+        <p14:creationId xmlns:p14="http://schemas.microsoft.com/office/powerpoint/2010/main" val="572398380"/>
+      </p:ext>
+    </p:extLst>
+  </p:cSld>
+  <p:clrMapOvr>
+    <a:masterClrMapping/>
+  </p:clrMapOvr>
+</p:sld>
+</file>
+
+<file path=ppt/slides/slide13.xml><?xml version="1.0" encoding="utf-8"?>
+<p:sld xmlns:a="http://schemas.openxmlformats.org/drawingml/2006/main" xmlns:r="http://schemas.openxmlformats.org/officeDocument/2006/relationships" xmlns:p="http://schemas.openxmlformats.org/presentationml/2006/main">
+  <p:cSld>
+    <p:spTree>
+      <p:nvGrpSpPr>
+        <p:cNvPr id="1" name=""/>
+        <p:cNvGrpSpPr/>
+        <p:nvPr/>
+      </p:nvGrpSpPr>
+      <p:grpSpPr>
+        <a:xfrm>
+          <a:off x="0" y="0"/>
+          <a:ext cx="0" cy="0"/>
+          <a:chOff x="0" y="0"/>
+          <a:chExt cx="0" cy="0"/>
+        </a:xfrm>
+      </p:grpSpPr>
+      <p:sp>
+        <p:nvSpPr>
+          <p:cNvPr id="2" name="כותרת 1">
+            <a:extLst>
+              <a:ext uri="{FF2B5EF4-FFF2-40B4-BE49-F238E27FC236}">
+                <a16:creationId xmlns:a16="http://schemas.microsoft.com/office/drawing/2014/main" id="{3CD924B9-1038-731E-5ED5-1013C608A94F}"/>
+              </a:ext>
+            </a:extLst>
+          </p:cNvPr>
+          <p:cNvSpPr>
+            <a:spLocks noGrp="1"/>
+          </p:cNvSpPr>
+          <p:nvPr>
+            <p:ph type="title"/>
+          </p:nvPr>
+        </p:nvSpPr>
+        <p:spPr>
+          <a:xfrm>
+            <a:off x="2219881" y="733945"/>
+            <a:ext cx="7335835" cy="1268984"/>
+          </a:xfrm>
+        </p:spPr>
+        <p:txBody>
+          <a:bodyPr/>
+          <a:lstStyle/>
+          <a:p>
+            <a:pPr algn="ctr"/>
+            <a:r>
+              <a:rPr lang="en-US" u="sng" dirty="0"/>
+              <a:t>Feature Extraction</a:t>
+            </a:r>
+            <a:endParaRPr lang="en-IL" u="sng" dirty="0"/>
+          </a:p>
+        </p:txBody>
+      </p:sp>
+      <p:sp>
+        <p:nvSpPr>
+          <p:cNvPr id="3" name="מציין מיקום תוכן 2">
+            <a:extLst>
+              <a:ext uri="{FF2B5EF4-FFF2-40B4-BE49-F238E27FC236}">
+                <a16:creationId xmlns:a16="http://schemas.microsoft.com/office/drawing/2014/main" id="{B0FE90F0-63C2-B36C-BE7A-300AA19ACA64}"/>
+              </a:ext>
+            </a:extLst>
+          </p:cNvPr>
+          <p:cNvSpPr>
+            <a:spLocks noGrp="1"/>
+          </p:cNvSpPr>
+          <p:nvPr>
+            <p:ph idx="1"/>
+          </p:nvPr>
+        </p:nvSpPr>
+        <p:spPr>
+          <a:xfrm>
+            <a:off x="2011679" y="1567156"/>
+            <a:ext cx="7752237" cy="4376444"/>
+          </a:xfrm>
+        </p:spPr>
+        <p:txBody>
+          <a:bodyPr>
+            <a:normAutofit fontScale="92500" lnSpcReduction="10000"/>
+          </a:bodyPr>
+          <a:lstStyle/>
+          <a:p>
+            <a:pPr marL="0" indent="0" algn="r">
+              <a:buNone/>
+            </a:pPr>
+            <a:r>
+              <a:rPr lang="he-IL" sz="2000" dirty="0"/>
+              <a:t>עבור הדאטה סט השני ייצאנו סה"כ 13 פיצ'רים כאשר לבסוף השתמשנו ב10 מתוכם.</a:t>
+            </a:r>
+          </a:p>
+          <a:p>
+            <a:pPr marL="0" indent="0" algn="r">
+              <a:buNone/>
+            </a:pPr>
+            <a:r>
+              <a:rPr lang="he-IL" sz="2000" dirty="0"/>
+              <a:t> את הפיצ'רים חילקנו לשלושה קטגוריות:</a:t>
+            </a:r>
+          </a:p>
+          <a:p>
+            <a:pPr algn="l"/>
+            <a:r>
+              <a:rPr lang="en-US" sz="2000" dirty="0"/>
+              <a:t>Length based Features</a:t>
+            </a:r>
+          </a:p>
+          <a:p>
+            <a:pPr algn="l"/>
+            <a:r>
+              <a:rPr lang="en-US" sz="2000" dirty="0"/>
+              <a:t>Binary Features</a:t>
+            </a:r>
+            <a:endParaRPr lang="he-IL" sz="2000" dirty="0"/>
+          </a:p>
+          <a:p>
+            <a:pPr algn="l"/>
+            <a:r>
+              <a:rPr lang="en-GB" sz="2000" dirty="0"/>
+              <a:t>Ratio based features</a:t>
+            </a:r>
+            <a:endParaRPr lang="he-IL" sz="2000" dirty="0"/>
+          </a:p>
+          <a:p>
+            <a:pPr marL="0" indent="0" algn="r" rtl="1">
+              <a:buNone/>
+            </a:pPr>
+            <a:endParaRPr lang="he-IL" sz="2000" dirty="0"/>
+          </a:p>
+          <a:p>
+            <a:pPr marL="0" indent="0" algn="r" rtl="1">
+              <a:buNone/>
+            </a:pPr>
+            <a:r>
+              <a:rPr lang="he-IL" sz="2000" dirty="0"/>
+              <a:t>ובנוסף פיצ'ר בודד : </a:t>
+            </a:r>
+            <a:r>
+              <a:rPr lang="en-GB" sz="2000" dirty="0"/>
+              <a:t>Number of Subdomains</a:t>
+            </a:r>
+            <a:r>
+              <a:rPr lang="he-IL" sz="2000" dirty="0"/>
+              <a:t> ללא קטגוריה. </a:t>
+            </a:r>
+            <a:endParaRPr lang="en-US" sz="2000" dirty="0"/>
+          </a:p>
+          <a:p>
+            <a:pPr marL="0" indent="0" algn="r" rtl="1">
+              <a:buNone/>
+            </a:pPr>
+            <a:endParaRPr lang="en-US" sz="2000" dirty="0"/>
+          </a:p>
+          <a:p>
+            <a:pPr marL="0" indent="0" algn="r" rtl="1">
+              <a:buNone/>
+            </a:pPr>
+            <a:endParaRPr lang="en-US" sz="2000" dirty="0"/>
+          </a:p>
+          <a:p>
+            <a:pPr marL="0" indent="0" algn="r" rtl="1">
+              <a:buNone/>
+            </a:pPr>
+            <a:r>
+              <a:rPr lang="he-IL" sz="2000" dirty="0"/>
+              <a:t>נעזרו בקוד הפתוח הבא לייצוא שלהם:</a:t>
+            </a:r>
+            <a:endParaRPr lang="en-US" sz="2000" dirty="0"/>
+          </a:p>
+          <a:p>
+            <a:pPr marL="0" indent="0" algn="r" rtl="1">
+              <a:buNone/>
+            </a:pPr>
+            <a:r>
+              <a:rPr lang="en-US" sz="2000" dirty="0"/>
+              <a:t>https://github.com/hmaccelerate/DGA_Detection</a:t>
+            </a:r>
+          </a:p>
+        </p:txBody>
+      </p:sp>
+    </p:spTree>
+    <p:extLst>
+      <p:ext uri="{BB962C8B-B14F-4D97-AF65-F5344CB8AC3E}">
+        <p14:creationId xmlns:p14="http://schemas.microsoft.com/office/powerpoint/2010/main" val="1965462017"/>
+      </p:ext>
+    </p:extLst>
+  </p:cSld>
+  <p:clrMapOvr>
+    <a:masterClrMapping/>
+  </p:clrMapOvr>
+</p:sld>
+</file>
+
+<file path=ppt/slides/slide14.xml><?xml version="1.0" encoding="utf-8"?>
+<p:sld xmlns:a="http://schemas.openxmlformats.org/drawingml/2006/main" xmlns:r="http://schemas.openxmlformats.org/officeDocument/2006/relationships" xmlns:p="http://schemas.openxmlformats.org/presentationml/2006/main">
+  <p:cSld>
+    <p:spTree>
+      <p:nvGrpSpPr>
+        <p:cNvPr id="1" name=""/>
+        <p:cNvGrpSpPr/>
+        <p:nvPr/>
+      </p:nvGrpSpPr>
+      <p:grpSpPr>
+        <a:xfrm>
+          <a:off x="0" y="0"/>
+          <a:ext cx="0" cy="0"/>
+          <a:chOff x="0" y="0"/>
+          <a:chExt cx="0" cy="0"/>
+        </a:xfrm>
+      </p:grpSpPr>
+      <p:sp>
+        <p:nvSpPr>
+          <p:cNvPr id="3" name="מציין מיקום תוכן 2">
+            <a:extLst>
+              <a:ext uri="{FF2B5EF4-FFF2-40B4-BE49-F238E27FC236}">
+                <a16:creationId xmlns:a16="http://schemas.microsoft.com/office/drawing/2014/main" id="{C907B7D8-86DF-F508-4640-9A9B9969BAC2}"/>
+              </a:ext>
+            </a:extLst>
+          </p:cNvPr>
+          <p:cNvSpPr>
+            <a:spLocks noGrp="1"/>
+          </p:cNvSpPr>
+          <p:nvPr>
+            <p:ph idx="1"/>
+          </p:nvPr>
+        </p:nvSpPr>
+        <p:spPr>
+          <a:xfrm>
+            <a:off x="2428081" y="1855216"/>
+            <a:ext cx="7335835" cy="3601212"/>
+          </a:xfrm>
+        </p:spPr>
+        <p:txBody>
+          <a:bodyPr/>
+          <a:lstStyle/>
+          <a:p>
+            <a:pPr marL="0" indent="0" algn="r" rtl="1">
+              <a:buNone/>
+            </a:pPr>
+            <a:r>
+              <a:rPr lang="he-IL" sz="2000" b="0" i="0" dirty="0">
+                <a:solidFill>
+                  <a:srgbClr val="000000"/>
+                </a:solidFill>
+                <a:effectLst/>
+                <a:latin typeface="Helvetica Neue"/>
+              </a:rPr>
+              <a:t>עבור קטגוריה זו של פיצ'רים התבססנו על האורכים של חלקי ה</a:t>
+            </a:r>
+            <a:r>
+              <a:rPr lang="en-US" sz="2000" b="0" i="0" dirty="0">
+                <a:solidFill>
+                  <a:srgbClr val="000000"/>
+                </a:solidFill>
+                <a:effectLst/>
+                <a:latin typeface="Helvetica Neue"/>
+              </a:rPr>
+              <a:t>URL</a:t>
+            </a:r>
+            <a:r>
+              <a:rPr lang="he-IL" sz="2000" b="0" i="0" dirty="0">
+                <a:solidFill>
+                  <a:srgbClr val="000000"/>
+                </a:solidFill>
+                <a:effectLst/>
+                <a:latin typeface="Helvetica Neue"/>
+              </a:rPr>
+              <a:t>.</a:t>
+            </a:r>
+          </a:p>
+          <a:p>
+            <a:pPr marL="0" indent="0" algn="r" rtl="1">
+              <a:buNone/>
+            </a:pPr>
+            <a:endParaRPr lang="he-IL" sz="2000" b="0" i="0" dirty="0">
+              <a:solidFill>
+                <a:srgbClr val="000000"/>
+              </a:solidFill>
+              <a:effectLst/>
+              <a:latin typeface="Helvetica Neue"/>
+            </a:endParaRPr>
+          </a:p>
+          <a:p>
+            <a:pPr algn="l"/>
+            <a:r>
+              <a:rPr lang="en-US" sz="2000" b="0" i="0" dirty="0">
+                <a:solidFill>
+                  <a:srgbClr val="000000"/>
+                </a:solidFill>
+                <a:effectLst/>
+                <a:latin typeface="Helvetica Neue"/>
+              </a:rPr>
+              <a:t>Domain Name Length</a:t>
+            </a:r>
+            <a:endParaRPr lang="he-IL" sz="2000" b="0" i="0" dirty="0">
+              <a:solidFill>
+                <a:srgbClr val="000000"/>
+              </a:solidFill>
+              <a:effectLst/>
+              <a:latin typeface="Helvetica Neue"/>
+            </a:endParaRPr>
+          </a:p>
+          <a:p>
+            <a:pPr algn="l"/>
+            <a:r>
+              <a:rPr lang="en-US" sz="2000" b="0" i="0" dirty="0">
+                <a:solidFill>
+                  <a:srgbClr val="000000"/>
+                </a:solidFill>
+                <a:effectLst/>
+                <a:latin typeface="Helvetica Neue"/>
+              </a:rPr>
+              <a:t>Subdomain Length Mean</a:t>
+            </a:r>
+            <a:endParaRPr lang="he-IL" sz="2000" b="0" i="0" dirty="0">
+              <a:solidFill>
+                <a:srgbClr val="000000"/>
+              </a:solidFill>
+              <a:effectLst/>
+              <a:latin typeface="Helvetica Neue"/>
+            </a:endParaRPr>
+          </a:p>
+        </p:txBody>
+      </p:sp>
+      <p:sp>
+        <p:nvSpPr>
+          <p:cNvPr id="4" name="כותרת 1">
+            <a:extLst>
+              <a:ext uri="{FF2B5EF4-FFF2-40B4-BE49-F238E27FC236}">
+                <a16:creationId xmlns:a16="http://schemas.microsoft.com/office/drawing/2014/main" id="{80E62622-73C5-7C12-47FB-77C17C724963}"/>
+              </a:ext>
+            </a:extLst>
+          </p:cNvPr>
+          <p:cNvSpPr txBox="1">
+            <a:spLocks/>
+          </p:cNvSpPr>
+          <p:nvPr/>
+        </p:nvSpPr>
+        <p:spPr>
+          <a:xfrm>
+            <a:off x="2562875" y="789362"/>
+            <a:ext cx="7335835" cy="1268984"/>
           </a:xfrm>
           <a:prstGeom prst="rect">
             <a:avLst/>
@@ -16765,18 +17773,25 @@
             </a:lvl1pPr>
           </a:lstStyle>
           <a:p>
+            <a:pPr algn="ctr"/>
             <a:r>
-              <a:rPr lang="en-US" sz="1800" b="0" dirty="0"/>
-              <a:t>Correlation matrix</a:t>
+              <a:rPr lang="en-US" b="1" i="0" u="sng" dirty="0">
+                <a:solidFill>
+                  <a:srgbClr val="000000"/>
+                </a:solidFill>
+                <a:effectLst/>
+                <a:latin typeface="Helvetica Neue"/>
+              </a:rPr>
+              <a:t>Length Features</a:t>
             </a:r>
-            <a:endParaRPr lang="en-IL" sz="1800" b="0" dirty="0"/>
+            <a:endParaRPr lang="en-IL" u="sng" dirty="0"/>
           </a:p>
         </p:txBody>
       </p:sp>
     </p:spTree>
     <p:extLst>
       <p:ext uri="{BB962C8B-B14F-4D97-AF65-F5344CB8AC3E}">
-        <p14:creationId xmlns:p14="http://schemas.microsoft.com/office/powerpoint/2010/main" val="2265987808"/>
+        <p14:creationId xmlns:p14="http://schemas.microsoft.com/office/powerpoint/2010/main" val="1162460650"/>
       </p:ext>
     </p:extLst>
   </p:cSld>
@@ -16786,7 +17801,1161 @@
 </p:sld>
 </file>
 
-<file path=ppt/slides/slide13.xml><?xml version="1.0" encoding="utf-8"?>
+<file path=ppt/slides/slide15.xml><?xml version="1.0" encoding="utf-8"?>
+<p:sld xmlns:a="http://schemas.openxmlformats.org/drawingml/2006/main" xmlns:r="http://schemas.openxmlformats.org/officeDocument/2006/relationships" xmlns:p="http://schemas.openxmlformats.org/presentationml/2006/main">
+  <p:cSld>
+    <p:spTree>
+      <p:nvGrpSpPr>
+        <p:cNvPr id="1" name=""/>
+        <p:cNvGrpSpPr/>
+        <p:nvPr/>
+      </p:nvGrpSpPr>
+      <p:grpSpPr>
+        <a:xfrm>
+          <a:off x="0" y="0"/>
+          <a:ext cx="0" cy="0"/>
+          <a:chOff x="0" y="0"/>
+          <a:chExt cx="0" cy="0"/>
+        </a:xfrm>
+      </p:grpSpPr>
+      <p:sp>
+        <p:nvSpPr>
+          <p:cNvPr id="2" name="כותרת 1">
+            <a:extLst>
+              <a:ext uri="{FF2B5EF4-FFF2-40B4-BE49-F238E27FC236}">
+                <a16:creationId xmlns:a16="http://schemas.microsoft.com/office/drawing/2014/main" id="{55BAA049-3D2C-7AD4-71F6-D3813328447E}"/>
+              </a:ext>
+            </a:extLst>
+          </p:cNvPr>
+          <p:cNvSpPr>
+            <a:spLocks noGrp="1"/>
+          </p:cNvSpPr>
+          <p:nvPr>
+            <p:ph type="title"/>
+          </p:nvPr>
+        </p:nvSpPr>
+        <p:spPr>
+          <a:xfrm>
+            <a:off x="2562875" y="789362"/>
+            <a:ext cx="7335835" cy="1268984"/>
+          </a:xfrm>
+        </p:spPr>
+        <p:txBody>
+          <a:bodyPr>
+            <a:normAutofit/>
+          </a:bodyPr>
+          <a:lstStyle/>
+          <a:p>
+            <a:pPr algn="ctr"/>
+            <a:r>
+              <a:rPr lang="en-US" b="1" i="0" u="sng" dirty="0">
+                <a:solidFill>
+                  <a:srgbClr val="000000"/>
+                </a:solidFill>
+                <a:effectLst/>
+                <a:latin typeface="Helvetica Neue"/>
+              </a:rPr>
+              <a:t>Binary Features</a:t>
+            </a:r>
+            <a:endParaRPr lang="en-IL" u="sng" dirty="0"/>
+          </a:p>
+        </p:txBody>
+      </p:sp>
+      <p:sp>
+        <p:nvSpPr>
+          <p:cNvPr id="3" name="מציין מיקום תוכן 2">
+            <a:extLst>
+              <a:ext uri="{FF2B5EF4-FFF2-40B4-BE49-F238E27FC236}">
+                <a16:creationId xmlns:a16="http://schemas.microsoft.com/office/drawing/2014/main" id="{07866E27-C5EF-A297-FEC3-9734F057B379}"/>
+              </a:ext>
+            </a:extLst>
+          </p:cNvPr>
+          <p:cNvSpPr>
+            <a:spLocks noGrp="1"/>
+          </p:cNvSpPr>
+          <p:nvPr>
+            <p:ph idx="1"/>
+          </p:nvPr>
+        </p:nvSpPr>
+        <p:spPr>
+          <a:xfrm>
+            <a:off x="1701222" y="1896744"/>
+            <a:ext cx="9059141" cy="3323130"/>
+          </a:xfrm>
+        </p:spPr>
+        <p:txBody>
+          <a:bodyPr>
+            <a:normAutofit/>
+          </a:bodyPr>
+          <a:lstStyle/>
+          <a:p>
+            <a:pPr marL="0" indent="0" algn="r" rtl="1">
+              <a:buNone/>
+            </a:pPr>
+            <a:r>
+              <a:rPr lang="he-IL" sz="2000" b="0" i="0" dirty="0">
+                <a:solidFill>
+                  <a:srgbClr val="000000"/>
+                </a:solidFill>
+                <a:effectLst/>
+                <a:latin typeface="Helvetica Neue"/>
+              </a:rPr>
+              <a:t>עבור קטגוריה זו של פיצ'רים התבססנו על האם ה</a:t>
+            </a:r>
+            <a:r>
+              <a:rPr lang="en-US" sz="2000" b="0" i="0" dirty="0">
+                <a:solidFill>
+                  <a:srgbClr val="000000"/>
+                </a:solidFill>
+                <a:effectLst/>
+                <a:latin typeface="Helvetica Neue"/>
+              </a:rPr>
+              <a:t>URL</a:t>
+            </a:r>
+            <a:r>
+              <a:rPr lang="he-IL" sz="2000" b="0" i="0" dirty="0">
+                <a:solidFill>
+                  <a:srgbClr val="000000"/>
+                </a:solidFill>
+                <a:effectLst/>
+                <a:latin typeface="Helvetica Neue"/>
+              </a:rPr>
+              <a:t> בנוי בצורה ספציפית.</a:t>
+            </a:r>
+          </a:p>
+          <a:p>
+            <a:r>
+              <a:rPr lang="en-GB" sz="2000" b="0" i="0" dirty="0">
+                <a:solidFill>
+                  <a:srgbClr val="000000"/>
+                </a:solidFill>
+                <a:effectLst/>
+                <a:latin typeface="Helvetica Neue"/>
+              </a:rPr>
+              <a:t>Has a Valid Top Level Domain</a:t>
+            </a:r>
+            <a:endParaRPr lang="en-US" sz="2000" b="0" i="0" dirty="0">
+              <a:solidFill>
+                <a:srgbClr val="000000"/>
+              </a:solidFill>
+              <a:effectLst/>
+              <a:latin typeface="Helvetica Neue"/>
+            </a:endParaRPr>
+          </a:p>
+          <a:p>
+            <a:r>
+              <a:rPr lang="en-US" sz="2000" b="0" i="0" dirty="0">
+                <a:solidFill>
+                  <a:srgbClr val="000000"/>
+                </a:solidFill>
+                <a:effectLst/>
+                <a:latin typeface="Helvetica Neue"/>
+              </a:rPr>
+              <a:t>Contains TLD as</a:t>
+            </a:r>
+            <a:r>
+              <a:rPr lang="he-IL" sz="2000" b="0" i="0" dirty="0">
+                <a:solidFill>
+                  <a:srgbClr val="000000"/>
+                </a:solidFill>
+                <a:effectLst/>
+                <a:latin typeface="Helvetica Neue"/>
+              </a:rPr>
+              <a:t> </a:t>
+            </a:r>
+            <a:r>
+              <a:rPr lang="en-US" sz="2000" b="0" i="0" dirty="0">
+                <a:solidFill>
+                  <a:srgbClr val="000000"/>
+                </a:solidFill>
+                <a:effectLst/>
+                <a:latin typeface="Helvetica Neue"/>
+              </a:rPr>
+              <a:t>Subdomain</a:t>
+            </a:r>
+            <a:endParaRPr lang="he-IL" sz="2000" b="0" i="0" dirty="0">
+              <a:solidFill>
+                <a:srgbClr val="000000"/>
+              </a:solidFill>
+              <a:effectLst/>
+              <a:latin typeface="Helvetica Neue"/>
+            </a:endParaRPr>
+          </a:p>
+          <a:p>
+            <a:r>
+              <a:rPr lang="en-GB" sz="2000" b="0" i="0" dirty="0">
+                <a:solidFill>
+                  <a:srgbClr val="000000"/>
+                </a:solidFill>
+                <a:effectLst/>
+                <a:latin typeface="Helvetica Neue"/>
+              </a:rPr>
+              <a:t>Contains Digits</a:t>
+            </a:r>
+            <a:endParaRPr lang="he-IL" sz="2000" b="0" i="0" dirty="0">
+              <a:solidFill>
+                <a:srgbClr val="000000"/>
+              </a:solidFill>
+              <a:effectLst/>
+              <a:latin typeface="Helvetica Neue"/>
+            </a:endParaRPr>
+          </a:p>
+          <a:p>
+            <a:endParaRPr lang="en-IL" sz="2000" dirty="0"/>
+          </a:p>
+        </p:txBody>
+      </p:sp>
+    </p:spTree>
+    <p:extLst>
+      <p:ext uri="{BB962C8B-B14F-4D97-AF65-F5344CB8AC3E}">
+        <p14:creationId xmlns:p14="http://schemas.microsoft.com/office/powerpoint/2010/main" val="3791381511"/>
+      </p:ext>
+    </p:extLst>
+  </p:cSld>
+  <p:clrMapOvr>
+    <a:masterClrMapping/>
+  </p:clrMapOvr>
+</p:sld>
+</file>
+
+<file path=ppt/slides/slide16.xml><?xml version="1.0" encoding="utf-8"?>
+<p:sld xmlns:a="http://schemas.openxmlformats.org/drawingml/2006/main" xmlns:r="http://schemas.openxmlformats.org/officeDocument/2006/relationships" xmlns:p="http://schemas.openxmlformats.org/presentationml/2006/main">
+  <p:cSld>
+    <p:spTree>
+      <p:nvGrpSpPr>
+        <p:cNvPr id="1" name=""/>
+        <p:cNvGrpSpPr/>
+        <p:nvPr/>
+      </p:nvGrpSpPr>
+      <p:grpSpPr>
+        <a:xfrm>
+          <a:off x="0" y="0"/>
+          <a:ext cx="0" cy="0"/>
+          <a:chOff x="0" y="0"/>
+          <a:chExt cx="0" cy="0"/>
+        </a:xfrm>
+      </p:grpSpPr>
+      <p:sp>
+        <p:nvSpPr>
+          <p:cNvPr id="2" name="כותרת 1">
+            <a:extLst>
+              <a:ext uri="{FF2B5EF4-FFF2-40B4-BE49-F238E27FC236}">
+                <a16:creationId xmlns:a16="http://schemas.microsoft.com/office/drawing/2014/main" id="{55BAA049-3D2C-7AD4-71F6-D3813328447E}"/>
+              </a:ext>
+            </a:extLst>
+          </p:cNvPr>
+          <p:cNvSpPr>
+            <a:spLocks noGrp="1"/>
+          </p:cNvSpPr>
+          <p:nvPr>
+            <p:ph type="title"/>
+          </p:nvPr>
+        </p:nvSpPr>
+        <p:spPr>
+          <a:xfrm>
+            <a:off x="2562875" y="789362"/>
+            <a:ext cx="7335835" cy="1268984"/>
+          </a:xfrm>
+        </p:spPr>
+        <p:txBody>
+          <a:bodyPr>
+            <a:normAutofit/>
+          </a:bodyPr>
+          <a:lstStyle/>
+          <a:p>
+            <a:pPr algn="ctr"/>
+            <a:r>
+              <a:rPr lang="en-US" b="1" i="0" u="sng" dirty="0">
+                <a:solidFill>
+                  <a:srgbClr val="000000"/>
+                </a:solidFill>
+                <a:effectLst/>
+                <a:latin typeface="Helvetica Neue"/>
+              </a:rPr>
+              <a:t>R</a:t>
+            </a:r>
+            <a:r>
+              <a:rPr lang="en-US" u="sng" dirty="0">
+                <a:solidFill>
+                  <a:srgbClr val="000000"/>
+                </a:solidFill>
+                <a:latin typeface="Helvetica Neue"/>
+              </a:rPr>
+              <a:t>atio</a:t>
+            </a:r>
+            <a:r>
+              <a:rPr lang="en-US" b="1" i="0" u="sng" dirty="0">
+                <a:solidFill>
+                  <a:srgbClr val="000000"/>
+                </a:solidFill>
+                <a:effectLst/>
+                <a:latin typeface="Helvetica Neue"/>
+              </a:rPr>
+              <a:t> Features</a:t>
+            </a:r>
+            <a:endParaRPr lang="en-IL" u="sng" dirty="0"/>
+          </a:p>
+        </p:txBody>
+      </p:sp>
+      <p:sp>
+        <p:nvSpPr>
+          <p:cNvPr id="3" name="מציין מיקום תוכן 2">
+            <a:extLst>
+              <a:ext uri="{FF2B5EF4-FFF2-40B4-BE49-F238E27FC236}">
+                <a16:creationId xmlns:a16="http://schemas.microsoft.com/office/drawing/2014/main" id="{07866E27-C5EF-A297-FEC3-9734F057B379}"/>
+              </a:ext>
+            </a:extLst>
+          </p:cNvPr>
+          <p:cNvSpPr>
+            <a:spLocks noGrp="1"/>
+          </p:cNvSpPr>
+          <p:nvPr>
+            <p:ph idx="1"/>
+          </p:nvPr>
+        </p:nvSpPr>
+        <p:spPr>
+          <a:xfrm>
+            <a:off x="1682172" y="1896744"/>
+            <a:ext cx="9059141" cy="3323130"/>
+          </a:xfrm>
+        </p:spPr>
+        <p:txBody>
+          <a:bodyPr>
+            <a:normAutofit lnSpcReduction="10000"/>
+          </a:bodyPr>
+          <a:lstStyle/>
+          <a:p>
+            <a:pPr marL="0" indent="0" algn="r" rtl="1">
+              <a:buNone/>
+            </a:pPr>
+            <a:r>
+              <a:rPr lang="he-IL" sz="2000" b="0" i="0" dirty="0">
+                <a:solidFill>
+                  <a:srgbClr val="000000"/>
+                </a:solidFill>
+                <a:effectLst/>
+                <a:latin typeface="Helvetica Neue"/>
+              </a:rPr>
+              <a:t>עבור קטגוריה זו של פיצ'רים התבססנו </a:t>
+            </a:r>
+            <a:r>
+              <a:rPr lang="he-IL" sz="2000" dirty="0">
+                <a:solidFill>
+                  <a:srgbClr val="000000"/>
+                </a:solidFill>
+                <a:latin typeface="Helvetica Neue"/>
+              </a:rPr>
+              <a:t>על יחסים בין ערכים בתוכן של ה</a:t>
+            </a:r>
+            <a:r>
+              <a:rPr lang="en-US" sz="2000" dirty="0">
+                <a:solidFill>
+                  <a:srgbClr val="000000"/>
+                </a:solidFill>
+                <a:latin typeface="Helvetica Neue"/>
+              </a:rPr>
+              <a:t>URL</a:t>
+            </a:r>
+            <a:r>
+              <a:rPr lang="he-IL" sz="2000" dirty="0">
+                <a:solidFill>
+                  <a:srgbClr val="000000"/>
+                </a:solidFill>
+                <a:latin typeface="Helvetica Neue"/>
+              </a:rPr>
+              <a:t>.</a:t>
+            </a:r>
+            <a:endParaRPr lang="he-IL" sz="2000" b="0" i="0" dirty="0">
+              <a:solidFill>
+                <a:srgbClr val="000000"/>
+              </a:solidFill>
+              <a:effectLst/>
+              <a:latin typeface="Helvetica Neue"/>
+            </a:endParaRPr>
+          </a:p>
+          <a:p>
+            <a:r>
+              <a:rPr lang="en-US" sz="2000" b="0" i="0" dirty="0">
+                <a:solidFill>
+                  <a:srgbClr val="000000"/>
+                </a:solidFill>
+                <a:effectLst/>
+                <a:latin typeface="Helvetica Neue"/>
+              </a:rPr>
+              <a:t>Underscore Ratio</a:t>
+            </a:r>
+            <a:endParaRPr lang="he-IL" sz="2000" b="0" i="0" dirty="0">
+              <a:solidFill>
+                <a:srgbClr val="000000"/>
+              </a:solidFill>
+              <a:effectLst/>
+              <a:latin typeface="Helvetica Neue"/>
+            </a:endParaRPr>
+          </a:p>
+          <a:p>
+            <a:r>
+              <a:rPr lang="en-US" sz="2000" b="0" i="0" dirty="0">
+                <a:solidFill>
+                  <a:srgbClr val="000000"/>
+                </a:solidFill>
+                <a:effectLst/>
+                <a:latin typeface="Helvetica Neue"/>
+              </a:rPr>
+              <a:t>Vowel Ratio</a:t>
+            </a:r>
+          </a:p>
+          <a:p>
+            <a:r>
+              <a:rPr lang="en-US" sz="2000" b="0" i="0" dirty="0">
+                <a:solidFill>
+                  <a:srgbClr val="000000"/>
+                </a:solidFill>
+                <a:effectLst/>
+                <a:latin typeface="Helvetica Neue"/>
+              </a:rPr>
+              <a:t>Digit Ratio</a:t>
+            </a:r>
+          </a:p>
+          <a:p>
+            <a:r>
+              <a:rPr lang="en-GB" sz="2000" b="0" i="0" dirty="0">
+                <a:solidFill>
+                  <a:srgbClr val="000000"/>
+                </a:solidFill>
+                <a:effectLst/>
+                <a:latin typeface="Helvetica Neue"/>
+              </a:rPr>
+              <a:t>Ratio of Repeated Characters in a subdomain</a:t>
+            </a:r>
+          </a:p>
+          <a:p>
+            <a:r>
+              <a:rPr lang="en-GB" sz="2000" b="0" i="0" dirty="0">
+                <a:solidFill>
+                  <a:srgbClr val="000000"/>
+                </a:solidFill>
+                <a:effectLst/>
+                <a:latin typeface="Helvetica Neue"/>
+              </a:rPr>
+              <a:t>Ratio of consecutive digits</a:t>
+            </a:r>
+          </a:p>
+          <a:p>
+            <a:r>
+              <a:rPr lang="en-GB" sz="2000" b="0" i="0" dirty="0">
+                <a:solidFill>
+                  <a:srgbClr val="000000"/>
+                </a:solidFill>
+                <a:effectLst/>
+                <a:latin typeface="Helvetica Neue"/>
+              </a:rPr>
+              <a:t>Ratio of Consecutive Consonants</a:t>
+            </a:r>
+          </a:p>
+          <a:p>
+            <a:r>
+              <a:rPr lang="en-GB" sz="2000" b="0" i="0" dirty="0">
+                <a:solidFill>
+                  <a:srgbClr val="000000"/>
+                </a:solidFill>
+                <a:effectLst/>
+                <a:latin typeface="Helvetica Neue"/>
+              </a:rPr>
+              <a:t>Entropy of subdomain</a:t>
+            </a:r>
+          </a:p>
+          <a:p>
+            <a:endParaRPr lang="en-IL" sz="2000" dirty="0"/>
+          </a:p>
+        </p:txBody>
+      </p:sp>
+    </p:spTree>
+    <p:extLst>
+      <p:ext uri="{BB962C8B-B14F-4D97-AF65-F5344CB8AC3E}">
+        <p14:creationId xmlns:p14="http://schemas.microsoft.com/office/powerpoint/2010/main" val="1869106779"/>
+      </p:ext>
+    </p:extLst>
+  </p:cSld>
+  <p:clrMapOvr>
+    <a:masterClrMapping/>
+  </p:clrMapOvr>
+</p:sld>
+</file>
+
+<file path=ppt/slides/slide17.xml><?xml version="1.0" encoding="utf-8"?>
+<p:sld xmlns:a="http://schemas.openxmlformats.org/drawingml/2006/main" xmlns:r="http://schemas.openxmlformats.org/officeDocument/2006/relationships" xmlns:p="http://schemas.openxmlformats.org/presentationml/2006/main">
+  <p:cSld>
+    <p:spTree>
+      <p:nvGrpSpPr>
+        <p:cNvPr id="1" name=""/>
+        <p:cNvGrpSpPr/>
+        <p:nvPr/>
+      </p:nvGrpSpPr>
+      <p:grpSpPr>
+        <a:xfrm>
+          <a:off x="0" y="0"/>
+          <a:ext cx="0" cy="0"/>
+          <a:chOff x="0" y="0"/>
+          <a:chExt cx="0" cy="0"/>
+        </a:xfrm>
+      </p:grpSpPr>
+      <p:sp>
+        <p:nvSpPr>
+          <p:cNvPr id="3" name="מציין מיקום תוכן 2">
+            <a:extLst>
+              <a:ext uri="{FF2B5EF4-FFF2-40B4-BE49-F238E27FC236}">
+                <a16:creationId xmlns:a16="http://schemas.microsoft.com/office/drawing/2014/main" id="{EC24B0E1-BE94-254A-F5E8-8410674027E7}"/>
+              </a:ext>
+            </a:extLst>
+          </p:cNvPr>
+          <p:cNvSpPr>
+            <a:spLocks noGrp="1"/>
+          </p:cNvSpPr>
+          <p:nvPr>
+            <p:ph idx="1"/>
+          </p:nvPr>
+        </p:nvSpPr>
+        <p:spPr>
+          <a:xfrm>
+            <a:off x="7151973" y="3173322"/>
+            <a:ext cx="4615593" cy="1656785"/>
+          </a:xfrm>
+        </p:spPr>
+        <p:txBody>
+          <a:bodyPr>
+            <a:normAutofit/>
+          </a:bodyPr>
+          <a:lstStyle/>
+          <a:p>
+            <a:pPr marL="0" indent="0" algn="ctr">
+              <a:buNone/>
+            </a:pPr>
+            <a:r>
+              <a:rPr lang="he-IL" dirty="0"/>
+              <a:t>בתמונה אפשר לראות את הפיזור הערכים בין כל הפיצ'רים השונים </a:t>
+            </a:r>
+            <a:endParaRPr lang="en-IL" dirty="0"/>
+          </a:p>
+        </p:txBody>
+      </p:sp>
+      <p:pic>
+        <p:nvPicPr>
+          <p:cNvPr id="6" name="Picture 5">
+            <a:extLst>
+              <a:ext uri="{FF2B5EF4-FFF2-40B4-BE49-F238E27FC236}">
+                <a16:creationId xmlns:a16="http://schemas.microsoft.com/office/drawing/2014/main" id="{2C0F0FE5-88F4-4471-CB05-9B443515AB14}"/>
+              </a:ext>
+            </a:extLst>
+          </p:cNvPr>
+          <p:cNvPicPr>
+            <a:picLocks noChangeAspect="1"/>
+          </p:cNvPicPr>
+          <p:nvPr/>
+        </p:nvPicPr>
+        <p:blipFill>
+          <a:blip r:embed="rId2"/>
+          <a:stretch>
+            <a:fillRect/>
+          </a:stretch>
+        </p:blipFill>
+        <p:spPr>
+          <a:xfrm>
+            <a:off x="1101404" y="374650"/>
+            <a:ext cx="5484994" cy="5314950"/>
+          </a:xfrm>
+          <a:prstGeom prst="rect">
+            <a:avLst/>
+          </a:prstGeom>
+          <a:ln w="38100" cap="sq">
+            <a:solidFill>
+              <a:srgbClr val="000000"/>
+            </a:solidFill>
+            <a:prstDash val="solid"/>
+            <a:miter lim="800000"/>
+          </a:ln>
+          <a:effectLst>
+            <a:outerShdw blurRad="50800" dist="38100" dir="2700000" algn="tl" rotWithShape="0">
+              <a:srgbClr val="000000">
+                <a:alpha val="43000"/>
+              </a:srgbClr>
+            </a:outerShdw>
+          </a:effectLst>
+        </p:spPr>
+      </p:pic>
+      <p:sp>
+        <p:nvSpPr>
+          <p:cNvPr id="8" name="כותרת 1">
+            <a:extLst>
+              <a:ext uri="{FF2B5EF4-FFF2-40B4-BE49-F238E27FC236}">
+                <a16:creationId xmlns:a16="http://schemas.microsoft.com/office/drawing/2014/main" id="{430B92EC-44D2-0DB8-120F-93B2AEE0C3BB}"/>
+              </a:ext>
+            </a:extLst>
+          </p:cNvPr>
+          <p:cNvSpPr txBox="1">
+            <a:spLocks/>
+          </p:cNvSpPr>
+          <p:nvPr/>
+        </p:nvSpPr>
+        <p:spPr>
+          <a:xfrm>
+            <a:off x="6962245" y="1758024"/>
+            <a:ext cx="4805321" cy="1684691"/>
+          </a:xfrm>
+          <a:prstGeom prst="rect">
+            <a:avLst/>
+          </a:prstGeom>
+        </p:spPr>
+        <p:txBody>
+          <a:bodyPr vert="horz" lIns="91440" tIns="45720" rIns="91440" bIns="45720" rtlCol="0" anchor="t">
+            <a:normAutofit fontScale="92500"/>
+          </a:bodyPr>
+          <a:lstStyle>
+            <a:lvl1pPr algn="l" defTabSz="914400" rtl="0" eaLnBrk="1" latinLnBrk="0" hangingPunct="1">
+              <a:lnSpc>
+                <a:spcPct val="100000"/>
+              </a:lnSpc>
+              <a:spcBef>
+                <a:spcPct val="0"/>
+              </a:spcBef>
+              <a:buNone/>
+              <a:defRPr sz="4000" b="1" i="0" kern="1200">
+                <a:solidFill>
+                  <a:schemeClr val="tx1"/>
+                </a:solidFill>
+                <a:latin typeface="+mj-lt"/>
+                <a:ea typeface="+mj-ea"/>
+                <a:cs typeface="+mj-cs"/>
+              </a:defRPr>
+            </a:lvl1pPr>
+          </a:lstStyle>
+          <a:p>
+            <a:pPr algn="ctr"/>
+            <a:r>
+              <a:rPr lang="he-IL" u="sng" dirty="0"/>
+              <a:t>חקירת הדאטה סט</a:t>
+            </a:r>
+            <a:endParaRPr lang="en-US" u="sng" dirty="0"/>
+          </a:p>
+          <a:p>
+            <a:pPr algn="ctr"/>
+            <a:r>
+              <a:rPr lang="en-US" sz="3900" b="0" dirty="0"/>
+              <a:t>Distribution features  </a:t>
+            </a:r>
+            <a:endParaRPr lang="en-IL" sz="3900" b="0" dirty="0"/>
+          </a:p>
+          <a:p>
+            <a:endParaRPr lang="en-IL" u="sng" dirty="0"/>
+          </a:p>
+        </p:txBody>
+      </p:sp>
+    </p:spTree>
+    <p:extLst>
+      <p:ext uri="{BB962C8B-B14F-4D97-AF65-F5344CB8AC3E}">
+        <p14:creationId xmlns:p14="http://schemas.microsoft.com/office/powerpoint/2010/main" val="2134452805"/>
+      </p:ext>
+    </p:extLst>
+  </p:cSld>
+  <p:clrMapOvr>
+    <a:masterClrMapping/>
+  </p:clrMapOvr>
+</p:sld>
+</file>
+
+<file path=ppt/slides/slide18.xml><?xml version="1.0" encoding="utf-8"?>
+<p:sld xmlns:a="http://schemas.openxmlformats.org/drawingml/2006/main" xmlns:r="http://schemas.openxmlformats.org/officeDocument/2006/relationships" xmlns:p="http://schemas.openxmlformats.org/presentationml/2006/main">
+  <p:cSld>
+    <p:spTree>
+      <p:nvGrpSpPr>
+        <p:cNvPr id="1" name=""/>
+        <p:cNvGrpSpPr/>
+        <p:nvPr/>
+      </p:nvGrpSpPr>
+      <p:grpSpPr>
+        <a:xfrm>
+          <a:off x="0" y="0"/>
+          <a:ext cx="0" cy="0"/>
+          <a:chOff x="0" y="0"/>
+          <a:chExt cx="0" cy="0"/>
+        </a:xfrm>
+      </p:grpSpPr>
+      <p:pic>
+        <p:nvPicPr>
+          <p:cNvPr id="8" name="Picture 7">
+            <a:extLst>
+              <a:ext uri="{FF2B5EF4-FFF2-40B4-BE49-F238E27FC236}">
+                <a16:creationId xmlns:a16="http://schemas.microsoft.com/office/drawing/2014/main" id="{FD2EC1D3-FD16-E6C0-8610-16A5D6786CD0}"/>
+              </a:ext>
+            </a:extLst>
+          </p:cNvPr>
+          <p:cNvPicPr>
+            <a:picLocks noChangeAspect="1"/>
+          </p:cNvPicPr>
+          <p:nvPr/>
+        </p:nvPicPr>
+        <p:blipFill>
+          <a:blip r:embed="rId2"/>
+          <a:stretch>
+            <a:fillRect/>
+          </a:stretch>
+        </p:blipFill>
+        <p:spPr>
+          <a:xfrm>
+            <a:off x="499835" y="371488"/>
+            <a:ext cx="6237515" cy="5483211"/>
+          </a:xfrm>
+          <a:prstGeom prst="rect">
+            <a:avLst/>
+          </a:prstGeom>
+          <a:ln w="38100" cap="sq">
+            <a:solidFill>
+              <a:srgbClr val="000000"/>
+            </a:solidFill>
+            <a:prstDash val="solid"/>
+            <a:miter lim="800000"/>
+          </a:ln>
+          <a:effectLst>
+            <a:outerShdw blurRad="50800" dist="38100" dir="2700000" algn="tl" rotWithShape="0">
+              <a:srgbClr val="000000">
+                <a:alpha val="43000"/>
+              </a:srgbClr>
+            </a:outerShdw>
+          </a:effectLst>
+        </p:spPr>
+      </p:pic>
+      <p:sp>
+        <p:nvSpPr>
+          <p:cNvPr id="19" name="כותרת 1">
+            <a:extLst>
+              <a:ext uri="{FF2B5EF4-FFF2-40B4-BE49-F238E27FC236}">
+                <a16:creationId xmlns:a16="http://schemas.microsoft.com/office/drawing/2014/main" id="{DC4193C2-FEF9-575D-D6A7-580BFF96A933}"/>
+              </a:ext>
+            </a:extLst>
+          </p:cNvPr>
+          <p:cNvSpPr txBox="1">
+            <a:spLocks/>
+          </p:cNvSpPr>
+          <p:nvPr/>
+        </p:nvSpPr>
+        <p:spPr>
+          <a:xfrm>
+            <a:off x="7062534" y="2309171"/>
+            <a:ext cx="4547396" cy="1684691"/>
+          </a:xfrm>
+          <a:prstGeom prst="rect">
+            <a:avLst/>
+          </a:prstGeom>
+        </p:spPr>
+        <p:txBody>
+          <a:bodyPr vert="horz" lIns="91440" tIns="45720" rIns="91440" bIns="45720" rtlCol="0" anchor="t">
+            <a:normAutofit fontScale="92500"/>
+          </a:bodyPr>
+          <a:lstStyle>
+            <a:lvl1pPr algn="l" defTabSz="914400" rtl="0" eaLnBrk="1" latinLnBrk="0" hangingPunct="1">
+              <a:lnSpc>
+                <a:spcPct val="100000"/>
+              </a:lnSpc>
+              <a:spcBef>
+                <a:spcPct val="0"/>
+              </a:spcBef>
+              <a:buNone/>
+              <a:defRPr sz="4000" b="1" i="0" kern="1200">
+                <a:solidFill>
+                  <a:schemeClr val="tx1"/>
+                </a:solidFill>
+                <a:latin typeface="+mj-lt"/>
+                <a:ea typeface="+mj-ea"/>
+                <a:cs typeface="+mj-cs"/>
+              </a:defRPr>
+            </a:lvl1pPr>
+          </a:lstStyle>
+          <a:p>
+            <a:pPr algn="ctr"/>
+            <a:r>
+              <a:rPr lang="he-IL" u="sng" dirty="0"/>
+              <a:t>חקירת הדאטה סט</a:t>
+            </a:r>
+            <a:endParaRPr lang="en-US" u="sng" dirty="0"/>
+          </a:p>
+          <a:p>
+            <a:r>
+              <a:rPr lang="en-US" sz="3900" b="0" dirty="0"/>
+              <a:t>Correlation heatmap</a:t>
+            </a:r>
+            <a:endParaRPr lang="en-IL" sz="3900" b="0" dirty="0"/>
+          </a:p>
+          <a:p>
+            <a:endParaRPr lang="en-IL" u="sng" dirty="0"/>
+          </a:p>
+        </p:txBody>
+      </p:sp>
+    </p:spTree>
+    <p:extLst>
+      <p:ext uri="{BB962C8B-B14F-4D97-AF65-F5344CB8AC3E}">
+        <p14:creationId xmlns:p14="http://schemas.microsoft.com/office/powerpoint/2010/main" val="3779871965"/>
+      </p:ext>
+    </p:extLst>
+  </p:cSld>
+  <p:clrMapOvr>
+    <a:masterClrMapping/>
+  </p:clrMapOvr>
+</p:sld>
+</file>
+
+<file path=ppt/slides/slide19.xml><?xml version="1.0" encoding="utf-8"?>
+<p:sld xmlns:a="http://schemas.openxmlformats.org/drawingml/2006/main" xmlns:r="http://schemas.openxmlformats.org/officeDocument/2006/relationships" xmlns:p="http://schemas.openxmlformats.org/presentationml/2006/main">
+  <p:cSld>
+    <p:spTree>
+      <p:nvGrpSpPr>
+        <p:cNvPr id="1" name=""/>
+        <p:cNvGrpSpPr/>
+        <p:nvPr/>
+      </p:nvGrpSpPr>
+      <p:grpSpPr>
+        <a:xfrm>
+          <a:off x="0" y="0"/>
+          <a:ext cx="0" cy="0"/>
+          <a:chOff x="0" y="0"/>
+          <a:chExt cx="0" cy="0"/>
+        </a:xfrm>
+      </p:grpSpPr>
+      <p:sp>
+        <p:nvSpPr>
+          <p:cNvPr id="2" name="כותרת 1">
+            <a:extLst>
+              <a:ext uri="{FF2B5EF4-FFF2-40B4-BE49-F238E27FC236}">
+                <a16:creationId xmlns:a16="http://schemas.microsoft.com/office/drawing/2014/main" id="{91861124-9CA6-C2E1-59B7-740E2738CC2F}"/>
+              </a:ext>
+            </a:extLst>
+          </p:cNvPr>
+          <p:cNvSpPr>
+            <a:spLocks noGrp="1"/>
+          </p:cNvSpPr>
+          <p:nvPr>
+            <p:ph type="title"/>
+          </p:nvPr>
+        </p:nvSpPr>
+        <p:spPr>
+          <a:xfrm>
+            <a:off x="2186311" y="743181"/>
+            <a:ext cx="7687610" cy="1268984"/>
+          </a:xfrm>
+        </p:spPr>
+        <p:txBody>
+          <a:bodyPr>
+            <a:normAutofit/>
+          </a:bodyPr>
+          <a:lstStyle/>
+          <a:p>
+            <a:pPr algn="ctr" rtl="1"/>
+            <a:r>
+              <a:rPr lang="he-IL" u="sng" dirty="0"/>
+              <a:t>מאפיינים חזקים עבור מודל -</a:t>
+            </a:r>
+            <a:r>
+              <a:rPr lang="en-US" u="sng" dirty="0"/>
+              <a:t>DGA</a:t>
+            </a:r>
+            <a:endParaRPr lang="en-IL" u="sng" dirty="0"/>
+          </a:p>
+        </p:txBody>
+      </p:sp>
+      <p:sp>
+        <p:nvSpPr>
+          <p:cNvPr id="3" name="מציין מיקום תוכן 2">
+            <a:extLst>
+              <a:ext uri="{FF2B5EF4-FFF2-40B4-BE49-F238E27FC236}">
+                <a16:creationId xmlns:a16="http://schemas.microsoft.com/office/drawing/2014/main" id="{46F8673F-E9F5-BF1D-E17E-8638791DF214}"/>
+              </a:ext>
+            </a:extLst>
+          </p:cNvPr>
+          <p:cNvSpPr>
+            <a:spLocks noGrp="1"/>
+          </p:cNvSpPr>
+          <p:nvPr>
+            <p:ph idx="1"/>
+          </p:nvPr>
+        </p:nvSpPr>
+        <p:spPr>
+          <a:xfrm>
+            <a:off x="1001718" y="1628394"/>
+            <a:ext cx="9003971" cy="3601212"/>
+          </a:xfrm>
+        </p:spPr>
+        <p:txBody>
+          <a:bodyPr/>
+          <a:lstStyle/>
+          <a:p>
+            <a:pPr marL="0" indent="0" algn="r" rtl="1">
+              <a:buNone/>
+            </a:pPr>
+            <a:r>
+              <a:rPr lang="he-IL" dirty="0"/>
+              <a:t>בתוך כל דאטה סט היו כמה מאפיינים חזקים שבאמצעותם יכולנו לזהות כמעט במדויק האם הדומיין הוא זדוני או לא, אותם מאפיינים היו:</a:t>
+            </a:r>
+          </a:p>
+          <a:p>
+            <a:r>
+              <a:rPr lang="en-US" dirty="0"/>
+              <a:t>Vowel Ratio</a:t>
+            </a:r>
+            <a:endParaRPr lang="he-IL" dirty="0"/>
+          </a:p>
+          <a:p>
+            <a:r>
+              <a:rPr lang="en-US" sz="2400" b="0" i="0" dirty="0">
+                <a:solidFill>
+                  <a:srgbClr val="000000"/>
+                </a:solidFill>
+                <a:effectLst/>
+                <a:latin typeface="Helvetica Neue"/>
+              </a:rPr>
+              <a:t>SNM: Subdomain Length Mean</a:t>
+            </a:r>
+            <a:endParaRPr lang="he-IL" sz="2400" b="0" i="0" dirty="0">
+              <a:solidFill>
+                <a:srgbClr val="000000"/>
+              </a:solidFill>
+              <a:effectLst/>
+              <a:latin typeface="Helvetica Neue"/>
+            </a:endParaRPr>
+          </a:p>
+          <a:p>
+            <a:r>
+              <a:rPr lang="en-US" dirty="0"/>
+              <a:t>DNL: </a:t>
+            </a:r>
+            <a:r>
+              <a:rPr lang="en-US" sz="2400" b="0" i="0" dirty="0">
+                <a:solidFill>
+                  <a:srgbClr val="000000"/>
+                </a:solidFill>
+                <a:effectLst/>
+                <a:latin typeface="Helvetica Neue"/>
+              </a:rPr>
+              <a:t>Domain Name Length</a:t>
+            </a:r>
+            <a:endParaRPr lang="he-IL" dirty="0"/>
+          </a:p>
+          <a:p>
+            <a:r>
+              <a:rPr lang="en-US" dirty="0"/>
+              <a:t>RCC: Ratio of consecutive consonants </a:t>
+            </a:r>
+            <a:br>
+              <a:rPr lang="en-US" dirty="0"/>
+            </a:br>
+            <a:r>
+              <a:rPr lang="he-IL" dirty="0"/>
+              <a:t> (יחס עיצורים עוקבים)</a:t>
+            </a:r>
+          </a:p>
+        </p:txBody>
+      </p:sp>
+      <p:pic>
+        <p:nvPicPr>
+          <p:cNvPr id="5" name="Picture 4">
+            <a:extLst>
+              <a:ext uri="{FF2B5EF4-FFF2-40B4-BE49-F238E27FC236}">
+                <a16:creationId xmlns:a16="http://schemas.microsoft.com/office/drawing/2014/main" id="{A82F4E58-27EA-2955-BA18-3DE792C2285E}"/>
+              </a:ext>
+            </a:extLst>
+          </p:cNvPr>
+          <p:cNvPicPr>
+            <a:picLocks noChangeAspect="1"/>
+          </p:cNvPicPr>
+          <p:nvPr/>
+        </p:nvPicPr>
+        <p:blipFill>
+          <a:blip r:embed="rId2"/>
+          <a:stretch>
+            <a:fillRect/>
+          </a:stretch>
+        </p:blipFill>
+        <p:spPr>
+          <a:xfrm>
+            <a:off x="7040563" y="2997236"/>
+            <a:ext cx="4624387" cy="2550738"/>
+          </a:xfrm>
+          <a:prstGeom prst="rect">
+            <a:avLst/>
+          </a:prstGeom>
+          <a:ln w="38100" cap="sq">
+            <a:solidFill>
+              <a:srgbClr val="000000"/>
+            </a:solidFill>
+            <a:prstDash val="solid"/>
+            <a:miter lim="800000"/>
+          </a:ln>
+          <a:effectLst>
+            <a:outerShdw blurRad="50800" dist="38100" dir="2700000" algn="tl" rotWithShape="0">
+              <a:srgbClr val="000000">
+                <a:alpha val="43000"/>
+              </a:srgbClr>
+            </a:outerShdw>
+          </a:effectLst>
+        </p:spPr>
+      </p:pic>
+    </p:spTree>
+    <p:extLst>
+      <p:ext uri="{BB962C8B-B14F-4D97-AF65-F5344CB8AC3E}">
+        <p14:creationId xmlns:p14="http://schemas.microsoft.com/office/powerpoint/2010/main" val="1217062328"/>
+      </p:ext>
+    </p:extLst>
+  </p:cSld>
+  <p:clrMapOvr>
+    <a:masterClrMapping/>
+  </p:clrMapOvr>
+</p:sld>
+</file>
+
+<file path=ppt/slides/slide2.xml><?xml version="1.0" encoding="utf-8"?>
+<p:sld xmlns:a="http://schemas.openxmlformats.org/drawingml/2006/main" xmlns:r="http://schemas.openxmlformats.org/officeDocument/2006/relationships" xmlns:p="http://schemas.openxmlformats.org/presentationml/2006/main">
+  <p:cSld>
+    <p:spTree>
+      <p:nvGrpSpPr>
+        <p:cNvPr id="1" name=""/>
+        <p:cNvGrpSpPr/>
+        <p:nvPr/>
+      </p:nvGrpSpPr>
+      <p:grpSpPr>
+        <a:xfrm>
+          <a:off x="0" y="0"/>
+          <a:ext cx="0" cy="0"/>
+          <a:chOff x="0" y="0"/>
+          <a:chExt cx="0" cy="0"/>
+        </a:xfrm>
+      </p:grpSpPr>
+      <p:sp>
+        <p:nvSpPr>
+          <p:cNvPr id="2" name="כותרת 1">
+            <a:extLst>
+              <a:ext uri="{FF2B5EF4-FFF2-40B4-BE49-F238E27FC236}">
+                <a16:creationId xmlns:a16="http://schemas.microsoft.com/office/drawing/2014/main" id="{108EE9B4-1A9E-D3B5-673A-F7D85E8BF1A8}"/>
+              </a:ext>
+            </a:extLst>
+          </p:cNvPr>
+          <p:cNvSpPr>
+            <a:spLocks noGrp="1"/>
+          </p:cNvSpPr>
+          <p:nvPr>
+            <p:ph type="title"/>
+          </p:nvPr>
+        </p:nvSpPr>
+        <p:spPr>
+          <a:xfrm>
+            <a:off x="2428083" y="715472"/>
+            <a:ext cx="7335835" cy="1268984"/>
+          </a:xfrm>
+        </p:spPr>
+        <p:txBody>
+          <a:bodyPr/>
+          <a:lstStyle/>
+          <a:p>
+            <a:pPr algn="ctr"/>
+            <a:r>
+              <a:rPr lang="he-IL" u="sng" dirty="0">
+                <a:latin typeface="Arial" panose="020B0604020202020204" pitchFamily="34" charset="0"/>
+                <a:cs typeface="Arial" panose="020B0604020202020204" pitchFamily="34" charset="0"/>
+              </a:rPr>
+              <a:t>תיאור הפרויקט</a:t>
+            </a:r>
+            <a:endParaRPr lang="en-IL" u="sng" dirty="0">
+              <a:latin typeface="Arial" panose="020B0604020202020204" pitchFamily="34" charset="0"/>
+              <a:cs typeface="Arial" panose="020B0604020202020204" pitchFamily="34" charset="0"/>
+            </a:endParaRPr>
+          </a:p>
+        </p:txBody>
+      </p:sp>
+      <p:sp>
+        <p:nvSpPr>
+          <p:cNvPr id="3" name="מציין מיקום תוכן 2">
+            <a:extLst>
+              <a:ext uri="{FF2B5EF4-FFF2-40B4-BE49-F238E27FC236}">
+                <a16:creationId xmlns:a16="http://schemas.microsoft.com/office/drawing/2014/main" id="{E89D0804-0F99-525F-D147-C5B09B17A60F}"/>
+              </a:ext>
+            </a:extLst>
+          </p:cNvPr>
+          <p:cNvSpPr>
+            <a:spLocks noGrp="1"/>
+          </p:cNvSpPr>
+          <p:nvPr>
+            <p:ph idx="1"/>
+          </p:nvPr>
+        </p:nvSpPr>
+        <p:spPr>
+          <a:xfrm>
+            <a:off x="2428082" y="1716983"/>
+            <a:ext cx="7335835" cy="1173702"/>
+          </a:xfrm>
+        </p:spPr>
+        <p:txBody>
+          <a:bodyPr>
+            <a:normAutofit lnSpcReduction="10000"/>
+          </a:bodyPr>
+          <a:lstStyle/>
+          <a:p>
+            <a:pPr marL="0" indent="0" algn="ctr">
+              <a:buNone/>
+            </a:pPr>
+            <a:r>
+              <a:rPr lang="he-IL" dirty="0"/>
+              <a:t>במסגרת המחקר שלנו יצרנו מודל שמאפשר לבצע בדיקה בזמן אמת לכל דומיין שרוצים לגשת אליו ולקבוע האם הוא זדוני או תקין.</a:t>
+            </a:r>
+            <a:endParaRPr lang="en-IL" dirty="0"/>
+          </a:p>
+        </p:txBody>
+      </p:sp>
+      <p:pic>
+        <p:nvPicPr>
+          <p:cNvPr id="5" name="Picture 4" descr="Diagram">
+            <a:extLst>
+              <a:ext uri="{FF2B5EF4-FFF2-40B4-BE49-F238E27FC236}">
+                <a16:creationId xmlns:a16="http://schemas.microsoft.com/office/drawing/2014/main" id="{100A83C2-637B-8B7F-9779-BA8E1F7EDC41}"/>
+              </a:ext>
+            </a:extLst>
+          </p:cNvPr>
+          <p:cNvPicPr>
+            <a:picLocks noChangeAspect="1"/>
+          </p:cNvPicPr>
+          <p:nvPr/>
+        </p:nvPicPr>
+        <p:blipFill>
+          <a:blip r:embed="rId2">
+            <a:extLst>
+              <a:ext uri="{28A0092B-C50C-407E-A947-70E740481C1C}">
+                <a14:useLocalDpi xmlns:a14="http://schemas.microsoft.com/office/drawing/2010/main" val="0"/>
+              </a:ext>
+            </a:extLst>
+          </a:blip>
+          <a:stretch>
+            <a:fillRect/>
+          </a:stretch>
+        </p:blipFill>
+        <p:spPr>
+          <a:xfrm>
+            <a:off x="4016775" y="3191742"/>
+            <a:ext cx="4158451" cy="2796673"/>
+          </a:xfrm>
+          <a:prstGeom prst="rect">
+            <a:avLst/>
+          </a:prstGeom>
+        </p:spPr>
+      </p:pic>
+    </p:spTree>
+    <p:extLst>
+      <p:ext uri="{BB962C8B-B14F-4D97-AF65-F5344CB8AC3E}">
+        <p14:creationId xmlns:p14="http://schemas.microsoft.com/office/powerpoint/2010/main" val="2022744036"/>
+      </p:ext>
+    </p:extLst>
+  </p:cSld>
+  <p:clrMapOvr>
+    <a:masterClrMapping/>
+  </p:clrMapOvr>
+</p:sld>
+</file>
+
+<file path=ppt/slides/slide20.xml><?xml version="1.0" encoding="utf-8"?>
 <p:sld xmlns:a="http://schemas.openxmlformats.org/drawingml/2006/main" xmlns:r="http://schemas.openxmlformats.org/officeDocument/2006/relationships" xmlns:p="http://schemas.openxmlformats.org/presentationml/2006/main">
   <p:cSld>
     <p:bg>
@@ -17391,8 +19560,8 @@
         </p:nvSpPr>
         <p:spPr>
           <a:xfrm>
-            <a:off x="7475489" y="468574"/>
-            <a:ext cx="4133560" cy="747610"/>
+            <a:off x="1853576" y="562898"/>
+            <a:ext cx="8484849" cy="747610"/>
           </a:xfrm>
         </p:spPr>
         <p:txBody>
@@ -17401,9 +19570,10 @@
           </a:bodyPr>
           <a:lstStyle/>
           <a:p>
+            <a:pPr algn="ctr"/>
             <a:r>
               <a:rPr lang="he-IL" u="sng" dirty="0"/>
-              <a:t>חקירת הדאטה סט</a:t>
+              <a:t>אימון מודלים עבור הדאטה סט הראשון</a:t>
             </a:r>
             <a:endParaRPr lang="en-IL" u="sng" dirty="0"/>
           </a:p>
@@ -17427,8 +19597,8 @@
         </p:nvSpPr>
         <p:spPr>
           <a:xfrm>
-            <a:off x="7252262" y="2447702"/>
-            <a:ext cx="4615593" cy="1656785"/>
+            <a:off x="2008402" y="1669556"/>
+            <a:ext cx="8175197" cy="2887204"/>
           </a:xfrm>
         </p:spPr>
         <p:txBody>
@@ -17437,14 +19607,42 @@
           </a:bodyPr>
           <a:lstStyle/>
           <a:p>
-            <a:pPr marL="0" indent="0" algn="ctr">
+            <a:pPr marL="0" indent="0" algn="r" rtl="1">
               <a:buNone/>
             </a:pPr>
             <a:r>
               <a:rPr lang="he-IL" dirty="0"/>
-              <a:t>בתמונה אפשר לראות את הפיזור בין כל הפיצ'רים השונים </a:t>
+              <a:t>במהלך הפרויקט אימנו 3 מודלים :</a:t>
             </a:r>
-            <a:endParaRPr lang="en-IL" dirty="0"/>
+            <a:endParaRPr lang="en-US" dirty="0"/>
+          </a:p>
+          <a:p>
+            <a:pPr marL="0" indent="0" algn="r">
+              <a:buNone/>
+            </a:pPr>
+            <a:endParaRPr lang="he-IL" dirty="0"/>
+          </a:p>
+          <a:p>
+            <a:r>
+              <a:rPr lang="en-US" dirty="0"/>
+              <a:t>Decision Tree: 99.5% Accuracy, 100% F1-Score</a:t>
+            </a:r>
+          </a:p>
+          <a:p>
+            <a:r>
+              <a:rPr lang="en-US" dirty="0"/>
+              <a:t>Random Forest: 99.5% Accuracy, 100% F1-Score</a:t>
+            </a:r>
+          </a:p>
+          <a:p>
+            <a:r>
+              <a:rPr lang="en-US" dirty="0"/>
+              <a:t>MLP Algorithm: 99.4% Accuracy</a:t>
+            </a:r>
+          </a:p>
+          <a:p>
+            <a:pPr algn="r"/>
+            <a:endParaRPr lang="he-IL" dirty="0"/>
           </a:p>
         </p:txBody>
       </p:sp>
@@ -17502,101 +19700,10 @@
           </a:fontRef>
         </p:style>
       </p:cxnSp>
-      <p:pic>
-        <p:nvPicPr>
-          <p:cNvPr id="5" name="תמונה 4">
-            <a:extLst>
-              <a:ext uri="{FF2B5EF4-FFF2-40B4-BE49-F238E27FC236}">
-                <a16:creationId xmlns:a16="http://schemas.microsoft.com/office/drawing/2014/main" id="{44C09C4C-AF76-7384-CCE9-E71B9373AD0A}"/>
-              </a:ext>
-            </a:extLst>
-          </p:cNvPr>
-          <p:cNvPicPr>
-            <a:picLocks noChangeAspect="1"/>
-          </p:cNvPicPr>
-          <p:nvPr/>
-        </p:nvPicPr>
-        <p:blipFill>
-          <a:blip r:embed="rId2">
-            <a:extLst>
-              <a:ext uri="{28A0092B-C50C-407E-A947-70E740481C1C}">
-                <a14:useLocalDpi xmlns:a14="http://schemas.microsoft.com/office/drawing/2010/main" val="0"/>
-              </a:ext>
-            </a:extLst>
-          </a:blip>
-          <a:stretch>
-            <a:fillRect/>
-          </a:stretch>
-        </p:blipFill>
-        <p:spPr>
-          <a:xfrm>
-            <a:off x="674426" y="281449"/>
-            <a:ext cx="6144427" cy="5958677"/>
-          </a:xfrm>
-          <a:prstGeom prst="rect">
-            <a:avLst/>
-          </a:prstGeom>
-        </p:spPr>
-      </p:pic>
-      <p:sp>
-        <p:nvSpPr>
-          <p:cNvPr id="7" name="כותרת 1">
-            <a:extLst>
-              <a:ext uri="{FF2B5EF4-FFF2-40B4-BE49-F238E27FC236}">
-                <a16:creationId xmlns:a16="http://schemas.microsoft.com/office/drawing/2014/main" id="{35AE607E-0C3D-C921-DCF4-1992631A8226}"/>
-              </a:ext>
-            </a:extLst>
-          </p:cNvPr>
-          <p:cNvSpPr txBox="1">
-            <a:spLocks/>
-          </p:cNvSpPr>
-          <p:nvPr/>
-        </p:nvSpPr>
-        <p:spPr>
-          <a:xfrm>
-            <a:off x="8348100" y="1645040"/>
-            <a:ext cx="2423915" cy="373805"/>
-          </a:xfrm>
-          <a:prstGeom prst="rect">
-            <a:avLst/>
-          </a:prstGeom>
-        </p:spPr>
-        <p:txBody>
-          <a:bodyPr vert="horz" lIns="91440" tIns="45720" rIns="91440" bIns="45720" rtlCol="0" anchor="t">
-            <a:normAutofit/>
-          </a:bodyPr>
-          <a:lstStyle>
-            <a:lvl1pPr algn="l" defTabSz="914400" rtl="0" eaLnBrk="1" latinLnBrk="0" hangingPunct="1">
-              <a:lnSpc>
-                <a:spcPct val="100000"/>
-              </a:lnSpc>
-              <a:spcBef>
-                <a:spcPct val="0"/>
-              </a:spcBef>
-              <a:buNone/>
-              <a:defRPr sz="4000" b="1" i="0" kern="1200">
-                <a:solidFill>
-                  <a:schemeClr val="tx1"/>
-                </a:solidFill>
-                <a:latin typeface="+mj-lt"/>
-                <a:ea typeface="+mj-ea"/>
-                <a:cs typeface="+mj-cs"/>
-              </a:defRPr>
-            </a:lvl1pPr>
-          </a:lstStyle>
-          <a:p>
-            <a:r>
-              <a:rPr lang="en-US" sz="1800" b="0" dirty="0"/>
-              <a:t>Distribution features  </a:t>
-            </a:r>
-            <a:endParaRPr lang="en-IL" sz="1800" b="0" dirty="0"/>
-          </a:p>
-        </p:txBody>
-      </p:sp>
     </p:spTree>
     <p:extLst>
       <p:ext uri="{BB962C8B-B14F-4D97-AF65-F5344CB8AC3E}">
-        <p14:creationId xmlns:p14="http://schemas.microsoft.com/office/powerpoint/2010/main" val="3640214180"/>
+        <p14:creationId xmlns:p14="http://schemas.microsoft.com/office/powerpoint/2010/main" val="2982436773"/>
       </p:ext>
     </p:extLst>
   </p:cSld>
@@ -17606,7 +19713,7 @@
 </p:sld>
 </file>
 
-<file path=ppt/slides/slide14.xml><?xml version="1.0" encoding="utf-8"?>
+<file path=ppt/slides/slide21.xml><?xml version="1.0" encoding="utf-8"?>
 <p:sld xmlns:a="http://schemas.openxmlformats.org/drawingml/2006/main" xmlns:r="http://schemas.openxmlformats.org/officeDocument/2006/relationships" xmlns:p="http://schemas.openxmlformats.org/presentationml/2006/main">
   <p:cSld>
     <p:bg>
@@ -18211,8 +20318,8 @@
         </p:nvSpPr>
         <p:spPr>
           <a:xfrm>
-            <a:off x="1935480" y="562898"/>
-            <a:ext cx="8484849" cy="747610"/>
+            <a:off x="1949583" y="809039"/>
+            <a:ext cx="8292834" cy="1036646"/>
           </a:xfrm>
         </p:spPr>
         <p:txBody>
@@ -18221,82 +20328,16 @@
           </a:bodyPr>
           <a:lstStyle/>
           <a:p>
-            <a:pPr algn="ctr"/>
+            <a:pPr algn="ctr" rtl="1"/>
             <a:r>
-              <a:rPr lang="he-IL" u="sng" dirty="0"/>
-              <a:t>אימון מודלים עבור הדאטה סט הראשון</a:t>
+              <a:rPr lang="he-IL" sz="3600" u="sng" dirty="0"/>
+              <a:t>תוצאות של המודל ה</a:t>
             </a:r>
-            <a:endParaRPr lang="en-IL" u="sng" dirty="0"/>
-          </a:p>
-        </p:txBody>
-      </p:sp>
-      <p:sp>
-        <p:nvSpPr>
-          <p:cNvPr id="3" name="מציין מיקום תוכן 2">
-            <a:extLst>
-              <a:ext uri="{FF2B5EF4-FFF2-40B4-BE49-F238E27FC236}">
-                <a16:creationId xmlns:a16="http://schemas.microsoft.com/office/drawing/2014/main" id="{EC24B0E1-BE94-254A-F5E8-8410674027E7}"/>
-              </a:ext>
-            </a:extLst>
-          </p:cNvPr>
-          <p:cNvSpPr>
-            <a:spLocks noGrp="1"/>
-          </p:cNvSpPr>
-          <p:nvPr>
-            <p:ph idx="1"/>
-          </p:nvPr>
-        </p:nvSpPr>
-        <p:spPr>
-          <a:xfrm>
-            <a:off x="2090305" y="1669556"/>
-            <a:ext cx="8175197" cy="2887204"/>
-          </a:xfrm>
-        </p:spPr>
-        <p:txBody>
-          <a:bodyPr>
-            <a:normAutofit/>
-          </a:bodyPr>
-          <a:lstStyle/>
-          <a:p>
-            <a:pPr marL="0" indent="0" algn="ctr">
-              <a:buNone/>
-            </a:pPr>
             <a:r>
-              <a:rPr lang="he-IL" dirty="0"/>
-              <a:t>במהלך העבודה אימנו 3 מודלים :</a:t>
+              <a:rPr lang="en-US" sz="3600" u="sng" dirty="0"/>
+              <a:t>Random Forest </a:t>
             </a:r>
-            <a:endParaRPr lang="en-US" dirty="0"/>
-          </a:p>
-          <a:p>
-            <a:pPr marL="0" indent="0" algn="ctr">
-              <a:buNone/>
-            </a:pPr>
-            <a:endParaRPr lang="he-IL" dirty="0"/>
-          </a:p>
-          <a:p>
-            <a:pPr algn="ctr"/>
-            <a:r>
-              <a:rPr lang="en-US" dirty="0"/>
-              <a:t>Decision Tree</a:t>
-            </a:r>
-          </a:p>
-          <a:p>
-            <a:pPr algn="ctr"/>
-            <a:r>
-              <a:rPr lang="en-US" dirty="0"/>
-              <a:t>Random Forest</a:t>
-            </a:r>
-          </a:p>
-          <a:p>
-            <a:pPr algn="ctr"/>
-            <a:r>
-              <a:rPr lang="en-US" dirty="0"/>
-              <a:t>MLP Algorithm</a:t>
-            </a:r>
-          </a:p>
-          <a:p>
-            <a:pPr algn="ctr"/>
-            <a:endParaRPr lang="he-IL" dirty="0"/>
+            <a:endParaRPr lang="en-IL" sz="3600" u="sng" dirty="0"/>
           </a:p>
         </p:txBody>
       </p:sp>
@@ -18354,10 +20395,45 @@
           </a:fontRef>
         </p:style>
       </p:cxnSp>
+      <p:pic>
+        <p:nvPicPr>
+          <p:cNvPr id="4" name="תמונה 3" descr="תמונה שמכילה שולחן&#10;&#10;התיאור נוצר באופן אוטומטי">
+            <a:extLst>
+              <a:ext uri="{FF2B5EF4-FFF2-40B4-BE49-F238E27FC236}">
+                <a16:creationId xmlns:a16="http://schemas.microsoft.com/office/drawing/2014/main" id="{56601AAB-56BF-B587-BE14-3F27D750E609}"/>
+              </a:ext>
+            </a:extLst>
+          </p:cNvPr>
+          <p:cNvPicPr>
+            <a:picLocks noChangeAspect="1"/>
+          </p:cNvPicPr>
+          <p:nvPr/>
+        </p:nvPicPr>
+        <p:blipFill rotWithShape="1">
+          <a:blip r:embed="rId2">
+            <a:extLst>
+              <a:ext uri="{28A0092B-C50C-407E-A947-70E740481C1C}">
+                <a14:useLocalDpi xmlns:a14="http://schemas.microsoft.com/office/drawing/2010/main" val="0"/>
+              </a:ext>
+            </a:extLst>
+          </a:blip>
+          <a:srcRect l="-1" t="40016" r="-574"/>
+          <a:stretch/>
+        </p:blipFill>
+        <p:spPr>
+          <a:xfrm>
+            <a:off x="1785552" y="1934412"/>
+            <a:ext cx="8620896" cy="4067072"/>
+          </a:xfrm>
+          <a:prstGeom prst="rect">
+            <a:avLst/>
+          </a:prstGeom>
+        </p:spPr>
+      </p:pic>
     </p:spTree>
     <p:extLst>
       <p:ext uri="{BB962C8B-B14F-4D97-AF65-F5344CB8AC3E}">
-        <p14:creationId xmlns:p14="http://schemas.microsoft.com/office/powerpoint/2010/main" val="2982436773"/>
+        <p14:creationId xmlns:p14="http://schemas.microsoft.com/office/powerpoint/2010/main" val="2457684550"/>
       </p:ext>
     </p:extLst>
   </p:cSld>
@@ -18367,7 +20443,7 @@
 </p:sld>
 </file>
 
-<file path=ppt/slides/slide15.xml><?xml version="1.0" encoding="utf-8"?>
+<file path=ppt/slides/slide22.xml><?xml version="1.0" encoding="utf-8"?>
 <p:sld xmlns:a="http://schemas.openxmlformats.org/drawingml/2006/main" xmlns:r="http://schemas.openxmlformats.org/officeDocument/2006/relationships" xmlns:p="http://schemas.openxmlformats.org/presentationml/2006/main">
   <p:cSld>
     <p:bg>
@@ -18954,43 +21030,6 @@
           </p:txBody>
         </p:sp>
       </p:grpSp>
-      <p:sp>
-        <p:nvSpPr>
-          <p:cNvPr id="2" name="כותרת 1">
-            <a:extLst>
-              <a:ext uri="{FF2B5EF4-FFF2-40B4-BE49-F238E27FC236}">
-                <a16:creationId xmlns:a16="http://schemas.microsoft.com/office/drawing/2014/main" id="{CD1CCAE8-AC36-F1F5-AE56-D78830A276D9}"/>
-              </a:ext>
-            </a:extLst>
-          </p:cNvPr>
-          <p:cNvSpPr>
-            <a:spLocks noGrp="1"/>
-          </p:cNvSpPr>
-          <p:nvPr>
-            <p:ph type="title"/>
-          </p:nvPr>
-        </p:nvSpPr>
-        <p:spPr>
-          <a:xfrm>
-            <a:off x="2699016" y="338193"/>
-            <a:ext cx="7858340" cy="1036646"/>
-          </a:xfrm>
-        </p:spPr>
-        <p:txBody>
-          <a:bodyPr>
-            <a:normAutofit/>
-          </a:bodyPr>
-          <a:lstStyle/>
-          <a:p>
-            <a:pPr algn="ctr"/>
-            <a:r>
-              <a:rPr lang="he-IL" sz="4400" u="sng" dirty="0"/>
-              <a:t>תוצאות של המודל הבסיסי</a:t>
-            </a:r>
-            <a:endParaRPr lang="en-IL" sz="4400" u="sng" dirty="0"/>
-          </a:p>
-        </p:txBody>
-      </p:sp>
       <p:cxnSp>
         <p:nvCxnSpPr>
           <p:cNvPr id="18" name="Straight Connector 17">
@@ -19047,10 +21086,10 @@
       </p:cxnSp>
       <p:pic>
         <p:nvPicPr>
-          <p:cNvPr id="4" name="תמונה 3" descr="תמונה שמכילה שולחן&#10;&#10;התיאור נוצר באופן אוטומטי">
+          <p:cNvPr id="6" name="תמונה 5">
             <a:extLst>
               <a:ext uri="{FF2B5EF4-FFF2-40B4-BE49-F238E27FC236}">
-                <a16:creationId xmlns:a16="http://schemas.microsoft.com/office/drawing/2014/main" id="{56601AAB-56BF-B587-BE14-3F27D750E609}"/>
+                <a16:creationId xmlns:a16="http://schemas.microsoft.com/office/drawing/2014/main" id="{CC2E4B2C-56E5-5709-6D6A-1B098B50A07F}"/>
               </a:ext>
             </a:extLst>
           </p:cNvPr>
@@ -19067,13 +21106,13 @@
               </a:ext>
             </a:extLst>
           </a:blip>
-          <a:srcRect l="-1" t="40016" r="-574"/>
+          <a:srcRect t="32778" r="-34"/>
           <a:stretch/>
         </p:blipFill>
         <p:spPr>
           <a:xfrm>
-            <a:off x="2123304" y="1934412"/>
-            <a:ext cx="8620896" cy="4067072"/>
+            <a:off x="1729983" y="1904100"/>
+            <a:ext cx="8732035" cy="4174322"/>
           </a:xfrm>
           <a:prstGeom prst="rect">
             <a:avLst/>
@@ -19082,45 +21121,49 @@
       </p:pic>
       <p:sp>
         <p:nvSpPr>
-          <p:cNvPr id="5" name="תיבת טקסט 4">
+          <p:cNvPr id="7" name="כותרת 1">
             <a:extLst>
               <a:ext uri="{FF2B5EF4-FFF2-40B4-BE49-F238E27FC236}">
-                <a16:creationId xmlns:a16="http://schemas.microsoft.com/office/drawing/2014/main" id="{D814A9BB-2041-431E-105D-D05996B806E8}"/>
+                <a16:creationId xmlns:a16="http://schemas.microsoft.com/office/drawing/2014/main" id="{8B93F7B9-6898-C543-8EA5-E4A82C55622F}"/>
               </a:ext>
             </a:extLst>
           </p:cNvPr>
-          <p:cNvSpPr txBox="1"/>
-          <p:nvPr/>
+          <p:cNvSpPr>
+            <a:spLocks noGrp="1"/>
+          </p:cNvSpPr>
+          <p:nvPr>
+            <p:ph type="title"/>
+          </p:nvPr>
         </p:nvSpPr>
         <p:spPr>
           <a:xfrm>
-            <a:off x="5047036" y="1454932"/>
-            <a:ext cx="3162300" cy="461665"/>
+            <a:off x="1949583" y="809039"/>
+            <a:ext cx="8292834" cy="1036646"/>
           </a:xfrm>
-          <a:prstGeom prst="rect">
-            <a:avLst/>
-          </a:prstGeom>
-          <a:noFill/>
         </p:spPr>
         <p:txBody>
-          <a:bodyPr wrap="square" rtlCol="0">
-            <a:spAutoFit/>
+          <a:bodyPr>
+            <a:normAutofit/>
           </a:bodyPr>
           <a:lstStyle/>
           <a:p>
-            <a:pPr algn="ctr"/>
+            <a:pPr algn="ctr" rtl="1"/>
             <a:r>
-              <a:rPr lang="en-US" sz="2400" dirty="0"/>
-              <a:t>Random Forest</a:t>
+              <a:rPr lang="he-IL" sz="3600" u="sng" dirty="0"/>
+              <a:t>תוצאות של המודל ה</a:t>
             </a:r>
-            <a:endParaRPr lang="en-IL" sz="2400" dirty="0"/>
+            <a:r>
+              <a:rPr lang="en-US" sz="3600" u="sng" dirty="0"/>
+              <a:t>Decision Tree </a:t>
+            </a:r>
+            <a:endParaRPr lang="en-IL" sz="3600" u="sng" dirty="0"/>
           </a:p>
         </p:txBody>
       </p:sp>
     </p:spTree>
     <p:extLst>
       <p:ext uri="{BB962C8B-B14F-4D97-AF65-F5344CB8AC3E}">
-        <p14:creationId xmlns:p14="http://schemas.microsoft.com/office/powerpoint/2010/main" val="2457684550"/>
+        <p14:creationId xmlns:p14="http://schemas.microsoft.com/office/powerpoint/2010/main" val="1224222093"/>
       </p:ext>
     </p:extLst>
   </p:cSld>
@@ -19130,7 +21173,7 @@
 </p:sld>
 </file>
 
-<file path=ppt/slides/slide16.xml><?xml version="1.0" encoding="utf-8"?>
+<file path=ppt/slides/slide23.xml><?xml version="1.0" encoding="utf-8"?>
 <p:sld xmlns:a="http://schemas.openxmlformats.org/drawingml/2006/main" xmlns:r="http://schemas.openxmlformats.org/officeDocument/2006/relationships" xmlns:p="http://schemas.openxmlformats.org/presentationml/2006/main">
   <p:cSld>
     <p:bg>
@@ -19717,43 +21760,6 @@
           </p:txBody>
         </p:sp>
       </p:grpSp>
-      <p:sp>
-        <p:nvSpPr>
-          <p:cNvPr id="2" name="כותרת 1">
-            <a:extLst>
-              <a:ext uri="{FF2B5EF4-FFF2-40B4-BE49-F238E27FC236}">
-                <a16:creationId xmlns:a16="http://schemas.microsoft.com/office/drawing/2014/main" id="{CD1CCAE8-AC36-F1F5-AE56-D78830A276D9}"/>
-              </a:ext>
-            </a:extLst>
-          </p:cNvPr>
-          <p:cNvSpPr>
-            <a:spLocks noGrp="1"/>
-          </p:cNvSpPr>
-          <p:nvPr>
-            <p:ph type="title"/>
-          </p:nvPr>
-        </p:nvSpPr>
-        <p:spPr>
-          <a:xfrm>
-            <a:off x="2607576" y="335079"/>
-            <a:ext cx="7858340" cy="1036646"/>
-          </a:xfrm>
-        </p:spPr>
-        <p:txBody>
-          <a:bodyPr>
-            <a:normAutofit/>
-          </a:bodyPr>
-          <a:lstStyle/>
-          <a:p>
-            <a:pPr algn="ctr"/>
-            <a:r>
-              <a:rPr lang="he-IL" sz="4400" u="sng" dirty="0"/>
-              <a:t>תוצאות של המודל הבסיסי</a:t>
-            </a:r>
-            <a:endParaRPr lang="en-IL" sz="4400" u="sng" dirty="0"/>
-          </a:p>
-        </p:txBody>
-      </p:sp>
       <p:cxnSp>
         <p:nvCxnSpPr>
           <p:cNvPr id="18" name="Straight Connector 17">
@@ -19810,47 +21816,51 @@
       </p:cxnSp>
       <p:sp>
         <p:nvSpPr>
-          <p:cNvPr id="5" name="תיבת טקסט 4">
+          <p:cNvPr id="7" name="כותרת 1">
             <a:extLst>
               <a:ext uri="{FF2B5EF4-FFF2-40B4-BE49-F238E27FC236}">
-                <a16:creationId xmlns:a16="http://schemas.microsoft.com/office/drawing/2014/main" id="{D814A9BB-2041-431E-105D-D05996B806E8}"/>
+                <a16:creationId xmlns:a16="http://schemas.microsoft.com/office/drawing/2014/main" id="{8B93F7B9-6898-C543-8EA5-E4A82C55622F}"/>
               </a:ext>
             </a:extLst>
           </p:cNvPr>
-          <p:cNvSpPr txBox="1"/>
-          <p:nvPr/>
+          <p:cNvSpPr>
+            <a:spLocks noGrp="1"/>
+          </p:cNvSpPr>
+          <p:nvPr>
+            <p:ph type="title"/>
+          </p:nvPr>
         </p:nvSpPr>
         <p:spPr>
           <a:xfrm>
-            <a:off x="5024176" y="1442435"/>
-            <a:ext cx="3162300" cy="461665"/>
+            <a:off x="1949583" y="809039"/>
+            <a:ext cx="8292834" cy="1036646"/>
           </a:xfrm>
-          <a:prstGeom prst="rect">
-            <a:avLst/>
-          </a:prstGeom>
-          <a:noFill/>
         </p:spPr>
         <p:txBody>
-          <a:bodyPr wrap="square" rtlCol="0">
-            <a:spAutoFit/>
+          <a:bodyPr>
+            <a:normAutofit/>
           </a:bodyPr>
           <a:lstStyle/>
           <a:p>
-            <a:pPr algn="ctr"/>
+            <a:pPr algn="ctr" rtl="1"/>
             <a:r>
-              <a:rPr lang="en-US" sz="2400" dirty="0"/>
-              <a:t>Decision Tree</a:t>
+              <a:rPr lang="he-IL" sz="3600" u="sng" dirty="0"/>
+              <a:t>תוצאות של המודל ה</a:t>
             </a:r>
-            <a:endParaRPr lang="en-IL" sz="2400" dirty="0"/>
+            <a:r>
+              <a:rPr lang="en-US" sz="3600" u="sng" dirty="0"/>
+              <a:t>MLP </a:t>
+            </a:r>
+            <a:endParaRPr lang="en-IL" sz="3600" u="sng" dirty="0"/>
           </a:p>
         </p:txBody>
       </p:sp>
       <p:pic>
         <p:nvPicPr>
-          <p:cNvPr id="6" name="תמונה 5">
+          <p:cNvPr id="3" name="Picture 2">
             <a:extLst>
               <a:ext uri="{FF2B5EF4-FFF2-40B4-BE49-F238E27FC236}">
-                <a16:creationId xmlns:a16="http://schemas.microsoft.com/office/drawing/2014/main" id="{CC2E4B2C-56E5-5709-6D6A-1B098B50A07F}"/>
+                <a16:creationId xmlns:a16="http://schemas.microsoft.com/office/drawing/2014/main" id="{695D4F8C-6CC7-16A4-58CF-6D240A0BB95D}"/>
               </a:ext>
             </a:extLst>
           </p:cNvPr>
@@ -19859,21 +21869,46 @@
           </p:cNvPicPr>
           <p:nvPr/>
         </p:nvPicPr>
-        <p:blipFill rotWithShape="1">
-          <a:blip r:embed="rId2">
-            <a:extLst>
-              <a:ext uri="{28A0092B-C50C-407E-A947-70E740481C1C}">
-                <a14:useLocalDpi xmlns:a14="http://schemas.microsoft.com/office/drawing/2010/main" val="0"/>
-              </a:ext>
-            </a:extLst>
-          </a:blip>
-          <a:srcRect t="32778" r="-34"/>
-          <a:stretch/>
+        <p:blipFill>
+          <a:blip r:embed="rId2"/>
+          <a:stretch>
+            <a:fillRect/>
+          </a:stretch>
         </p:blipFill>
         <p:spPr>
           <a:xfrm>
-            <a:off x="1935965" y="1904100"/>
-            <a:ext cx="8732035" cy="4174322"/>
+            <a:off x="2727469" y="1485382"/>
+            <a:ext cx="6737063" cy="2905124"/>
+          </a:xfrm>
+          <a:prstGeom prst="rect">
+            <a:avLst/>
+          </a:prstGeom>
+        </p:spPr>
+      </p:pic>
+      <p:pic>
+        <p:nvPicPr>
+          <p:cNvPr id="5" name="Picture 4">
+            <a:extLst>
+              <a:ext uri="{FF2B5EF4-FFF2-40B4-BE49-F238E27FC236}">
+                <a16:creationId xmlns:a16="http://schemas.microsoft.com/office/drawing/2014/main" id="{75170F4F-8629-DDB7-7023-52F618796825}"/>
+              </a:ext>
+            </a:extLst>
+          </p:cNvPr>
+          <p:cNvPicPr>
+            <a:picLocks noChangeAspect="1"/>
+          </p:cNvPicPr>
+          <p:nvPr/>
+        </p:nvPicPr>
+        <p:blipFill>
+          <a:blip r:embed="rId3"/>
+          <a:stretch>
+            <a:fillRect/>
+          </a:stretch>
+        </p:blipFill>
+        <p:spPr>
+          <a:xfrm>
+            <a:off x="3459182" y="4564898"/>
+            <a:ext cx="5181537" cy="1416497"/>
           </a:xfrm>
           <a:prstGeom prst="rect">
             <a:avLst/>
@@ -19883,7 +21918,7 @@
     </p:spTree>
     <p:extLst>
       <p:ext uri="{BB962C8B-B14F-4D97-AF65-F5344CB8AC3E}">
-        <p14:creationId xmlns:p14="http://schemas.microsoft.com/office/powerpoint/2010/main" val="1224222093"/>
+        <p14:creationId xmlns:p14="http://schemas.microsoft.com/office/powerpoint/2010/main" val="242193692"/>
       </p:ext>
     </p:extLst>
   </p:cSld>
@@ -19893,7 +21928,7 @@
 </p:sld>
 </file>
 
-<file path=ppt/slides/slide17.xml><?xml version="1.0" encoding="utf-8"?>
+<file path=ppt/slides/slide24.xml><?xml version="1.0" encoding="utf-8"?>
 <p:sld xmlns:a="http://schemas.openxmlformats.org/drawingml/2006/main" xmlns:r="http://schemas.openxmlformats.org/officeDocument/2006/relationships" xmlns:p="http://schemas.openxmlformats.org/presentationml/2006/main">
   <p:cSld>
     <p:bg>
@@ -20536,12 +22571,12 @@
         <p:spPr>
           <a:xfrm>
             <a:off x="2090305" y="1669556"/>
-            <a:ext cx="8175197" cy="2887204"/>
+            <a:ext cx="8330024" cy="2887204"/>
           </a:xfrm>
         </p:spPr>
         <p:txBody>
           <a:bodyPr>
-            <a:normAutofit/>
+            <a:normAutofit fontScale="92500"/>
           </a:bodyPr>
           <a:lstStyle/>
           <a:p>
@@ -20550,7 +22585,7 @@
             </a:pPr>
             <a:r>
               <a:rPr lang="he-IL" dirty="0"/>
-              <a:t>במהלך העבודה אימנו 3 מודלים :</a:t>
+              <a:t>במהלך הפרויקט אימנו 4 מודלים:</a:t>
             </a:r>
             <a:endParaRPr lang="en-US" dirty="0"/>
           </a:p>
@@ -20561,32 +22596,35 @@
             <a:endParaRPr lang="he-IL" dirty="0"/>
           </a:p>
           <a:p>
-            <a:pPr algn="r" rtl="1"/>
+            <a:pPr algn="l"/>
             <a:r>
               <a:rPr lang="en-US" dirty="0"/>
-              <a:t>Decision Tree</a:t>
+              <a:t>Decision Tree: 75% Accuracy, 79% F1-Score</a:t>
             </a:r>
           </a:p>
           <a:p>
-            <a:pPr algn="r" rtl="1"/>
+            <a:pPr algn="l"/>
             <a:r>
               <a:rPr lang="en-US" dirty="0"/>
-              <a:t>Random Forest</a:t>
+              <a:t>Random Forest: 76% Accuracy, 79% F1-Score</a:t>
             </a:r>
           </a:p>
           <a:p>
-            <a:pPr algn="r" rtl="1"/>
+            <a:pPr algn="l"/>
             <a:r>
               <a:rPr lang="en-US" sz="2400" dirty="0"/>
               <a:t>Gradient Boosting Classifier</a:t>
             </a:r>
-            <a:endParaRPr lang="en-US" dirty="0"/>
+            <a:r>
+              <a:rPr lang="en-US" dirty="0"/>
+              <a:t>: 83% Accuracy, 84% F1-Score</a:t>
+            </a:r>
           </a:p>
           <a:p>
-            <a:pPr algn="r" rtl="1"/>
+            <a:pPr algn="l"/>
             <a:r>
               <a:rPr lang="en-US" dirty="0"/>
-              <a:t>MLP Algorithm</a:t>
+              <a:t>MLP Algorithm: 76% Accuracy</a:t>
             </a:r>
           </a:p>
           <a:p>
@@ -20662,7 +22700,7 @@
 </p:sld>
 </file>
 
-<file path=ppt/slides/slide18.xml><?xml version="1.0" encoding="utf-8"?>
+<file path=ppt/slides/slide25.xml><?xml version="1.0" encoding="utf-8"?>
 <p:sld xmlns:a="http://schemas.openxmlformats.org/drawingml/2006/main" xmlns:r="http://schemas.openxmlformats.org/officeDocument/2006/relationships" xmlns:p="http://schemas.openxmlformats.org/presentationml/2006/main">
   <p:cSld>
     <p:bg>
@@ -21249,55 +23287,6 @@
           </p:txBody>
         </p:sp>
       </p:grpSp>
-      <p:sp>
-        <p:nvSpPr>
-          <p:cNvPr id="2" name="כותרת 1">
-            <a:extLst>
-              <a:ext uri="{FF2B5EF4-FFF2-40B4-BE49-F238E27FC236}">
-                <a16:creationId xmlns:a16="http://schemas.microsoft.com/office/drawing/2014/main" id="{CD1CCAE8-AC36-F1F5-AE56-D78830A276D9}"/>
-              </a:ext>
-            </a:extLst>
-          </p:cNvPr>
-          <p:cNvSpPr>
-            <a:spLocks noGrp="1"/>
-          </p:cNvSpPr>
-          <p:nvPr>
-            <p:ph type="title"/>
-          </p:nvPr>
-        </p:nvSpPr>
-        <p:spPr>
-          <a:xfrm>
-            <a:off x="2166830" y="335079"/>
-            <a:ext cx="7858340" cy="1036646"/>
-          </a:xfrm>
-        </p:spPr>
-        <p:txBody>
-          <a:bodyPr>
-            <a:normAutofit/>
-          </a:bodyPr>
-          <a:lstStyle/>
-          <a:p>
-            <a:pPr algn="ctr" rtl="1"/>
-            <a:r>
-              <a:rPr lang="he-IL" sz="4400" u="sng" dirty="0"/>
-              <a:t>תוצאות של מודל</a:t>
-            </a:r>
-            <a:r>
-              <a:rPr lang="en-US" sz="4400" u="sng" dirty="0"/>
-              <a:t> </a:t>
-            </a:r>
-            <a:r>
-              <a:rPr lang="he-IL" sz="4400" u="sng" dirty="0"/>
-              <a:t>ה - </a:t>
-            </a:r>
-            <a:r>
-              <a:rPr lang="en-US" sz="4400" u="sng" dirty="0"/>
-              <a:t>DGA</a:t>
-            </a:r>
-            <a:endParaRPr lang="en-IL" sz="4400" u="sng" dirty="0"/>
-          </a:p>
-        </p:txBody>
-      </p:sp>
       <p:cxnSp>
         <p:nvCxnSpPr>
           <p:cNvPr id="18" name="Straight Connector 17">
@@ -21352,43 +23341,6 @@
           </a:fontRef>
         </p:style>
       </p:cxnSp>
-      <p:sp>
-        <p:nvSpPr>
-          <p:cNvPr id="5" name="תיבת טקסט 4">
-            <a:extLst>
-              <a:ext uri="{FF2B5EF4-FFF2-40B4-BE49-F238E27FC236}">
-                <a16:creationId xmlns:a16="http://schemas.microsoft.com/office/drawing/2014/main" id="{D814A9BB-2041-431E-105D-D05996B806E8}"/>
-              </a:ext>
-            </a:extLst>
-          </p:cNvPr>
-          <p:cNvSpPr txBox="1"/>
-          <p:nvPr/>
-        </p:nvSpPr>
-        <p:spPr>
-          <a:xfrm>
-            <a:off x="3530656" y="1309597"/>
-            <a:ext cx="5441740" cy="461665"/>
-          </a:xfrm>
-          <a:prstGeom prst="rect">
-            <a:avLst/>
-          </a:prstGeom>
-          <a:noFill/>
-        </p:spPr>
-        <p:txBody>
-          <a:bodyPr wrap="square" rtlCol="0">
-            <a:spAutoFit/>
-          </a:bodyPr>
-          <a:lstStyle/>
-          <a:p>
-            <a:pPr algn="ctr"/>
-            <a:r>
-              <a:rPr lang="en-US" sz="2400" dirty="0"/>
-              <a:t>Gradient Boosting Classifier</a:t>
-            </a:r>
-            <a:endParaRPr lang="en-IL" sz="2400" dirty="0"/>
-          </a:p>
-        </p:txBody>
-      </p:sp>
       <p:pic>
         <p:nvPicPr>
           <p:cNvPr id="4" name="תמונה 3" descr="תמונה שמכילה טקסט&#10;&#10;התיאור נוצר באופן אוטומטי">
@@ -21417,7 +23369,7 @@
         </p:blipFill>
         <p:spPr>
           <a:xfrm>
-            <a:off x="2396336" y="1925117"/>
+            <a:off x="2030730" y="1925117"/>
             <a:ext cx="8130540" cy="4161993"/>
           </a:xfrm>
           <a:prstGeom prst="rect">
@@ -21425,6 +23377,47 @@
           </a:prstGeom>
         </p:spPr>
       </p:pic>
+      <p:sp>
+        <p:nvSpPr>
+          <p:cNvPr id="7" name="כותרת 1">
+            <a:extLst>
+              <a:ext uri="{FF2B5EF4-FFF2-40B4-BE49-F238E27FC236}">
+                <a16:creationId xmlns:a16="http://schemas.microsoft.com/office/drawing/2014/main" id="{E48A008E-F737-213F-66F7-CC1079BDE4E3}"/>
+              </a:ext>
+            </a:extLst>
+          </p:cNvPr>
+          <p:cNvSpPr>
+            <a:spLocks noGrp="1"/>
+          </p:cNvSpPr>
+          <p:nvPr>
+            <p:ph type="title"/>
+          </p:nvPr>
+        </p:nvSpPr>
+        <p:spPr>
+          <a:xfrm>
+            <a:off x="1949583" y="809039"/>
+            <a:ext cx="8292834" cy="1036646"/>
+          </a:xfrm>
+        </p:spPr>
+        <p:txBody>
+          <a:bodyPr>
+            <a:normAutofit/>
+          </a:bodyPr>
+          <a:lstStyle/>
+          <a:p>
+            <a:pPr algn="ctr" rtl="1"/>
+            <a:r>
+              <a:rPr lang="he-IL" sz="3600" u="sng" dirty="0"/>
+              <a:t>תוצאות של המודל ה</a:t>
+            </a:r>
+            <a:r>
+              <a:rPr lang="en-US" sz="3600" u="sng" dirty="0"/>
+              <a:t>Gradient Boosting </a:t>
+            </a:r>
+            <a:endParaRPr lang="en-IL" sz="3600" u="sng" dirty="0"/>
+          </a:p>
+        </p:txBody>
+      </p:sp>
     </p:spTree>
     <p:extLst>
       <p:ext uri="{BB962C8B-B14F-4D97-AF65-F5344CB8AC3E}">
@@ -21438,7 +23431,7 @@
 </p:sld>
 </file>
 
-<file path=ppt/slides/slide19.xml><?xml version="1.0" encoding="utf-8"?>
+<file path=ppt/slides/slide26.xml><?xml version="1.0" encoding="utf-8"?>
 <p:sld xmlns:a="http://schemas.openxmlformats.org/drawingml/2006/main" xmlns:r="http://schemas.openxmlformats.org/officeDocument/2006/relationships" xmlns:p="http://schemas.openxmlformats.org/presentationml/2006/main">
   <p:cSld>
     <p:bg>
@@ -22025,55 +24018,756 @@
           </p:txBody>
         </p:sp>
       </p:grpSp>
+      <p:cxnSp>
+        <p:nvCxnSpPr>
+          <p:cNvPr id="18" name="Straight Connector 17">
+            <a:extLst>
+              <a:ext uri="{FF2B5EF4-FFF2-40B4-BE49-F238E27FC236}">
+                <a16:creationId xmlns:a16="http://schemas.microsoft.com/office/drawing/2014/main" id="{BF3CF3DF-4809-5B42-9F22-981391379297}"/>
+              </a:ext>
+              <a:ext uri="{C183D7F6-B498-43B3-948B-1728B52AA6E4}">
+                <adec:decorative xmlns:adec="http://schemas.microsoft.com/office/drawing/2017/decorative" val="1"/>
+              </a:ext>
+            </a:extLst>
+          </p:cNvPr>
+          <p:cNvCxnSpPr>
+            <a:cxnSpLocks noGrp="1" noRot="1" noChangeAspect="1" noMove="1" noResize="1" noEditPoints="1" noAdjustHandles="1" noChangeArrowheads="1" noChangeShapeType="1"/>
+          </p:cNvCxnSpPr>
+          <p:nvPr>
+            <p:extLst>
+              <p:ext uri="{386F3935-93C4-4BCD-93E2-E3B085C9AB24}">
+                <p16:designElem xmlns:p16="http://schemas.microsoft.com/office/powerpoint/2015/main" val="1"/>
+              </p:ext>
+            </p:extLst>
+          </p:nvPr>
+        </p:nvCxnSpPr>
+        <p:spPr>
+          <a:xfrm>
+            <a:off x="7493279" y="6087110"/>
+            <a:ext cx="4133560" cy="0"/>
+          </a:xfrm>
+          <a:prstGeom prst="line">
+            <a:avLst/>
+          </a:prstGeom>
+          <a:ln w="12700">
+            <a:solidFill>
+              <a:schemeClr val="bg1">
+                <a:lumMod val="65000"/>
+              </a:schemeClr>
+            </a:solidFill>
+          </a:ln>
+        </p:spPr>
+        <p:style>
+          <a:lnRef idx="1">
+            <a:schemeClr val="accent1"/>
+          </a:lnRef>
+          <a:fillRef idx="0">
+            <a:schemeClr val="accent1"/>
+          </a:fillRef>
+          <a:effectRef idx="0">
+            <a:schemeClr val="accent1"/>
+          </a:effectRef>
+          <a:fontRef idx="minor">
+            <a:schemeClr val="tx1"/>
+          </a:fontRef>
+        </p:style>
+      </p:cxnSp>
+      <p:pic>
+        <p:nvPicPr>
+          <p:cNvPr id="6" name="תמונה 5" descr="תמונה שמכילה טקסט&#10;&#10;התיאור נוצר באופן אוטומטי">
+            <a:extLst>
+              <a:ext uri="{FF2B5EF4-FFF2-40B4-BE49-F238E27FC236}">
+                <a16:creationId xmlns:a16="http://schemas.microsoft.com/office/drawing/2014/main" id="{888DC2B9-E80C-0DF4-9302-F197312C120A}"/>
+              </a:ext>
+            </a:extLst>
+          </p:cNvPr>
+          <p:cNvPicPr>
+            <a:picLocks noChangeAspect="1"/>
+          </p:cNvPicPr>
+          <p:nvPr/>
+        </p:nvPicPr>
+        <p:blipFill>
+          <a:blip r:embed="rId2">
+            <a:extLst>
+              <a:ext uri="{28A0092B-C50C-407E-A947-70E740481C1C}">
+                <a14:useLocalDpi xmlns:a14="http://schemas.microsoft.com/office/drawing/2010/main" val="0"/>
+              </a:ext>
+            </a:extLst>
+          </a:blip>
+          <a:stretch>
+            <a:fillRect/>
+          </a:stretch>
+        </p:blipFill>
+        <p:spPr>
+          <a:xfrm>
+            <a:off x="2008750" y="1846303"/>
+            <a:ext cx="8174501" cy="4218329"/>
+          </a:xfrm>
+          <a:prstGeom prst="rect">
+            <a:avLst/>
+          </a:prstGeom>
+        </p:spPr>
+      </p:pic>
       <p:sp>
         <p:nvSpPr>
-          <p:cNvPr id="2" name="כותרת 1">
+          <p:cNvPr id="3" name="כותרת 1">
             <a:extLst>
               <a:ext uri="{FF2B5EF4-FFF2-40B4-BE49-F238E27FC236}">
-                <a16:creationId xmlns:a16="http://schemas.microsoft.com/office/drawing/2014/main" id="{CD1CCAE8-AC36-F1F5-AE56-D78830A276D9}"/>
+                <a16:creationId xmlns:a16="http://schemas.microsoft.com/office/drawing/2014/main" id="{C62AF05A-4720-6711-B393-2A8D530DC109}"/>
+              </a:ext>
+            </a:extLst>
+          </p:cNvPr>
+          <p:cNvSpPr txBox="1">
+            <a:spLocks/>
+          </p:cNvSpPr>
+          <p:nvPr/>
+        </p:nvSpPr>
+        <p:spPr>
+          <a:xfrm>
+            <a:off x="1949583" y="809039"/>
+            <a:ext cx="8292834" cy="1036646"/>
+          </a:xfrm>
+          <a:prstGeom prst="rect">
+            <a:avLst/>
+          </a:prstGeom>
+        </p:spPr>
+        <p:txBody>
+          <a:bodyPr vert="horz" lIns="91440" tIns="45720" rIns="91440" bIns="45720" rtlCol="0" anchor="t">
+            <a:normAutofit/>
+          </a:bodyPr>
+          <a:lstStyle>
+            <a:lvl1pPr algn="l" defTabSz="914400" rtl="0" eaLnBrk="1" latinLnBrk="0" hangingPunct="1">
+              <a:lnSpc>
+                <a:spcPct val="100000"/>
+              </a:lnSpc>
+              <a:spcBef>
+                <a:spcPct val="0"/>
+              </a:spcBef>
+              <a:buNone/>
+              <a:defRPr sz="4000" b="1" i="0" kern="1200">
+                <a:solidFill>
+                  <a:schemeClr val="tx1"/>
+                </a:solidFill>
+                <a:latin typeface="+mj-lt"/>
+                <a:ea typeface="+mj-ea"/>
+                <a:cs typeface="+mj-cs"/>
+              </a:defRPr>
+            </a:lvl1pPr>
+          </a:lstStyle>
+          <a:p>
+            <a:pPr algn="ctr" rtl="1"/>
+            <a:r>
+              <a:rPr lang="he-IL" sz="3600" u="sng"/>
+              <a:t>תוצאות של המודל ה</a:t>
+            </a:r>
+            <a:r>
+              <a:rPr lang="en-US" sz="3600" u="sng"/>
+              <a:t>Random Forest </a:t>
+            </a:r>
+            <a:endParaRPr lang="en-IL" sz="3600" u="sng" dirty="0"/>
+          </a:p>
+        </p:txBody>
+      </p:sp>
+    </p:spTree>
+    <p:extLst>
+      <p:ext uri="{BB962C8B-B14F-4D97-AF65-F5344CB8AC3E}">
+        <p14:creationId xmlns:p14="http://schemas.microsoft.com/office/powerpoint/2010/main" val="3706369954"/>
+      </p:ext>
+    </p:extLst>
+  </p:cSld>
+  <p:clrMapOvr>
+    <a:masterClrMapping/>
+  </p:clrMapOvr>
+</p:sld>
+</file>
+
+<file path=ppt/slides/slide27.xml><?xml version="1.0" encoding="utf-8"?>
+<p:sld xmlns:a="http://schemas.openxmlformats.org/drawingml/2006/main" xmlns:r="http://schemas.openxmlformats.org/officeDocument/2006/relationships" xmlns:p="http://schemas.openxmlformats.org/presentationml/2006/main">
+  <p:cSld>
+    <p:bg>
+      <p:bgPr>
+        <a:solidFill>
+          <a:schemeClr val="bg1"/>
+        </a:solidFill>
+        <a:effectLst/>
+      </p:bgPr>
+    </p:bg>
+    <p:spTree>
+      <p:nvGrpSpPr>
+        <p:cNvPr id="1" name=""/>
+        <p:cNvGrpSpPr/>
+        <p:nvPr/>
+      </p:nvGrpSpPr>
+      <p:grpSpPr>
+        <a:xfrm>
+          <a:off x="0" y="0"/>
+          <a:ext cx="0" cy="0"/>
+          <a:chOff x="0" y="0"/>
+          <a:chExt cx="0" cy="0"/>
+        </a:xfrm>
+      </p:grpSpPr>
+      <p:sp useBgFill="1">
+        <p:nvSpPr>
+          <p:cNvPr id="10" name="Rectangle 9">
+            <a:extLst>
+              <a:ext uri="{FF2B5EF4-FFF2-40B4-BE49-F238E27FC236}">
+                <a16:creationId xmlns:a16="http://schemas.microsoft.com/office/drawing/2014/main" id="{C7F2E4D6-EF46-1C43-8F3E-3620C3C83F36}"/>
+              </a:ext>
+              <a:ext uri="{C183D7F6-B498-43B3-948B-1728B52AA6E4}">
+                <adec:decorative xmlns:adec="http://schemas.microsoft.com/office/drawing/2017/decorative" val="1"/>
               </a:ext>
             </a:extLst>
           </p:cNvPr>
           <p:cNvSpPr>
-            <a:spLocks noGrp="1"/>
+            <a:spLocks noGrp="1" noRot="1" noChangeAspect="1" noMove="1" noResize="1" noEditPoints="1" noAdjustHandles="1" noChangeArrowheads="1" noChangeShapeType="1" noTextEdit="1"/>
           </p:cNvSpPr>
           <p:nvPr>
-            <p:ph type="title"/>
+            <p:extLst>
+              <p:ext uri="{386F3935-93C4-4BCD-93E2-E3B085C9AB24}">
+                <p16:designElem xmlns:p16="http://schemas.microsoft.com/office/powerpoint/2015/main" val="1"/>
+              </p:ext>
+            </p:extLst>
           </p:nvPr>
         </p:nvSpPr>
         <p:spPr>
           <a:xfrm>
-            <a:off x="2166830" y="319348"/>
-            <a:ext cx="7858340" cy="1036646"/>
+            <a:off x="0" y="0"/>
+            <a:ext cx="12192000" cy="6858000"/>
           </a:xfrm>
+          <a:prstGeom prst="rect">
+            <a:avLst/>
+          </a:prstGeom>
+          <a:ln>
+            <a:noFill/>
+          </a:ln>
         </p:spPr>
+        <p:style>
+          <a:lnRef idx="2">
+            <a:schemeClr val="accent1">
+              <a:shade val="50000"/>
+            </a:schemeClr>
+          </a:lnRef>
+          <a:fillRef idx="1">
+            <a:schemeClr val="accent1"/>
+          </a:fillRef>
+          <a:effectRef idx="0">
+            <a:schemeClr val="accent1"/>
+          </a:effectRef>
+          <a:fontRef idx="minor">
+            <a:schemeClr val="lt1"/>
+          </a:fontRef>
+        </p:style>
         <p:txBody>
-          <a:bodyPr>
-            <a:normAutofit/>
-          </a:bodyPr>
+          <a:bodyPr rtlCol="0" anchor="ctr"/>
           <a:lstStyle/>
           <a:p>
-            <a:pPr algn="ctr" rtl="1"/>
-            <a:r>
-              <a:rPr lang="he-IL" sz="4400" u="sng" dirty="0"/>
-              <a:t>תוצאות של מודל</a:t>
-            </a:r>
-            <a:r>
-              <a:rPr lang="en-US" sz="4400" u="sng" dirty="0"/>
-              <a:t> </a:t>
-            </a:r>
-            <a:r>
-              <a:rPr lang="he-IL" sz="4400" u="sng" dirty="0"/>
-              <a:t>ה - </a:t>
-            </a:r>
-            <a:r>
-              <a:rPr lang="en-US" sz="4400" u="sng" dirty="0"/>
-              <a:t>DGA</a:t>
-            </a:r>
-            <a:endParaRPr lang="en-IL" sz="4400" u="sng" dirty="0"/>
+            <a:pPr algn="ctr"/>
+            <a:endParaRPr lang="en-US"/>
           </a:p>
         </p:txBody>
       </p:sp>
+      <p:grpSp>
+        <p:nvGrpSpPr>
+          <p:cNvPr id="12" name="Group 11">
+            <a:extLst>
+              <a:ext uri="{FF2B5EF4-FFF2-40B4-BE49-F238E27FC236}">
+                <a16:creationId xmlns:a16="http://schemas.microsoft.com/office/drawing/2014/main" id="{70EBDB1D-17AA-8140-B216-35CBA8C9E411}"/>
+              </a:ext>
+              <a:ext uri="{C183D7F6-B498-43B3-948B-1728B52AA6E4}">
+                <adec:decorative xmlns:adec="http://schemas.microsoft.com/office/drawing/2017/decorative" val="1"/>
+              </a:ext>
+            </a:extLst>
+          </p:cNvPr>
+          <p:cNvGrpSpPr>
+            <a:grpSpLocks noGrp="1" noUngrp="1" noRot="1" noChangeAspect="1" noMove="1" noResize="1"/>
+          </p:cNvGrpSpPr>
+          <p:nvPr>
+            <p:extLst>
+              <p:ext uri="{386F3935-93C4-4BCD-93E2-E3B085C9AB24}">
+                <p16:designElem xmlns:p16="http://schemas.microsoft.com/office/powerpoint/2015/main" val="1"/>
+              </p:ext>
+            </p:extLst>
+          </p:nvPr>
+        </p:nvGrpSpPr>
+        <p:grpSpPr>
+          <a:xfrm>
+            <a:off x="10290315" y="0"/>
+            <a:ext cx="1901686" cy="4677439"/>
+            <a:chOff x="10290315" y="0"/>
+            <a:chExt cx="1901686" cy="4677439"/>
+          </a:xfrm>
+        </p:grpSpPr>
+        <p:sp>
+          <p:nvSpPr>
+            <p:cNvPr id="13" name="Freeform 34">
+              <a:extLst>
+                <a:ext uri="{FF2B5EF4-FFF2-40B4-BE49-F238E27FC236}">
+                  <a16:creationId xmlns:a16="http://schemas.microsoft.com/office/drawing/2014/main" id="{98E3FFBE-BCB2-4744-8CA3-BC11F11AD479}"/>
+                </a:ext>
+                <a:ext uri="{C183D7F6-B498-43B3-948B-1728B52AA6E4}">
+                  <adec:decorative xmlns:adec="http://schemas.microsoft.com/office/drawing/2017/decorative" val="1"/>
+                </a:ext>
+              </a:extLst>
+            </p:cNvPr>
+            <p:cNvSpPr/>
+            <p:nvPr>
+              <p:extLst>
+                <p:ext uri="{386F3935-93C4-4BCD-93E2-E3B085C9AB24}">
+                  <p16:designElem xmlns:p16="http://schemas.microsoft.com/office/powerpoint/2015/main" val="1"/>
+                </p:ext>
+              </p:extLst>
+            </p:nvPr>
+          </p:nvSpPr>
+          <p:spPr>
+            <a:xfrm>
+              <a:off x="10290315" y="0"/>
+              <a:ext cx="1130724" cy="565573"/>
+            </a:xfrm>
+            <a:custGeom>
+              <a:avLst/>
+              <a:gdLst>
+                <a:gd name="connsiteX0" fmla="*/ 21 w 1130724"/>
+                <a:gd name="connsiteY0" fmla="*/ 0 h 565573"/>
+                <a:gd name="connsiteX1" fmla="*/ 1130703 w 1130724"/>
+                <a:gd name="connsiteY1" fmla="*/ 0 h 565573"/>
+                <a:gd name="connsiteX2" fmla="*/ 1130724 w 1130724"/>
+                <a:gd name="connsiteY2" fmla="*/ 211 h 565573"/>
+                <a:gd name="connsiteX3" fmla="*/ 565362 w 1130724"/>
+                <a:gd name="connsiteY3" fmla="*/ 565573 h 565573"/>
+                <a:gd name="connsiteX4" fmla="*/ 0 w 1130724"/>
+                <a:gd name="connsiteY4" fmla="*/ 211 h 565573"/>
+              </a:gdLst>
+              <a:ahLst/>
+              <a:cxnLst>
+                <a:cxn ang="0">
+                  <a:pos x="connsiteX0" y="connsiteY0"/>
+                </a:cxn>
+                <a:cxn ang="0">
+                  <a:pos x="connsiteX1" y="connsiteY1"/>
+                </a:cxn>
+                <a:cxn ang="0">
+                  <a:pos x="connsiteX2" y="connsiteY2"/>
+                </a:cxn>
+                <a:cxn ang="0">
+                  <a:pos x="connsiteX3" y="connsiteY3"/>
+                </a:cxn>
+                <a:cxn ang="0">
+                  <a:pos x="connsiteX4" y="connsiteY4"/>
+                </a:cxn>
+              </a:cxnLst>
+              <a:rect l="l" t="t" r="r" b="b"/>
+              <a:pathLst>
+                <a:path w="1130724" h="565573">
+                  <a:moveTo>
+                    <a:pt x="21" y="0"/>
+                  </a:moveTo>
+                  <a:lnTo>
+                    <a:pt x="1130703" y="0"/>
+                  </a:lnTo>
+                  <a:lnTo>
+                    <a:pt x="1130724" y="211"/>
+                  </a:lnTo>
+                  <a:cubicBezTo>
+                    <a:pt x="1130724" y="312452"/>
+                    <a:pt x="877603" y="565573"/>
+                    <a:pt x="565362" y="565573"/>
+                  </a:cubicBezTo>
+                  <a:cubicBezTo>
+                    <a:pt x="253121" y="565573"/>
+                    <a:pt x="0" y="312452"/>
+                    <a:pt x="0" y="211"/>
+                  </a:cubicBezTo>
+                  <a:close/>
+                </a:path>
+              </a:pathLst>
+            </a:custGeom>
+            <a:solidFill>
+              <a:schemeClr val="bg2"/>
+            </a:solidFill>
+            <a:ln>
+              <a:noFill/>
+            </a:ln>
+          </p:spPr>
+          <p:style>
+            <a:lnRef idx="2">
+              <a:schemeClr val="accent1">
+                <a:shade val="50000"/>
+              </a:schemeClr>
+            </a:lnRef>
+            <a:fillRef idx="1">
+              <a:schemeClr val="accent1"/>
+            </a:fillRef>
+            <a:effectRef idx="0">
+              <a:schemeClr val="accent1"/>
+            </a:effectRef>
+            <a:fontRef idx="minor">
+              <a:schemeClr val="lt1"/>
+            </a:fontRef>
+          </p:style>
+          <p:txBody>
+            <a:bodyPr wrap="square" rtlCol="0" anchor="ctr">
+              <a:noAutofit/>
+            </a:bodyPr>
+            <a:lstStyle/>
+            <a:p>
+              <a:pPr algn="ctr"/>
+              <a:endParaRPr lang="en-US"/>
+            </a:p>
+          </p:txBody>
+        </p:sp>
+        <p:sp>
+          <p:nvSpPr>
+            <p:cNvPr id="14" name="Freeform 36">
+              <a:extLst>
+                <a:ext uri="{FF2B5EF4-FFF2-40B4-BE49-F238E27FC236}">
+                  <a16:creationId xmlns:a16="http://schemas.microsoft.com/office/drawing/2014/main" id="{BBD5B432-1551-644A-B937-54EFF420111B}"/>
+                </a:ext>
+                <a:ext uri="{C183D7F6-B498-43B3-948B-1728B52AA6E4}">
+                  <adec:decorative xmlns:adec="http://schemas.microsoft.com/office/drawing/2017/decorative" val="1"/>
+                </a:ext>
+              </a:extLst>
+            </p:cNvPr>
+            <p:cNvSpPr/>
+            <p:nvPr>
+              <p:extLst>
+                <p:ext uri="{386F3935-93C4-4BCD-93E2-E3B085C9AB24}">
+                  <p16:designElem xmlns:p16="http://schemas.microsoft.com/office/powerpoint/2015/main" val="1"/>
+                </p:ext>
+              </p:extLst>
+            </p:nvPr>
+          </p:nvSpPr>
+          <p:spPr>
+            <a:xfrm>
+              <a:off x="11653180" y="3552066"/>
+              <a:ext cx="538821" cy="1125373"/>
+            </a:xfrm>
+            <a:custGeom>
+              <a:avLst/>
+              <a:gdLst>
+                <a:gd name="connsiteX0" fmla="*/ 538821 w 538821"/>
+                <a:gd name="connsiteY0" fmla="*/ 0 h 1125373"/>
+                <a:gd name="connsiteX1" fmla="*/ 538821 w 538821"/>
+                <a:gd name="connsiteY1" fmla="*/ 1125373 h 1125373"/>
+                <a:gd name="connsiteX2" fmla="*/ 451422 w 538821"/>
+                <a:gd name="connsiteY2" fmla="*/ 1116562 h 1125373"/>
+                <a:gd name="connsiteX3" fmla="*/ 0 w 538821"/>
+                <a:gd name="connsiteY3" fmla="*/ 562686 h 1125373"/>
+                <a:gd name="connsiteX4" fmla="*/ 451422 w 538821"/>
+                <a:gd name="connsiteY4" fmla="*/ 8810 h 1125373"/>
+              </a:gdLst>
+              <a:ahLst/>
+              <a:cxnLst>
+                <a:cxn ang="0">
+                  <a:pos x="connsiteX0" y="connsiteY0"/>
+                </a:cxn>
+                <a:cxn ang="0">
+                  <a:pos x="connsiteX1" y="connsiteY1"/>
+                </a:cxn>
+                <a:cxn ang="0">
+                  <a:pos x="connsiteX2" y="connsiteY2"/>
+                </a:cxn>
+                <a:cxn ang="0">
+                  <a:pos x="connsiteX3" y="connsiteY3"/>
+                </a:cxn>
+                <a:cxn ang="0">
+                  <a:pos x="connsiteX4" y="connsiteY4"/>
+                </a:cxn>
+              </a:cxnLst>
+              <a:rect l="l" t="t" r="r" b="b"/>
+              <a:pathLst>
+                <a:path w="538821" h="1125373">
+                  <a:moveTo>
+                    <a:pt x="538821" y="0"/>
+                  </a:moveTo>
+                  <a:lnTo>
+                    <a:pt x="538821" y="1125373"/>
+                  </a:lnTo>
+                  <a:lnTo>
+                    <a:pt x="451422" y="1116562"/>
+                  </a:lnTo>
+                  <a:cubicBezTo>
+                    <a:pt x="193796" y="1063844"/>
+                    <a:pt x="0" y="835897"/>
+                    <a:pt x="0" y="562686"/>
+                  </a:cubicBezTo>
+                  <a:cubicBezTo>
+                    <a:pt x="0" y="289475"/>
+                    <a:pt x="193796" y="61528"/>
+                    <a:pt x="451422" y="8810"/>
+                  </a:cubicBezTo>
+                  <a:close/>
+                </a:path>
+              </a:pathLst>
+            </a:custGeom>
+            <a:solidFill>
+              <a:schemeClr val="bg2"/>
+            </a:solidFill>
+            <a:ln>
+              <a:noFill/>
+            </a:ln>
+          </p:spPr>
+          <p:style>
+            <a:lnRef idx="2">
+              <a:schemeClr val="accent1">
+                <a:shade val="50000"/>
+              </a:schemeClr>
+            </a:lnRef>
+            <a:fillRef idx="1">
+              <a:schemeClr val="accent1"/>
+            </a:fillRef>
+            <a:effectRef idx="0">
+              <a:schemeClr val="accent1"/>
+            </a:effectRef>
+            <a:fontRef idx="minor">
+              <a:schemeClr val="lt1"/>
+            </a:fontRef>
+          </p:style>
+          <p:txBody>
+            <a:bodyPr wrap="square" rtlCol="0" anchor="ctr">
+              <a:noAutofit/>
+            </a:bodyPr>
+            <a:lstStyle/>
+            <a:p>
+              <a:pPr algn="ctr"/>
+              <a:endParaRPr lang="en-US"/>
+            </a:p>
+          </p:txBody>
+        </p:sp>
+        <p:sp>
+          <p:nvSpPr>
+            <p:cNvPr id="15" name="Freeform 38">
+              <a:extLst>
+                <a:ext uri="{FF2B5EF4-FFF2-40B4-BE49-F238E27FC236}">
+                  <a16:creationId xmlns:a16="http://schemas.microsoft.com/office/drawing/2014/main" id="{BDCFB512-5A0E-0143-B5B7-6A965E100B40}"/>
+                </a:ext>
+                <a:ext uri="{C183D7F6-B498-43B3-948B-1728B52AA6E4}">
+                  <adec:decorative xmlns:adec="http://schemas.microsoft.com/office/drawing/2017/decorative" val="1"/>
+                </a:ext>
+              </a:extLst>
+            </p:cNvPr>
+            <p:cNvSpPr/>
+            <p:nvPr>
+              <p:extLst>
+                <p:ext uri="{386F3935-93C4-4BCD-93E2-E3B085C9AB24}">
+                  <p16:designElem xmlns:p16="http://schemas.microsoft.com/office/powerpoint/2015/main" val="1"/>
+                </p:ext>
+              </p:extLst>
+            </p:nvPr>
+          </p:nvSpPr>
+          <p:spPr>
+            <a:xfrm>
+              <a:off x="11653180" y="809039"/>
+              <a:ext cx="538821" cy="1125373"/>
+            </a:xfrm>
+            <a:custGeom>
+              <a:avLst/>
+              <a:gdLst>
+                <a:gd name="connsiteX0" fmla="*/ 538821 w 538821"/>
+                <a:gd name="connsiteY0" fmla="*/ 0 h 1125373"/>
+                <a:gd name="connsiteX1" fmla="*/ 538821 w 538821"/>
+                <a:gd name="connsiteY1" fmla="*/ 1125373 h 1125373"/>
+                <a:gd name="connsiteX2" fmla="*/ 451422 w 538821"/>
+                <a:gd name="connsiteY2" fmla="*/ 1116562 h 1125373"/>
+                <a:gd name="connsiteX3" fmla="*/ 0 w 538821"/>
+                <a:gd name="connsiteY3" fmla="*/ 562686 h 1125373"/>
+                <a:gd name="connsiteX4" fmla="*/ 451422 w 538821"/>
+                <a:gd name="connsiteY4" fmla="*/ 8810 h 1125373"/>
+              </a:gdLst>
+              <a:ahLst/>
+              <a:cxnLst>
+                <a:cxn ang="0">
+                  <a:pos x="connsiteX0" y="connsiteY0"/>
+                </a:cxn>
+                <a:cxn ang="0">
+                  <a:pos x="connsiteX1" y="connsiteY1"/>
+                </a:cxn>
+                <a:cxn ang="0">
+                  <a:pos x="connsiteX2" y="connsiteY2"/>
+                </a:cxn>
+                <a:cxn ang="0">
+                  <a:pos x="connsiteX3" y="connsiteY3"/>
+                </a:cxn>
+                <a:cxn ang="0">
+                  <a:pos x="connsiteX4" y="connsiteY4"/>
+                </a:cxn>
+              </a:cxnLst>
+              <a:rect l="l" t="t" r="r" b="b"/>
+              <a:pathLst>
+                <a:path w="538821" h="1125373">
+                  <a:moveTo>
+                    <a:pt x="538821" y="0"/>
+                  </a:moveTo>
+                  <a:lnTo>
+                    <a:pt x="538821" y="1125373"/>
+                  </a:lnTo>
+                  <a:lnTo>
+                    <a:pt x="451422" y="1116562"/>
+                  </a:lnTo>
+                  <a:cubicBezTo>
+                    <a:pt x="193796" y="1063844"/>
+                    <a:pt x="0" y="835897"/>
+                    <a:pt x="0" y="562686"/>
+                  </a:cubicBezTo>
+                  <a:cubicBezTo>
+                    <a:pt x="0" y="289475"/>
+                    <a:pt x="193796" y="61528"/>
+                    <a:pt x="451422" y="8810"/>
+                  </a:cubicBezTo>
+                  <a:close/>
+                </a:path>
+              </a:pathLst>
+            </a:custGeom>
+            <a:solidFill>
+              <a:schemeClr val="accent1"/>
+            </a:solidFill>
+            <a:ln>
+              <a:noFill/>
+            </a:ln>
+          </p:spPr>
+          <p:style>
+            <a:lnRef idx="2">
+              <a:schemeClr val="accent1">
+                <a:shade val="50000"/>
+              </a:schemeClr>
+            </a:lnRef>
+            <a:fillRef idx="1">
+              <a:schemeClr val="accent1"/>
+            </a:fillRef>
+            <a:effectRef idx="0">
+              <a:schemeClr val="accent1"/>
+            </a:effectRef>
+            <a:fontRef idx="minor">
+              <a:schemeClr val="lt1"/>
+            </a:fontRef>
+          </p:style>
+          <p:txBody>
+            <a:bodyPr wrap="square" rtlCol="0" anchor="ctr">
+              <a:noAutofit/>
+            </a:bodyPr>
+            <a:lstStyle/>
+            <a:p>
+              <a:pPr algn="ctr"/>
+              <a:endParaRPr lang="en-US"/>
+            </a:p>
+          </p:txBody>
+        </p:sp>
+        <p:sp>
+          <p:nvSpPr>
+            <p:cNvPr id="16" name="Freeform 50">
+              <a:extLst>
+                <a:ext uri="{FF2B5EF4-FFF2-40B4-BE49-F238E27FC236}">
+                  <a16:creationId xmlns:a16="http://schemas.microsoft.com/office/drawing/2014/main" id="{EEDAA716-EDDF-5941-A55E-C12C893A399B}"/>
+                </a:ext>
+                <a:ext uri="{C183D7F6-B498-43B3-948B-1728B52AA6E4}">
+                  <adec:decorative xmlns:adec="http://schemas.microsoft.com/office/drawing/2017/decorative" val="1"/>
+                </a:ext>
+              </a:extLst>
+            </p:cNvPr>
+            <p:cNvSpPr/>
+            <p:nvPr>
+              <p:extLst>
+                <p:ext uri="{386F3935-93C4-4BCD-93E2-E3B085C9AB24}">
+                  <p16:designElem xmlns:p16="http://schemas.microsoft.com/office/powerpoint/2015/main" val="1"/>
+                </p:ext>
+              </p:extLst>
+            </p:nvPr>
+          </p:nvSpPr>
+          <p:spPr>
+            <a:xfrm>
+              <a:off x="11653180" y="0"/>
+              <a:ext cx="538821" cy="562898"/>
+            </a:xfrm>
+            <a:custGeom>
+              <a:avLst/>
+              <a:gdLst>
+                <a:gd name="connsiteX0" fmla="*/ 21 w 538821"/>
+                <a:gd name="connsiteY0" fmla="*/ 0 h 562898"/>
+                <a:gd name="connsiteX1" fmla="*/ 538821 w 538821"/>
+                <a:gd name="connsiteY1" fmla="*/ 0 h 562898"/>
+                <a:gd name="connsiteX2" fmla="*/ 538821 w 538821"/>
+                <a:gd name="connsiteY2" fmla="*/ 562898 h 562898"/>
+                <a:gd name="connsiteX3" fmla="*/ 451422 w 538821"/>
+                <a:gd name="connsiteY3" fmla="*/ 554087 h 562898"/>
+                <a:gd name="connsiteX4" fmla="*/ 0 w 538821"/>
+                <a:gd name="connsiteY4" fmla="*/ 211 h 562898"/>
+              </a:gdLst>
+              <a:ahLst/>
+              <a:cxnLst>
+                <a:cxn ang="0">
+                  <a:pos x="connsiteX0" y="connsiteY0"/>
+                </a:cxn>
+                <a:cxn ang="0">
+                  <a:pos x="connsiteX1" y="connsiteY1"/>
+                </a:cxn>
+                <a:cxn ang="0">
+                  <a:pos x="connsiteX2" y="connsiteY2"/>
+                </a:cxn>
+                <a:cxn ang="0">
+                  <a:pos x="connsiteX3" y="connsiteY3"/>
+                </a:cxn>
+                <a:cxn ang="0">
+                  <a:pos x="connsiteX4" y="connsiteY4"/>
+                </a:cxn>
+              </a:cxnLst>
+              <a:rect l="l" t="t" r="r" b="b"/>
+              <a:pathLst>
+                <a:path w="538821" h="562898">
+                  <a:moveTo>
+                    <a:pt x="21" y="0"/>
+                  </a:moveTo>
+                  <a:lnTo>
+                    <a:pt x="538821" y="0"/>
+                  </a:lnTo>
+                  <a:lnTo>
+                    <a:pt x="538821" y="562898"/>
+                  </a:lnTo>
+                  <a:lnTo>
+                    <a:pt x="451422" y="554087"/>
+                  </a:lnTo>
+                  <a:cubicBezTo>
+                    <a:pt x="193796" y="501369"/>
+                    <a:pt x="0" y="273422"/>
+                    <a:pt x="0" y="211"/>
+                  </a:cubicBezTo>
+                  <a:close/>
+                </a:path>
+              </a:pathLst>
+            </a:custGeom>
+            <a:solidFill>
+              <a:schemeClr val="bg2"/>
+            </a:solidFill>
+            <a:ln>
+              <a:noFill/>
+            </a:ln>
+          </p:spPr>
+          <p:style>
+            <a:lnRef idx="2">
+              <a:schemeClr val="accent1">
+                <a:shade val="50000"/>
+              </a:schemeClr>
+            </a:lnRef>
+            <a:fillRef idx="1">
+              <a:schemeClr val="accent1"/>
+            </a:fillRef>
+            <a:effectRef idx="0">
+              <a:schemeClr val="accent1"/>
+            </a:effectRef>
+            <a:fontRef idx="minor">
+              <a:schemeClr val="lt1"/>
+            </a:fontRef>
+          </p:style>
+          <p:txBody>
+            <a:bodyPr wrap="square" rtlCol="0" anchor="ctr">
+              <a:noAutofit/>
+            </a:bodyPr>
+            <a:lstStyle/>
+            <a:p>
+              <a:pPr algn="ctr"/>
+              <a:endParaRPr lang="en-US"/>
+            </a:p>
+          </p:txBody>
+        </p:sp>
+      </p:grpSp>
       <p:cxnSp>
         <p:nvCxnSpPr>
           <p:cNvPr id="18" name="Straight Connector 17">
@@ -22130,113 +24824,10 @@
       </p:cxnSp>
       <p:sp>
         <p:nvSpPr>
-          <p:cNvPr id="5" name="תיבת טקסט 4">
+          <p:cNvPr id="7" name="כותרת 1">
             <a:extLst>
               <a:ext uri="{FF2B5EF4-FFF2-40B4-BE49-F238E27FC236}">
-                <a16:creationId xmlns:a16="http://schemas.microsoft.com/office/drawing/2014/main" id="{D814A9BB-2041-431E-105D-D05996B806E8}"/>
-              </a:ext>
-            </a:extLst>
-          </p:cNvPr>
-          <p:cNvSpPr txBox="1"/>
-          <p:nvPr/>
-        </p:nvSpPr>
-        <p:spPr>
-          <a:xfrm>
-            <a:off x="3375130" y="1245139"/>
-            <a:ext cx="5441740" cy="461665"/>
-          </a:xfrm>
-          <a:prstGeom prst="rect">
-            <a:avLst/>
-          </a:prstGeom>
-          <a:noFill/>
-        </p:spPr>
-        <p:txBody>
-          <a:bodyPr wrap="square" rtlCol="0">
-            <a:spAutoFit/>
-          </a:bodyPr>
-          <a:lstStyle/>
-          <a:p>
-            <a:pPr algn="ctr"/>
-            <a:r>
-              <a:rPr lang="en-US" sz="2400" dirty="0"/>
-              <a:t>Random Forest</a:t>
-            </a:r>
-            <a:endParaRPr lang="en-IL" sz="2400" dirty="0"/>
-          </a:p>
-        </p:txBody>
-      </p:sp>
-      <p:pic>
-        <p:nvPicPr>
-          <p:cNvPr id="6" name="תמונה 5" descr="תמונה שמכילה טקסט&#10;&#10;התיאור נוצר באופן אוטומטי">
-            <a:extLst>
-              <a:ext uri="{FF2B5EF4-FFF2-40B4-BE49-F238E27FC236}">
-                <a16:creationId xmlns:a16="http://schemas.microsoft.com/office/drawing/2014/main" id="{888DC2B9-E80C-0DF4-9302-F197312C120A}"/>
-              </a:ext>
-            </a:extLst>
-          </p:cNvPr>
-          <p:cNvPicPr>
-            <a:picLocks noChangeAspect="1"/>
-          </p:cNvPicPr>
-          <p:nvPr/>
-        </p:nvPicPr>
-        <p:blipFill>
-          <a:blip r:embed="rId2">
-            <a:extLst>
-              <a:ext uri="{28A0092B-C50C-407E-A947-70E740481C1C}">
-                <a14:useLocalDpi xmlns:a14="http://schemas.microsoft.com/office/drawing/2010/main" val="0"/>
-              </a:ext>
-            </a:extLst>
-          </a:blip>
-          <a:stretch>
-            <a:fillRect/>
-          </a:stretch>
-        </p:blipFill>
-        <p:spPr>
-          <a:xfrm>
-            <a:off x="2164275" y="1846303"/>
-            <a:ext cx="8174501" cy="4218329"/>
-          </a:xfrm>
-          <a:prstGeom prst="rect">
-            <a:avLst/>
-          </a:prstGeom>
-        </p:spPr>
-      </p:pic>
-    </p:spTree>
-    <p:extLst>
-      <p:ext uri="{BB962C8B-B14F-4D97-AF65-F5344CB8AC3E}">
-        <p14:creationId xmlns:p14="http://schemas.microsoft.com/office/powerpoint/2010/main" val="3706369954"/>
-      </p:ext>
-    </p:extLst>
-  </p:cSld>
-  <p:clrMapOvr>
-    <a:masterClrMapping/>
-  </p:clrMapOvr>
-</p:sld>
-</file>
-
-<file path=ppt/slides/slide2.xml><?xml version="1.0" encoding="utf-8"?>
-<p:sld xmlns:a="http://schemas.openxmlformats.org/drawingml/2006/main" xmlns:r="http://schemas.openxmlformats.org/officeDocument/2006/relationships" xmlns:p="http://schemas.openxmlformats.org/presentationml/2006/main">
-  <p:cSld>
-    <p:spTree>
-      <p:nvGrpSpPr>
-        <p:cNvPr id="1" name=""/>
-        <p:cNvGrpSpPr/>
-        <p:nvPr/>
-      </p:nvGrpSpPr>
-      <p:grpSpPr>
-        <a:xfrm>
-          <a:off x="0" y="0"/>
-          <a:ext cx="0" cy="0"/>
-          <a:chOff x="0" y="0"/>
-          <a:chExt cx="0" cy="0"/>
-        </a:xfrm>
-      </p:grpSpPr>
-      <p:sp>
-        <p:nvSpPr>
-          <p:cNvPr id="2" name="כותרת 1">
-            <a:extLst>
-              <a:ext uri="{FF2B5EF4-FFF2-40B4-BE49-F238E27FC236}">
-                <a16:creationId xmlns:a16="http://schemas.microsoft.com/office/drawing/2014/main" id="{108EE9B4-1A9E-D3B5-673A-F7D85E8BF1A8}"/>
+                <a16:creationId xmlns:a16="http://schemas.microsoft.com/office/drawing/2014/main" id="{8B93F7B9-6898-C543-8EA5-E4A82C55622F}"/>
               </a:ext>
             </a:extLst>
           </p:cNvPr>
@@ -22249,81 +24840,93 @@
         </p:nvSpPr>
         <p:spPr>
           <a:xfrm>
-            <a:off x="2615623" y="715472"/>
-            <a:ext cx="7335835" cy="1268984"/>
+            <a:off x="1949583" y="809039"/>
+            <a:ext cx="8292834" cy="1036646"/>
           </a:xfrm>
         </p:spPr>
         <p:txBody>
-          <a:bodyPr/>
+          <a:bodyPr>
+            <a:normAutofit/>
+          </a:bodyPr>
           <a:lstStyle/>
           <a:p>
-            <a:pPr algn="ctr"/>
+            <a:pPr algn="ctr" rtl="1"/>
             <a:r>
-              <a:rPr lang="he-IL" u="sng" dirty="0">
-                <a:latin typeface="Arial" panose="020B0604020202020204" pitchFamily="34" charset="0"/>
-                <a:cs typeface="Arial" panose="020B0604020202020204" pitchFamily="34" charset="0"/>
-              </a:rPr>
-              <a:t>תיאור הפרויקט</a:t>
+              <a:rPr lang="he-IL" sz="3600" u="sng" dirty="0"/>
+              <a:t>תוצאות של המודל ה</a:t>
             </a:r>
-            <a:endParaRPr lang="en-IL" u="sng" dirty="0">
-              <a:latin typeface="Arial" panose="020B0604020202020204" pitchFamily="34" charset="0"/>
-              <a:cs typeface="Arial" panose="020B0604020202020204" pitchFamily="34" charset="0"/>
-            </a:endParaRPr>
+            <a:r>
+              <a:rPr lang="en-US" sz="3600" u="sng" dirty="0"/>
+              <a:t>MLP </a:t>
+            </a:r>
+            <a:endParaRPr lang="en-IL" sz="3600" u="sng" dirty="0"/>
           </a:p>
         </p:txBody>
       </p:sp>
-      <p:sp>
-        <p:nvSpPr>
-          <p:cNvPr id="3" name="מציין מיקום תוכן 2">
+      <p:pic>
+        <p:nvPicPr>
+          <p:cNvPr id="4" name="Picture 3">
             <a:extLst>
               <a:ext uri="{FF2B5EF4-FFF2-40B4-BE49-F238E27FC236}">
-                <a16:creationId xmlns:a16="http://schemas.microsoft.com/office/drawing/2014/main" id="{E89D0804-0F99-525F-D147-C5B09B17A60F}"/>
+                <a16:creationId xmlns:a16="http://schemas.microsoft.com/office/drawing/2014/main" id="{8C38413B-FC11-9683-0402-C8E971108F82}"/>
               </a:ext>
             </a:extLst>
           </p:cNvPr>
-          <p:cNvSpPr>
-            <a:spLocks noGrp="1"/>
-          </p:cNvSpPr>
-          <p:nvPr>
-            <p:ph idx="1"/>
-          </p:nvPr>
-        </p:nvSpPr>
+          <p:cNvPicPr>
+            <a:picLocks noChangeAspect="1"/>
+          </p:cNvPicPr>
+          <p:nvPr/>
+        </p:nvPicPr>
+        <p:blipFill>
+          <a:blip r:embed="rId2"/>
+          <a:stretch>
+            <a:fillRect/>
+          </a:stretch>
+        </p:blipFill>
         <p:spPr>
           <a:xfrm>
-            <a:off x="2615623" y="2141544"/>
-            <a:ext cx="7335835" cy="3601212"/>
+            <a:off x="2804412" y="1525681"/>
+            <a:ext cx="6583176" cy="2823092"/>
           </a:xfrm>
+          <a:prstGeom prst="rect">
+            <a:avLst/>
+          </a:prstGeom>
         </p:spPr>
-        <p:txBody>
-          <a:bodyPr/>
-          <a:lstStyle/>
-          <a:p>
-            <a:pPr marL="0" indent="0" algn="ctr">
-              <a:buNone/>
-            </a:pPr>
-            <a:r>
-              <a:rPr lang="he-IL" dirty="0"/>
-              <a:t>יצירת מודל שבאמצעותו נוכל לבצע בדיקה עבור כל דומיין שנרצה לגשת אליו בזמן אמת האם הוא זדוני או תקין.</a:t>
-            </a:r>
-          </a:p>
-          <a:p>
-            <a:pPr marL="0" indent="0" algn="ctr">
-              <a:buNone/>
-            </a:pPr>
-            <a:endParaRPr lang="he-IL" dirty="0"/>
-          </a:p>
-          <a:p>
-            <a:pPr marL="0" indent="0" algn="ctr">
-              <a:buNone/>
-            </a:pPr>
-            <a:endParaRPr lang="en-IL" dirty="0"/>
-          </a:p>
-        </p:txBody>
-      </p:sp>
+      </p:pic>
+      <p:pic>
+        <p:nvPicPr>
+          <p:cNvPr id="8" name="Picture 7">
+            <a:extLst>
+              <a:ext uri="{FF2B5EF4-FFF2-40B4-BE49-F238E27FC236}">
+                <a16:creationId xmlns:a16="http://schemas.microsoft.com/office/drawing/2014/main" id="{7B1D3684-A24D-57FB-6840-5157861A1927}"/>
+              </a:ext>
+            </a:extLst>
+          </p:cNvPr>
+          <p:cNvPicPr>
+            <a:picLocks noChangeAspect="1"/>
+          </p:cNvPicPr>
+          <p:nvPr/>
+        </p:nvPicPr>
+        <p:blipFill>
+          <a:blip r:embed="rId3"/>
+          <a:stretch>
+            <a:fillRect/>
+          </a:stretch>
+        </p:blipFill>
+        <p:spPr>
+          <a:xfrm>
+            <a:off x="3719513" y="4550888"/>
+            <a:ext cx="4752973" cy="1281112"/>
+          </a:xfrm>
+          <a:prstGeom prst="rect">
+            <a:avLst/>
+          </a:prstGeom>
+        </p:spPr>
+      </p:pic>
     </p:spTree>
     <p:extLst>
       <p:ext uri="{BB962C8B-B14F-4D97-AF65-F5344CB8AC3E}">
-        <p14:creationId xmlns:p14="http://schemas.microsoft.com/office/powerpoint/2010/main" val="2022744036"/>
+        <p14:creationId xmlns:p14="http://schemas.microsoft.com/office/powerpoint/2010/main" val="116393287"/>
       </p:ext>
     </p:extLst>
   </p:cSld>
@@ -22333,7 +24936,7 @@
 </p:sld>
 </file>
 
-<file path=ppt/slides/slide20.xml><?xml version="1.0" encoding="utf-8"?>
+<file path=ppt/slides/slide28.xml><?xml version="1.0" encoding="utf-8"?>
 <p:sld xmlns:a="http://schemas.openxmlformats.org/drawingml/2006/main" xmlns:r="http://schemas.openxmlformats.org/officeDocument/2006/relationships" xmlns:p="http://schemas.openxmlformats.org/presentationml/2006/main">
   <p:cSld>
     <p:bg>
@@ -23137,7 +25740,7 @@
         </p:nvSpPr>
         <p:spPr>
           <a:xfrm>
-            <a:off x="2428083" y="715472"/>
+            <a:off x="2521853" y="715472"/>
             <a:ext cx="7335835" cy="1268984"/>
           </a:xfrm>
         </p:spPr>
@@ -23178,12 +25781,14 @@
         </p:nvSpPr>
         <p:spPr>
           <a:xfrm>
-            <a:off x="2615622" y="1628394"/>
-            <a:ext cx="7335835" cy="3601212"/>
+            <a:off x="2119307" y="1628394"/>
+            <a:ext cx="7953387" cy="1586754"/>
           </a:xfrm>
         </p:spPr>
         <p:txBody>
-          <a:bodyPr/>
+          <a:bodyPr>
+            <a:normAutofit/>
+          </a:bodyPr>
           <a:lstStyle/>
           <a:p>
             <a:pPr marL="0" indent="0" algn="ctr">
@@ -23191,7 +25796,7 @@
             </a:pPr>
             <a:r>
               <a:rPr lang="he-IL" dirty="0"/>
-              <a:t>כיום מוצעות טכניקות אנטי-</a:t>
+              <a:t>אם כי קיימות כיום טכניקות אנטי-</a:t>
             </a:r>
             <a:r>
               <a:rPr lang="he-IL" dirty="0" err="1"/>
@@ -23199,16 +25804,7 @@
             </a:r>
             <a:r>
               <a:rPr lang="he-IL" dirty="0"/>
-              <a:t> רבות, אך עדיין קיים אתגר להשיג זיהוי בדיוק גבוהה עם יחס נמוך של זיהוי שלילי.</a:t>
-            </a:r>
-          </a:p>
-          <a:p>
-            <a:pPr marL="0" indent="0" algn="ctr">
-              <a:buNone/>
-            </a:pPr>
-            <a:r>
-              <a:rPr lang="he-IL" dirty="0"/>
-              <a:t>בתמונה ניתן לראות תוצאות של טכניקות שונות הקשורות לאנטי-</a:t>
+              <a:t> רבות, עדיין קיים אתגר להשיג זיהוי בדיוק גבוהה עם יחס נמוך של זיהוי שלילי. בתמונה מוצגות תוצאות של מספר טכניקות שונות הקשורות לאנטי-</a:t>
             </a:r>
             <a:r>
               <a:rPr lang="he-IL" dirty="0" err="1"/>
@@ -23216,17 +25812,17 @@
             </a:r>
             <a:r>
               <a:rPr lang="he-IL" dirty="0"/>
-              <a:t> .</a:t>
+              <a:t>.</a:t>
             </a:r>
           </a:p>
         </p:txBody>
       </p:sp>
       <p:pic>
         <p:nvPicPr>
-          <p:cNvPr id="5" name="תמונה 4" descr="תמונה שמכילה טקסט, קבלה, צילום מסך&#10;&#10;התיאור נוצר באופן אוטומטי">
+          <p:cNvPr id="6" name="תמונה 4" descr="תמונה שמכילה טקסט, קבלה, צילום מסך&#10;&#10;התיאור נוצר באופן אוטומטי">
             <a:extLst>
               <a:ext uri="{FF2B5EF4-FFF2-40B4-BE49-F238E27FC236}">
-                <a16:creationId xmlns:a16="http://schemas.microsoft.com/office/drawing/2014/main" id="{1A90D2A5-1CB1-5AD2-3187-FF004CBC8989}"/>
+                <a16:creationId xmlns:a16="http://schemas.microsoft.com/office/drawing/2014/main" id="{A0AE7019-014E-21C8-127A-8E211DE1F0AB}"/>
               </a:ext>
             </a:extLst>
           </p:cNvPr>
@@ -23249,7 +25845,7 @@
         </p:blipFill>
         <p:spPr>
           <a:xfrm>
-            <a:off x="3272790" y="3495609"/>
+            <a:off x="3366560" y="3489709"/>
             <a:ext cx="5646420" cy="2179320"/>
           </a:xfrm>
           <a:prstGeom prst="rect">
@@ -23305,8 +25901,8 @@
         </p:nvSpPr>
         <p:spPr>
           <a:xfrm>
-            <a:off x="2428083" y="891032"/>
-            <a:ext cx="7335835" cy="1268984"/>
+            <a:off x="2671865" y="891032"/>
+            <a:ext cx="7335835" cy="849278"/>
           </a:xfrm>
         </p:spPr>
         <p:txBody>
@@ -23340,12 +25936,14 @@
         </p:nvSpPr>
         <p:spPr>
           <a:xfrm>
-            <a:off x="2255404" y="1628394"/>
-            <a:ext cx="7335835" cy="3601212"/>
+            <a:off x="2261303" y="1787676"/>
+            <a:ext cx="8156958" cy="3601212"/>
           </a:xfrm>
         </p:spPr>
         <p:txBody>
-          <a:bodyPr/>
+          <a:bodyPr>
+            <a:normAutofit/>
+          </a:bodyPr>
           <a:lstStyle/>
           <a:p>
             <a:pPr marL="0" indent="0" algn="r" rtl="1">
@@ -23353,15 +25951,7 @@
             </a:pPr>
             <a:r>
               <a:rPr lang="he-IL" dirty="0"/>
-              <a:t>בניית מודל </a:t>
-            </a:r>
-            <a:r>
-              <a:rPr lang="en-US" dirty="0"/>
-              <a:t>Ensemble</a:t>
-            </a:r>
-            <a:r>
-              <a:rPr lang="he-IL" dirty="0"/>
-              <a:t> ע"י אימון של שני מודלים אחד שאומן על דאטה סט של 326 אלף דומיינים זדוניים ותקינים.</a:t>
+              <a:t>קיימות שיטות רבות ליצירה של דומיינים זדוניים, </a:t>
             </a:r>
           </a:p>
           <a:p>
@@ -23370,15 +25960,7 @@
             </a:pPr>
             <a:r>
               <a:rPr lang="he-IL" dirty="0"/>
-              <a:t>ומודל שני שאומן על דאטה סט של 675 אלף דומיינים כאשר 337 אלף מתוכם הם זדוניים שנוצרו ע"י </a:t>
-            </a:r>
-            <a:r>
-              <a:rPr lang="en-US" dirty="0"/>
-              <a:t>Domain generator algorithm</a:t>
-            </a:r>
-            <a:r>
-              <a:rPr lang="he-IL" dirty="0"/>
-              <a:t> (</a:t>
+              <a:t>בפרויקט שלנו בחרנו להתעמק בסוגי דומיינים שנוצרו ע"י </a:t>
             </a:r>
             <a:r>
               <a:rPr lang="en-US" dirty="0"/>
@@ -23386,29 +25968,93 @@
             </a:r>
             <a:r>
               <a:rPr lang="he-IL" dirty="0"/>
-              <a:t>) ו337 אלף הנותרים מאומתים ע"י </a:t>
+              <a:t>.</a:t>
+            </a:r>
+            <a:endParaRPr lang="en-US" dirty="0"/>
+          </a:p>
+          <a:p>
+            <a:pPr marL="0" indent="0" algn="r" rtl="1">
+              <a:buNone/>
+            </a:pPr>
+            <a:r>
+              <a:rPr lang="en-GB" dirty="0"/>
+              <a:t> DGA</a:t>
+            </a:r>
+            <a:r>
+              <a:rPr lang="he-IL" dirty="0"/>
+              <a:t>הוא ראשי תיבות של </a:t>
+            </a:r>
+            <a:r>
+              <a:rPr lang="en-GB" dirty="0"/>
+              <a:t>Domain Generation Algorithm</a:t>
+            </a:r>
+            <a:r>
+              <a:rPr lang="he-IL" dirty="0"/>
+              <a:t>,</a:t>
+            </a:r>
+            <a:r>
+              <a:rPr lang="en-GB" dirty="0"/>
+              <a:t> </a:t>
+            </a:r>
+            <a:r>
+              <a:rPr lang="he-IL" dirty="0"/>
+              <a:t>אלגוריתם שמיועד לייצר מספר גדול של דומיינים ייחודיים באופן אוטומטי. זהו כלי נפוץ ליצירת דומיינים חדשים לצורך התקפת </a:t>
+            </a:r>
+            <a:r>
+              <a:rPr lang="en-GB" dirty="0"/>
+              <a:t>phishing</a:t>
+            </a:r>
+            <a:r>
+              <a:rPr lang="he-IL" dirty="0"/>
+              <a:t>.</a:t>
+            </a:r>
+          </a:p>
+          <a:p>
+            <a:pPr marL="0" indent="0" algn="r" rtl="1">
+              <a:buNone/>
+            </a:pPr>
+            <a:r>
+              <a:rPr lang="he-IL" dirty="0"/>
+              <a:t>לכן הרחבנו את המודלים שלנו ואימנו אותם על דאטה שנוצר ע"י </a:t>
             </a:r>
             <a:r>
               <a:rPr lang="en-US" dirty="0"/>
-              <a:t>Alexa</a:t>
+              <a:t>DGA</a:t>
             </a:r>
-            <a:endParaRPr lang="he-IL" dirty="0"/>
+            <a:r>
+              <a:rPr lang="he-IL" dirty="0"/>
+              <a:t> כדי לכסות מגוון רחב של דומיינים עד כמה שאפשר.</a:t>
+            </a:r>
           </a:p>
           <a:p>
-            <a:pPr marL="0" indent="0" algn="r">
+            <a:pPr marL="0" indent="0" algn="r" rtl="1">
               <a:buNone/>
             </a:pPr>
             <a:endParaRPr lang="he-IL" dirty="0"/>
           </a:p>
           <a:p>
-            <a:pPr marL="0" indent="0" algn="r">
+            <a:pPr marL="0" indent="0" algn="r" rtl="1">
               <a:buNone/>
             </a:pPr>
-            <a:r>
-              <a:rPr lang="he-IL" dirty="0"/>
-              <a:t> </a:t>
-            </a:r>
-            <a:endParaRPr lang="en-IL" dirty="0"/>
+            <a:endParaRPr lang="en-US" dirty="0"/>
+          </a:p>
+          <a:p>
+            <a:pPr marL="0" indent="0" algn="r" rtl="1">
+              <a:buNone/>
+            </a:pPr>
+            <a:endParaRPr lang="en-US" dirty="0"/>
+          </a:p>
+          <a:p>
+            <a:pPr marL="0" indent="0" algn="r" rtl="1">
+              <a:buNone/>
+            </a:pPr>
+            <a:endParaRPr lang="en-US" dirty="0"/>
+          </a:p>
+          <a:p>
+            <a:pPr marL="0" indent="0" algn="r" rtl="1">
+              <a:buNone/>
+            </a:pPr>
+            <a:endParaRPr lang="en-US" dirty="0"/>
           </a:p>
         </p:txBody>
       </p:sp>
@@ -23460,7 +26106,7 @@
         </p:nvSpPr>
         <p:spPr>
           <a:xfrm>
-            <a:off x="2428083" y="891032"/>
+            <a:off x="2252085" y="891032"/>
             <a:ext cx="7335835" cy="1268984"/>
           </a:xfrm>
         </p:spPr>
@@ -23495,43 +26141,45 @@
         </p:nvSpPr>
         <p:spPr>
           <a:xfrm>
-            <a:off x="2428083" y="2160016"/>
-            <a:ext cx="7335835" cy="3601212"/>
+            <a:off x="1457140" y="1699866"/>
+            <a:ext cx="8925725" cy="2465079"/>
           </a:xfrm>
         </p:spPr>
         <p:txBody>
-          <a:bodyPr/>
+          <a:bodyPr>
+            <a:normAutofit/>
+          </a:bodyPr>
           <a:lstStyle/>
           <a:p>
             <a:pPr marL="457200" indent="-457200" algn="r" rtl="1">
               <a:buAutoNum type="arabicParenR"/>
             </a:pPr>
             <a:r>
-              <a:rPr lang="he-IL" dirty="0"/>
-              <a:t>עבור המודל הרגיל מצאנו דאטה סט באתר</a:t>
+              <a:rPr lang="he-IL" sz="2000" dirty="0"/>
+              <a:t>מצאנו דאטה סט באתר</a:t>
             </a:r>
             <a:r>
-              <a:rPr lang="en-US" dirty="0"/>
+              <a:rPr lang="en-US" sz="2000" dirty="0"/>
               <a:t> </a:t>
             </a:r>
             <a:r>
-              <a:rPr lang="en-US" dirty="0" err="1"/>
+              <a:rPr lang="en-US" sz="2000" dirty="0" err="1"/>
               <a:t>Kaggel</a:t>
             </a:r>
             <a:r>
-              <a:rPr lang="en-US" dirty="0"/>
-              <a:t> </a:t>
+              <a:rPr lang="en-US" sz="2000" dirty="0"/>
+              <a:t> [1] </a:t>
             </a:r>
             <a:r>
-              <a:rPr lang="he-IL" dirty="0"/>
+              <a:rPr lang="he-IL" sz="2000" dirty="0"/>
               <a:t>שהכיל 160 אלף דומיינים תקינים + 100 אלף דומיינים זדוניים ובכדי לאזן את הדאטה הוספנו עוד 60 אלף דומיינים זדוניים מאתר </a:t>
             </a:r>
             <a:r>
-              <a:rPr lang="en-US" dirty="0"/>
-              <a:t>Phish Tank</a:t>
+              <a:rPr lang="en-US" sz="2000" dirty="0"/>
+              <a:t>Phish Tank [2]</a:t>
             </a:r>
             <a:r>
-              <a:rPr lang="he-IL" dirty="0"/>
+              <a:rPr lang="he-IL" sz="2000" dirty="0"/>
               <a:t>.</a:t>
             </a:r>
           </a:p>
@@ -23540,14 +26188,100 @@
               <a:buAutoNum type="arabicParenR"/>
             </a:pPr>
             <a:r>
-              <a:rPr lang="he-IL" dirty="0"/>
-              <a:t>מצאנו דאטה סט שנוצא ע"י </a:t>
+              <a:rPr lang="he-IL" sz="2000" dirty="0"/>
+              <a:t>מצאנו דאטה סט נוסף</a:t>
             </a:r>
             <a:r>
-              <a:rPr lang="en-US" dirty="0"/>
+              <a:rPr lang="en-US" sz="2000" dirty="0"/>
+              <a:t> [3] </a:t>
+            </a:r>
+            <a:r>
+              <a:rPr lang="he-IL" sz="2000" dirty="0"/>
+              <a:t>שהכיל סה"כ 675 אלף דומיינים, כאשר 337.5 אלף מתוכם נוצרו ע"י 25 משפחות שונות של </a:t>
+            </a:r>
+            <a:r>
+              <a:rPr lang="en-US" sz="2000" dirty="0"/>
               <a:t>DGA</a:t>
             </a:r>
-            <a:endParaRPr lang="en-IL" dirty="0"/>
+            <a:r>
+              <a:rPr lang="he-IL" sz="2000" dirty="0"/>
+              <a:t>,  כך ש13 משפחות מבוססות זמן וה-12 האחרות לא. עבור כל משפחה של </a:t>
+            </a:r>
+            <a:r>
+              <a:rPr lang="en-US" sz="2000" dirty="0"/>
+              <a:t>DGA</a:t>
+            </a:r>
+            <a:r>
+              <a:rPr lang="he-IL" sz="2000" dirty="0"/>
+              <a:t> יש 13.5 אלף דומיינים.</a:t>
+            </a:r>
+            <a:br>
+              <a:rPr lang="en-US" sz="2000" dirty="0"/>
+            </a:br>
+            <a:r>
+              <a:rPr lang="he-IL" sz="2000" dirty="0"/>
+              <a:t>ה337.5 אלף האחרים הם דומיינים תקינים שאומתו ע"י האתר </a:t>
+            </a:r>
+            <a:r>
+              <a:rPr lang="en-US" sz="2000" dirty="0"/>
+              <a:t>Alexa 1 million</a:t>
+            </a:r>
+            <a:r>
+              <a:rPr lang="he-IL" sz="2000" dirty="0"/>
+              <a:t>.</a:t>
+            </a:r>
+            <a:endParaRPr lang="en-IL" sz="2000" dirty="0"/>
+          </a:p>
+        </p:txBody>
+      </p:sp>
+      <p:sp>
+        <p:nvSpPr>
+          <p:cNvPr id="4" name="TextBox 3">
+            <a:extLst>
+              <a:ext uri="{FF2B5EF4-FFF2-40B4-BE49-F238E27FC236}">
+                <a16:creationId xmlns:a16="http://schemas.microsoft.com/office/drawing/2014/main" id="{8EE6D3CB-DBC1-F093-F2DD-7614C78357F9}"/>
+              </a:ext>
+            </a:extLst>
+          </p:cNvPr>
+          <p:cNvSpPr txBox="1"/>
+          <p:nvPr/>
+        </p:nvSpPr>
+        <p:spPr>
+          <a:xfrm>
+            <a:off x="1902541" y="5158134"/>
+            <a:ext cx="8034922" cy="830997"/>
+          </a:xfrm>
+          <a:prstGeom prst="rect">
+            <a:avLst/>
+          </a:prstGeom>
+          <a:noFill/>
+        </p:spPr>
+        <p:txBody>
+          <a:bodyPr wrap="square" rtlCol="0">
+            <a:spAutoFit/>
+          </a:bodyPr>
+          <a:lstStyle/>
+          <a:p>
+            <a:pPr algn="l" rtl="0"/>
+            <a:r>
+              <a:rPr lang="en-US" sz="1600" dirty="0"/>
+              <a:t>1) https://www.kaggle.com/datasets/siddharthkumar25/malicious-and-benign-urls</a:t>
+            </a:r>
+          </a:p>
+          <a:p>
+            <a:pPr algn="l" rtl="0"/>
+            <a:r>
+              <a:rPr lang="en-US" sz="1600" dirty="0"/>
+              <a:t>2) https://phishtank.org/</a:t>
+            </a:r>
+          </a:p>
+          <a:p>
+            <a:pPr algn="l" rtl="0"/>
+            <a:r>
+              <a:rPr lang="en-US" sz="1600" dirty="0"/>
+              <a:t>3) https://github.com/chrmor/DGA_domains_dataset</a:t>
+            </a:r>
+            <a:endParaRPr lang="en-GB" sz="1600" dirty="0"/>
           </a:p>
         </p:txBody>
       </p:sp>
@@ -23599,7 +26333,7 @@
         </p:nvSpPr>
         <p:spPr>
           <a:xfrm>
-            <a:off x="2428082" y="733945"/>
+            <a:off x="2219881" y="733945"/>
             <a:ext cx="7335835" cy="1268984"/>
           </a:xfrm>
         </p:spPr>
@@ -23634,12 +26368,14 @@
         </p:nvSpPr>
         <p:spPr>
           <a:xfrm>
-            <a:off x="2428082" y="2132307"/>
-            <a:ext cx="7335835" cy="3601212"/>
+            <a:off x="2011679" y="1567156"/>
+            <a:ext cx="7752237" cy="4351043"/>
           </a:xfrm>
         </p:spPr>
         <p:txBody>
-          <a:bodyPr/>
+          <a:bodyPr>
+            <a:normAutofit fontScale="92500"/>
+          </a:bodyPr>
           <a:lstStyle/>
           <a:p>
             <a:pPr marL="0" indent="0" algn="r">
@@ -23647,37 +26383,65 @@
             </a:pPr>
             <a:r>
               <a:rPr lang="he-IL" dirty="0"/>
-              <a:t>מאפייני הפיצ'רים בהם השתמשנו הם:</a:t>
+              <a:t>עבור הדאטה סט הראשון ייצאנו סה"כ 19 פיצ'רים כאשר לבסוף השתמשנו ב17 מתוכם.</a:t>
             </a:r>
-            <a:endParaRPr lang="en-US" dirty="0"/>
           </a:p>
           <a:p>
             <a:pPr marL="0" indent="0" algn="r">
               <a:buNone/>
             </a:pPr>
-            <a:endParaRPr lang="he-IL" dirty="0"/>
+            <a:r>
+              <a:rPr lang="he-IL" dirty="0"/>
+              <a:t>את הפיצ'רים חילקנו לשלושה קטגוריות:</a:t>
+            </a:r>
+            <a:endParaRPr lang="he-IL" sz="2000" dirty="0"/>
           </a:p>
           <a:p>
-            <a:pPr algn="r" rtl="1"/>
+            <a:pPr algn="l"/>
             <a:r>
-              <a:rPr lang="en-US" dirty="0"/>
+              <a:rPr lang="en-US" sz="2000" dirty="0"/>
               <a:t>Length based Features</a:t>
             </a:r>
           </a:p>
           <a:p>
-            <a:pPr algn="r" rtl="1"/>
+            <a:pPr algn="l"/>
             <a:r>
-              <a:rPr lang="en-US" dirty="0"/>
+              <a:rPr lang="en-US" sz="2000" dirty="0"/>
               <a:t>Count based Features</a:t>
             </a:r>
           </a:p>
           <a:p>
-            <a:pPr algn="r" rtl="1"/>
+            <a:pPr algn="l"/>
             <a:r>
-              <a:rPr lang="en-US" dirty="0"/>
+              <a:rPr lang="en-US" sz="2000" dirty="0"/>
               <a:t>Binary Features</a:t>
             </a:r>
-            <a:endParaRPr lang="en-IL" dirty="0"/>
+          </a:p>
+          <a:p>
+            <a:pPr algn="l"/>
+            <a:endParaRPr lang="en-US" sz="2000" dirty="0"/>
+          </a:p>
+          <a:p>
+            <a:pPr algn="l"/>
+            <a:endParaRPr lang="en-US" sz="2000" dirty="0"/>
+          </a:p>
+          <a:p>
+            <a:pPr algn="l"/>
+            <a:endParaRPr lang="en-US" sz="2000" dirty="0"/>
+          </a:p>
+          <a:p>
+            <a:pPr marL="0" indent="0" algn="r" rtl="1">
+              <a:buNone/>
+            </a:pPr>
+            <a:r>
+              <a:rPr lang="he-IL" sz="2000" dirty="0"/>
+              <a:t>נעזרו בקוד הפתוח הבא לייצוא שלהם: </a:t>
+            </a:r>
+            <a:r>
+              <a:rPr lang="en-GB" sz="2000" dirty="0"/>
+              <a:t>https://github.com/deepeshdm/Phishing-Attack-Domain-Detection</a:t>
+            </a:r>
+            <a:endParaRPr lang="en-IL" sz="2000" dirty="0"/>
           </a:p>
         </p:txBody>
       </p:sp>
@@ -23730,18 +26494,18 @@
         <p:spPr>
           <a:xfrm>
             <a:off x="2428082" y="724708"/>
-            <a:ext cx="7335835" cy="1268984"/>
+            <a:ext cx="7335835" cy="831042"/>
           </a:xfrm>
         </p:spPr>
         <p:txBody>
           <a:bodyPr>
-            <a:normAutofit fontScale="90000"/>
+            <a:normAutofit/>
           </a:bodyPr>
           <a:lstStyle/>
           <a:p>
             <a:pPr algn="ctr"/>
             <a:r>
-              <a:rPr lang="en-US" b="1" i="0" dirty="0">
+              <a:rPr lang="en-US" b="1" i="0" u="sng" dirty="0">
                 <a:solidFill>
                   <a:srgbClr val="000000"/>
                 </a:solidFill>
@@ -23750,16 +26514,7 @@
               </a:rPr>
               <a:t>Length Features</a:t>
             </a:r>
-            <a:br>
-              <a:rPr lang="en-US" b="1" i="0" dirty="0">
-                <a:solidFill>
-                  <a:srgbClr val="000000"/>
-                </a:solidFill>
-                <a:effectLst/>
-                <a:latin typeface="Helvetica Neue"/>
-              </a:rPr>
-            </a:br>
-            <a:endParaRPr lang="en-IL" dirty="0"/>
+            <a:endParaRPr lang="en-IL" u="sng" dirty="0"/>
           </a:p>
         </p:txBody>
       </p:sp>
@@ -23789,18 +26544,56 @@
           <a:bodyPr/>
           <a:lstStyle/>
           <a:p>
-            <a:pPr marL="0" indent="0" algn="r">
+            <a:pPr marL="0" indent="0" algn="r" rtl="1">
               <a:buNone/>
             </a:pPr>
             <a:r>
-              <a:rPr lang="he-IL" dirty="0"/>
-              <a:t>בקבוצת הפיצ'רים הזה הקדשנו את תשומת הלב עבור כמה מהעקרונות הבאים: </a:t>
+              <a:rPr lang="he-IL" sz="2000" b="0" i="0" dirty="0">
+                <a:solidFill>
+                  <a:srgbClr val="000000"/>
+                </a:solidFill>
+                <a:effectLst/>
+                <a:latin typeface="Helvetica Neue"/>
+              </a:rPr>
+              <a:t>עבור קטגוריה זו של פיצ'רים התבססנו על האורכים של חלקי ה</a:t>
+            </a:r>
+            <a:r>
+              <a:rPr lang="en-US" sz="2000" b="0" i="0" dirty="0">
+                <a:solidFill>
+                  <a:srgbClr val="000000"/>
+                </a:solidFill>
+                <a:effectLst/>
+                <a:latin typeface="Helvetica Neue"/>
+              </a:rPr>
+              <a:t>URL</a:t>
+            </a:r>
+            <a:r>
+              <a:rPr lang="he-IL" sz="2000" b="0" i="0" dirty="0">
+                <a:solidFill>
+                  <a:srgbClr val="000000"/>
+                </a:solidFill>
+                <a:effectLst/>
+                <a:latin typeface="Helvetica Neue"/>
+              </a:rPr>
+              <a:t>.</a:t>
             </a:r>
           </a:p>
           <a:p>
-            <a:pPr algn="r" rtl="1"/>
+            <a:pPr marL="0" indent="0" algn="r" rtl="1">
+              <a:buNone/>
+            </a:pPr>
+            <a:endParaRPr lang="he-IL" sz="2000" b="0" i="0" dirty="0">
+              <a:solidFill>
+                <a:srgbClr val="000000"/>
+              </a:solidFill>
+              <a:effectLst/>
+              <a:latin typeface="Helvetica Neue"/>
+            </a:endParaRPr>
+          </a:p>
+          <a:p>
+            <a:pPr algn="l"/>
             <a:r>
-              <a:rPr lang="en-US" b="0" i="0" dirty="0">
+              <a:rPr lang="en-US" sz="2000" b="0" i="0" dirty="0">
                 <a:solidFill>
                   <a:srgbClr val="000000"/>
                 </a:solidFill>
@@ -23811,9 +26604,9 @@
             </a:r>
           </a:p>
           <a:p>
-            <a:pPr algn="r" rtl="1"/>
+            <a:pPr algn="l"/>
             <a:r>
-              <a:rPr lang="en-US" b="0" i="0" dirty="0">
+              <a:rPr lang="en-US" sz="2000" b="0" i="0" dirty="0">
                 <a:solidFill>
                   <a:srgbClr val="000000"/>
                 </a:solidFill>
@@ -23824,9 +26617,9 @@
             </a:r>
           </a:p>
           <a:p>
-            <a:pPr algn="r" rtl="1"/>
+            <a:pPr algn="l"/>
             <a:r>
-              <a:rPr lang="en-US" b="0" i="0" dirty="0">
+              <a:rPr lang="en-US" sz="2000" b="0" i="0" dirty="0">
                 <a:solidFill>
                   <a:srgbClr val="000000"/>
                 </a:solidFill>
@@ -23837,9 +26630,9 @@
             </a:r>
           </a:p>
           <a:p>
-            <a:pPr algn="r" rtl="1"/>
+            <a:pPr algn="l"/>
             <a:r>
-              <a:rPr lang="en-US" b="0" i="0" dirty="0">
+              <a:rPr lang="en-US" sz="2000" b="0" i="0" dirty="0">
                 <a:solidFill>
                   <a:srgbClr val="000000"/>
                 </a:solidFill>
@@ -23850,9 +26643,9 @@
             </a:r>
           </a:p>
           <a:p>
-            <a:pPr algn="r" rtl="1"/>
+            <a:pPr algn="l"/>
             <a:r>
-              <a:rPr lang="en-US" b="0" i="0" dirty="0">
+              <a:rPr lang="en-US" sz="2000" b="0" i="0" dirty="0">
                 <a:solidFill>
                   <a:srgbClr val="000000"/>
                 </a:solidFill>
@@ -23870,6 +26663,56 @@
           </a:p>
         </p:txBody>
       </p:sp>
+      <p:pic>
+        <p:nvPicPr>
+          <p:cNvPr id="4" name="Picture 3" descr="Diagram">
+            <a:extLst>
+              <a:ext uri="{FF2B5EF4-FFF2-40B4-BE49-F238E27FC236}">
+                <a16:creationId xmlns:a16="http://schemas.microsoft.com/office/drawing/2014/main" id="{795CC32A-AAC7-4D1E-69DD-4AB5799132C3}"/>
+              </a:ext>
+            </a:extLst>
+          </p:cNvPr>
+          <p:cNvPicPr>
+            <a:picLocks noChangeAspect="1"/>
+          </p:cNvPicPr>
+          <p:nvPr/>
+        </p:nvPicPr>
+        <p:blipFill>
+          <a:blip r:embed="rId2">
+            <a:extLst>
+              <a:ext uri="{28A0092B-C50C-407E-A947-70E740481C1C}">
+                <a14:useLocalDpi xmlns:a14="http://schemas.microsoft.com/office/drawing/2010/main" val="0"/>
+              </a:ext>
+            </a:extLst>
+          </a:blip>
+          <a:stretch>
+            <a:fillRect/>
+          </a:stretch>
+        </p:blipFill>
+        <p:spPr>
+          <a:xfrm>
+            <a:off x="6315935" y="2891772"/>
+            <a:ext cx="3856766" cy="1718361"/>
+          </a:xfrm>
+          <a:prstGeom prst="rect">
+            <a:avLst/>
+          </a:prstGeom>
+          <a:ln w="38100" cap="sq">
+            <a:solidFill>
+              <a:srgbClr val="000000"/>
+            </a:solidFill>
+            <a:prstDash val="solid"/>
+            <a:miter lim="800000"/>
+          </a:ln>
+          <a:effectLst>
+            <a:outerShdw blurRad="50800" dist="38100" dir="2700000" algn="tl" rotWithShape="0">
+              <a:srgbClr val="000000">
+                <a:alpha val="43000"/>
+              </a:srgbClr>
+            </a:outerShdw>
+          </a:effectLst>
+        </p:spPr>
+      </p:pic>
     </p:spTree>
     <p:extLst>
       <p:ext uri="{BB962C8B-B14F-4D97-AF65-F5344CB8AC3E}">
@@ -23918,7 +26761,7 @@
         </p:nvSpPr>
         <p:spPr>
           <a:xfrm>
-            <a:off x="2781876" y="761653"/>
+            <a:off x="2287732" y="761653"/>
             <a:ext cx="7335835" cy="1268984"/>
           </a:xfrm>
         </p:spPr>
@@ -23970,8 +26813,8 @@
         </p:nvSpPr>
         <p:spPr>
           <a:xfrm>
-            <a:off x="1793586" y="1504234"/>
-            <a:ext cx="9059141" cy="4785730"/>
+            <a:off x="2512217" y="1504234"/>
+            <a:ext cx="6886864" cy="4785730"/>
           </a:xfrm>
         </p:spPr>
         <p:txBody>
@@ -23984,9 +26827,41 @@
               <a:buNone/>
             </a:pPr>
             <a:r>
-              <a:rPr lang="he-IL" sz="1800" dirty="0"/>
-              <a:t>בקבוצת הפיצ'רים הזו הקדשנו את תשומת הלב עבור כמה מהעקרונות הבאים: </a:t>
+              <a:rPr lang="he-IL" sz="1800" b="0" i="0" dirty="0">
+                <a:solidFill>
+                  <a:srgbClr val="000000"/>
+                </a:solidFill>
+                <a:effectLst/>
+                <a:latin typeface="Helvetica Neue"/>
+              </a:rPr>
+              <a:t>עבור קטגוריה זו של פיצ'רים התבססנו על תוכן ה</a:t>
             </a:r>
+            <a:r>
+              <a:rPr lang="en-US" sz="1800" b="0" i="0" dirty="0">
+                <a:solidFill>
+                  <a:srgbClr val="000000"/>
+                </a:solidFill>
+                <a:effectLst/>
+                <a:latin typeface="Helvetica Neue"/>
+              </a:rPr>
+              <a:t>URL</a:t>
+            </a:r>
+            <a:r>
+              <a:rPr lang="he-IL" sz="1800" dirty="0">
+                <a:solidFill>
+                  <a:srgbClr val="000000"/>
+                </a:solidFill>
+                <a:latin typeface="Helvetica Neue"/>
+              </a:rPr>
+              <a:t> וסימנים מחשידים:</a:t>
+            </a:r>
+            <a:endParaRPr lang="he-IL" sz="1800" b="0" i="0" dirty="0">
+              <a:solidFill>
+                <a:srgbClr val="000000"/>
+              </a:solidFill>
+              <a:effectLst/>
+              <a:latin typeface="Helvetica Neue"/>
+            </a:endParaRPr>
           </a:p>
           <a:p>
             <a:pPr marL="0" indent="0" algn="r" rtl="1">
@@ -24001,7 +26876,7 @@
             </a:endParaRPr>
           </a:p>
           <a:p>
-            <a:pPr algn="r" rtl="1"/>
+            <a:pPr algn="l"/>
             <a:r>
               <a:rPr lang="en-US" sz="1800" b="0" i="0" dirty="0">
                 <a:solidFill>
@@ -24034,7 +26909,7 @@
             </a:r>
           </a:p>
           <a:p>
-            <a:pPr algn="r" rtl="1"/>
+            <a:pPr algn="l"/>
             <a:r>
               <a:rPr lang="en-US" sz="1800" b="0" i="0" dirty="0">
                 <a:solidFill>
@@ -24067,7 +26942,7 @@
             </a:r>
           </a:p>
           <a:p>
-            <a:pPr algn="r" rtl="1"/>
+            <a:pPr algn="l"/>
             <a:r>
               <a:rPr lang="en-US" sz="1800" b="0" i="0" dirty="0">
                 <a:solidFill>
@@ -24100,7 +26975,7 @@
             </a:r>
           </a:p>
           <a:p>
-            <a:pPr algn="r" rtl="1"/>
+            <a:pPr algn="l"/>
             <a:r>
               <a:rPr lang="en-US" sz="1800" b="0" i="0" dirty="0">
                 <a:solidFill>
@@ -24133,7 +27008,7 @@
             </a:r>
           </a:p>
           <a:p>
-            <a:pPr algn="r" rtl="1"/>
+            <a:pPr algn="l"/>
             <a:r>
               <a:rPr lang="en-US" sz="1800" b="0" i="0" dirty="0">
                 <a:solidFill>
@@ -24166,7 +27041,7 @@
             </a:r>
           </a:p>
           <a:p>
-            <a:pPr algn="r" rtl="1"/>
+            <a:pPr algn="l"/>
             <a:r>
               <a:rPr lang="en-US" sz="1800" b="0" i="0" dirty="0">
                 <a:solidFill>
@@ -24199,7 +27074,7 @@
             </a:r>
           </a:p>
           <a:p>
-            <a:pPr algn="r" rtl="1"/>
+            <a:pPr algn="l"/>
             <a:r>
               <a:rPr lang="en-US" sz="1800" b="0" i="0" dirty="0">
                 <a:solidFill>
@@ -24232,7 +27107,7 @@
             </a:r>
           </a:p>
           <a:p>
-            <a:pPr algn="r" rtl="1"/>
+            <a:pPr algn="l"/>
             <a:r>
               <a:rPr lang="en-US" sz="1800" b="0" i="0" dirty="0">
                 <a:solidFill>
@@ -24265,7 +27140,7 @@
             </a:r>
           </a:p>
           <a:p>
-            <a:pPr algn="r" rtl="1"/>
+            <a:pPr algn="l"/>
             <a:r>
               <a:rPr lang="en-US" sz="1800" b="0" i="0" dirty="0">
                 <a:solidFill>
@@ -24298,7 +27173,7 @@
             </a:r>
           </a:p>
           <a:p>
-            <a:pPr algn="r" rtl="1"/>
+            <a:pPr algn="l"/>
             <a:r>
               <a:rPr lang="en-US" sz="1800" b="0" i="0" dirty="0">
                 <a:solidFill>
@@ -24331,7 +27206,7 @@
             </a:r>
           </a:p>
           <a:p>
-            <a:pPr algn="r" rtl="1"/>
+            <a:pPr algn="l"/>
             <a:r>
               <a:rPr lang="en-US" sz="1800" b="0" i="0" dirty="0">
                 <a:solidFill>
@@ -24414,7 +27289,7 @@
         </p:nvSpPr>
         <p:spPr>
           <a:xfrm>
-            <a:off x="2772640" y="789362"/>
+            <a:off x="2562875" y="789362"/>
             <a:ext cx="7335835" cy="1268984"/>
           </a:xfrm>
         </p:spPr>
@@ -24467,28 +27342,41 @@
           </a:bodyPr>
           <a:lstStyle/>
           <a:p>
-            <a:pPr marL="0" indent="0" algn="r">
+            <a:pPr marL="0" indent="0" algn="r" rtl="1">
               <a:buNone/>
             </a:pPr>
             <a:r>
-              <a:rPr lang="he-IL" sz="2000" dirty="0"/>
-              <a:t>בקבוצת הפיצ'רים הזה הקדשנו את תשומת הלב עבור כמה מהעקרונות הבאים: </a:t>
+              <a:rPr lang="he-IL" sz="2000" b="0" i="0" dirty="0">
+                <a:solidFill>
+                  <a:srgbClr val="000000"/>
+                </a:solidFill>
+                <a:effectLst/>
+                <a:latin typeface="Helvetica Neue"/>
+              </a:rPr>
+              <a:t>עבור קטגוריה זו של פיצ'רים התבססנו על האם ה</a:t>
+            </a:r>
+            <a:r>
+              <a:rPr lang="en-US" sz="2000" b="0" i="0" dirty="0">
+                <a:solidFill>
+                  <a:srgbClr val="000000"/>
+                </a:solidFill>
+                <a:effectLst/>
+                <a:latin typeface="Helvetica Neue"/>
+              </a:rPr>
+              <a:t>URL</a:t>
+            </a:r>
+            <a:r>
+              <a:rPr lang="he-IL" sz="2000" b="0" i="0" dirty="0">
+                <a:solidFill>
+                  <a:srgbClr val="000000"/>
+                </a:solidFill>
+                <a:effectLst/>
+                <a:latin typeface="Helvetica Neue"/>
+              </a:rPr>
+              <a:t> בנוי בצורה ספציפית.</a:t>
             </a:r>
           </a:p>
           <a:p>
-            <a:pPr marL="0" indent="0" algn="ctr">
-              <a:buNone/>
-            </a:pPr>
-            <a:endParaRPr lang="he-IL" sz="2000" b="0" i="0" dirty="0">
-              <a:solidFill>
-                <a:srgbClr val="000000"/>
-              </a:solidFill>
-              <a:effectLst/>
-              <a:latin typeface="Helvetica Neue"/>
-            </a:endParaRPr>
-          </a:p>
-          <a:p>
-            <a:pPr algn="r" rtl="1"/>
             <a:r>
               <a:rPr lang="en-US" sz="2000" b="0" i="0" dirty="0">
                 <a:solidFill>
@@ -24501,7 +27389,6 @@
             </a:r>
           </a:p>
           <a:p>
-            <a:pPr algn="r" rtl="1"/>
             <a:r>
               <a:rPr lang="en-US" sz="2000" b="0" i="0" dirty="0">
                 <a:solidFill>
